--- a/content/lectures/lecture14/presentation/cs109b_lecture14_RL.pptx
+++ b/content/lectures/lecture14/presentation/cs109b_lecture14_RL.pptx
@@ -55,21 +55,21 @@
     <p:sldId id="297" r:id="rId46"/>
     <p:sldId id="345" r:id="rId47"/>
     <p:sldId id="347" r:id="rId48"/>
-    <p:sldId id="272" r:id="rId49"/>
+    <p:sldId id="354" r:id="rId49"/>
     <p:sldId id="348" r:id="rId50"/>
     <p:sldId id="349" r:id="rId51"/>
-    <p:sldId id="273" r:id="rId52"/>
+    <p:sldId id="355" r:id="rId52"/>
     <p:sldId id="350" r:id="rId53"/>
     <p:sldId id="352" r:id="rId54"/>
     <p:sldId id="351" r:id="rId55"/>
     <p:sldId id="274" r:id="rId56"/>
     <p:sldId id="275" r:id="rId57"/>
-    <p:sldId id="276" r:id="rId58"/>
-    <p:sldId id="277" r:id="rId59"/>
+    <p:sldId id="356" r:id="rId58"/>
+    <p:sldId id="357" r:id="rId59"/>
     <p:sldId id="278" r:id="rId60"/>
-    <p:sldId id="279" r:id="rId61"/>
-    <p:sldId id="280" r:id="rId62"/>
-    <p:sldId id="281" r:id="rId63"/>
+    <p:sldId id="358" r:id="rId61"/>
+    <p:sldId id="359" r:id="rId62"/>
+    <p:sldId id="353" r:id="rId63"/>
     <p:sldId id="282" r:id="rId64"/>
     <p:sldId id="283" r:id="rId65"/>
   </p:sldIdLst>
@@ -1733,214 +1733,6 @@
   <p:cSld>
     <p:spTree>
       <p:nvGrpSpPr>
-        <p:cNvPr id="1" name="Shape 170"/>
-        <p:cNvGrpSpPr/>
-        <p:nvPr/>
-      </p:nvGrpSpPr>
-      <p:grpSpPr>
-        <a:xfrm>
-          <a:off x="0" y="0"/>
-          <a:ext cx="0" cy="0"/>
-          <a:chOff x="0" y="0"/>
-          <a:chExt cx="0" cy="0"/>
-        </a:xfrm>
-      </p:grpSpPr>
-      <p:sp>
-        <p:nvSpPr>
-          <p:cNvPr id="171" name="Google Shape;171;g502c2e9fc8_3_0:notes"/>
-          <p:cNvSpPr>
-            <a:spLocks noGrp="1" noRot="1" noChangeAspect="1"/>
-          </p:cNvSpPr>
-          <p:nvPr>
-            <p:ph type="sldImg" idx="2"/>
-          </p:nvPr>
-        </p:nvSpPr>
-        <p:spPr>
-          <a:xfrm>
-            <a:off x="381000" y="685800"/>
-            <a:ext cx="6096000" cy="3429000"/>
-          </a:xfrm>
-          <a:custGeom>
-            <a:avLst/>
-            <a:gdLst/>
-            <a:ahLst/>
-            <a:cxnLst/>
-            <a:rect l="l" t="t" r="r" b="b"/>
-            <a:pathLst>
-              <a:path w="120000" h="120000" extrusionOk="0">
-                <a:moveTo>
-                  <a:pt x="0" y="0"/>
-                </a:moveTo>
-                <a:lnTo>
-                  <a:pt x="120000" y="0"/>
-                </a:lnTo>
-                <a:lnTo>
-                  <a:pt x="120000" y="120000"/>
-                </a:lnTo>
-                <a:lnTo>
-                  <a:pt x="0" y="120000"/>
-                </a:lnTo>
-                <a:close/>
-              </a:path>
-            </a:pathLst>
-          </a:custGeom>
-        </p:spPr>
-      </p:sp>
-      <p:sp>
-        <p:nvSpPr>
-          <p:cNvPr id="172" name="Google Shape;172;g502c2e9fc8_3_0:notes"/>
-          <p:cNvSpPr txBox="1">
-            <a:spLocks noGrp="1"/>
-          </p:cNvSpPr>
-          <p:nvPr>
-            <p:ph type="body" idx="1"/>
-          </p:nvPr>
-        </p:nvSpPr>
-        <p:spPr>
-          <a:xfrm>
-            <a:off x="685800" y="4343400"/>
-            <a:ext cx="5486400" cy="4114800"/>
-          </a:xfrm>
-          <a:prstGeom prst="rect">
-            <a:avLst/>
-          </a:prstGeom>
-        </p:spPr>
-        <p:txBody>
-          <a:bodyPr spcFirstLastPara="1" wrap="square" lIns="91425" tIns="91425" rIns="91425" bIns="91425" anchor="t" anchorCtr="0">
-            <a:noAutofit/>
-          </a:bodyPr>
-          <a:lstStyle/>
-          <a:p>
-            <a:pPr marL="0" lvl="0" indent="0" algn="l" rtl="0">
-              <a:spcBef>
-                <a:spcPts val="0"/>
-              </a:spcBef>
-              <a:spcAft>
-                <a:spcPts val="0"/>
-              </a:spcAft>
-              <a:buNone/>
-            </a:pPr>
-            <a:endParaRPr/>
-          </a:p>
-        </p:txBody>
-      </p:sp>
-    </p:spTree>
-  </p:cSld>
-  <p:clrMapOvr>
-    <a:masterClrMapping/>
-  </p:clrMapOvr>
-</p:notes>
-</file>
-
-<file path=ppt/notesSlides/notesSlide21.xml><?xml version="1.0" encoding="utf-8"?>
-<p:notes xmlns:a="http://schemas.openxmlformats.org/drawingml/2006/main" xmlns:r="http://schemas.openxmlformats.org/officeDocument/2006/relationships" xmlns:p="http://schemas.openxmlformats.org/presentationml/2006/main" showMasterSp="0" showMasterPhAnim="0">
-  <p:cSld>
-    <p:spTree>
-      <p:nvGrpSpPr>
-        <p:cNvPr id="1" name="Shape 176"/>
-        <p:cNvGrpSpPr/>
-        <p:nvPr/>
-      </p:nvGrpSpPr>
-      <p:grpSpPr>
-        <a:xfrm>
-          <a:off x="0" y="0"/>
-          <a:ext cx="0" cy="0"/>
-          <a:chOff x="0" y="0"/>
-          <a:chExt cx="0" cy="0"/>
-        </a:xfrm>
-      </p:grpSpPr>
-      <p:sp>
-        <p:nvSpPr>
-          <p:cNvPr id="177" name="Google Shape;177;g502c2e9fc8_3_5:notes"/>
-          <p:cNvSpPr>
-            <a:spLocks noGrp="1" noRot="1" noChangeAspect="1"/>
-          </p:cNvSpPr>
-          <p:nvPr>
-            <p:ph type="sldImg" idx="2"/>
-          </p:nvPr>
-        </p:nvSpPr>
-        <p:spPr>
-          <a:xfrm>
-            <a:off x="381000" y="685800"/>
-            <a:ext cx="6096000" cy="3429000"/>
-          </a:xfrm>
-          <a:custGeom>
-            <a:avLst/>
-            <a:gdLst/>
-            <a:ahLst/>
-            <a:cxnLst/>
-            <a:rect l="l" t="t" r="r" b="b"/>
-            <a:pathLst>
-              <a:path w="120000" h="120000" extrusionOk="0">
-                <a:moveTo>
-                  <a:pt x="0" y="0"/>
-                </a:moveTo>
-                <a:lnTo>
-                  <a:pt x="120000" y="0"/>
-                </a:lnTo>
-                <a:lnTo>
-                  <a:pt x="120000" y="120000"/>
-                </a:lnTo>
-                <a:lnTo>
-                  <a:pt x="0" y="120000"/>
-                </a:lnTo>
-                <a:close/>
-              </a:path>
-            </a:pathLst>
-          </a:custGeom>
-        </p:spPr>
-      </p:sp>
-      <p:sp>
-        <p:nvSpPr>
-          <p:cNvPr id="178" name="Google Shape;178;g502c2e9fc8_3_5:notes"/>
-          <p:cNvSpPr txBox="1">
-            <a:spLocks noGrp="1"/>
-          </p:cNvSpPr>
-          <p:nvPr>
-            <p:ph type="body" idx="1"/>
-          </p:nvPr>
-        </p:nvSpPr>
-        <p:spPr>
-          <a:xfrm>
-            <a:off x="685800" y="4343400"/>
-            <a:ext cx="5486400" cy="4114800"/>
-          </a:xfrm>
-          <a:prstGeom prst="rect">
-            <a:avLst/>
-          </a:prstGeom>
-        </p:spPr>
-        <p:txBody>
-          <a:bodyPr spcFirstLastPara="1" wrap="square" lIns="91425" tIns="91425" rIns="91425" bIns="91425" anchor="t" anchorCtr="0">
-            <a:noAutofit/>
-          </a:bodyPr>
-          <a:lstStyle/>
-          <a:p>
-            <a:pPr marL="0" lvl="0" indent="0" algn="l" rtl="0">
-              <a:spcBef>
-                <a:spcPts val="0"/>
-              </a:spcBef>
-              <a:spcAft>
-                <a:spcPts val="0"/>
-              </a:spcAft>
-              <a:buNone/>
-            </a:pPr>
-            <a:endParaRPr/>
-          </a:p>
-        </p:txBody>
-      </p:sp>
-    </p:spTree>
-  </p:cSld>
-  <p:clrMapOvr>
-    <a:masterClrMapping/>
-  </p:clrMapOvr>
-</p:notes>
-</file>
-
-<file path=ppt/notesSlides/notesSlide22.xml><?xml version="1.0" encoding="utf-8"?>
-<p:notes xmlns:a="http://schemas.openxmlformats.org/drawingml/2006/main" xmlns:r="http://schemas.openxmlformats.org/officeDocument/2006/relationships" xmlns:p="http://schemas.openxmlformats.org/presentationml/2006/main" showMasterSp="0" showMasterPhAnim="0">
-  <p:cSld>
-    <p:spTree>
-      <p:nvGrpSpPr>
         <p:cNvPr id="1" name="Shape 182"/>
         <p:cNvGrpSpPr/>
         <p:nvPr/>
@@ -2040,7 +1832,7 @@
 </p:notes>
 </file>
 
-<file path=ppt/notesSlides/notesSlide23.xml><?xml version="1.0" encoding="utf-8"?>
+<file path=ppt/notesSlides/notesSlide21.xml><?xml version="1.0" encoding="utf-8"?>
 <p:notes xmlns:a="http://schemas.openxmlformats.org/drawingml/2006/main" xmlns:r="http://schemas.openxmlformats.org/officeDocument/2006/relationships" xmlns:p="http://schemas.openxmlformats.org/presentationml/2006/main" showMasterSp="0" showMasterPhAnim="0">
   <p:cSld>
     <p:spTree>
@@ -2144,215 +1936,7 @@
 </p:notes>
 </file>
 
-<file path=ppt/notesSlides/notesSlide24.xml><?xml version="1.0" encoding="utf-8"?>
-<p:notes xmlns:a="http://schemas.openxmlformats.org/drawingml/2006/main" xmlns:r="http://schemas.openxmlformats.org/officeDocument/2006/relationships" xmlns:p="http://schemas.openxmlformats.org/presentationml/2006/main" showMasterSp="0" showMasterPhAnim="0">
-  <p:cSld>
-    <p:spTree>
-      <p:nvGrpSpPr>
-        <p:cNvPr id="1" name="Shape 193"/>
-        <p:cNvGrpSpPr/>
-        <p:nvPr/>
-      </p:nvGrpSpPr>
-      <p:grpSpPr>
-        <a:xfrm>
-          <a:off x="0" y="0"/>
-          <a:ext cx="0" cy="0"/>
-          <a:chOff x="0" y="0"/>
-          <a:chExt cx="0" cy="0"/>
-        </a:xfrm>
-      </p:grpSpPr>
-      <p:sp>
-        <p:nvSpPr>
-          <p:cNvPr id="194" name="Google Shape;194;g502c2e9fc8_3_20:notes"/>
-          <p:cNvSpPr>
-            <a:spLocks noGrp="1" noRot="1" noChangeAspect="1"/>
-          </p:cNvSpPr>
-          <p:nvPr>
-            <p:ph type="sldImg" idx="2"/>
-          </p:nvPr>
-        </p:nvSpPr>
-        <p:spPr>
-          <a:xfrm>
-            <a:off x="381000" y="685800"/>
-            <a:ext cx="6096000" cy="3429000"/>
-          </a:xfrm>
-          <a:custGeom>
-            <a:avLst/>
-            <a:gdLst/>
-            <a:ahLst/>
-            <a:cxnLst/>
-            <a:rect l="l" t="t" r="r" b="b"/>
-            <a:pathLst>
-              <a:path w="120000" h="120000" extrusionOk="0">
-                <a:moveTo>
-                  <a:pt x="0" y="0"/>
-                </a:moveTo>
-                <a:lnTo>
-                  <a:pt x="120000" y="0"/>
-                </a:lnTo>
-                <a:lnTo>
-                  <a:pt x="120000" y="120000"/>
-                </a:lnTo>
-                <a:lnTo>
-                  <a:pt x="0" y="120000"/>
-                </a:lnTo>
-                <a:close/>
-              </a:path>
-            </a:pathLst>
-          </a:custGeom>
-        </p:spPr>
-      </p:sp>
-      <p:sp>
-        <p:nvSpPr>
-          <p:cNvPr id="195" name="Google Shape;195;g502c2e9fc8_3_20:notes"/>
-          <p:cNvSpPr txBox="1">
-            <a:spLocks noGrp="1"/>
-          </p:cNvSpPr>
-          <p:nvPr>
-            <p:ph type="body" idx="1"/>
-          </p:nvPr>
-        </p:nvSpPr>
-        <p:spPr>
-          <a:xfrm>
-            <a:off x="685800" y="4343400"/>
-            <a:ext cx="5486400" cy="4114800"/>
-          </a:xfrm>
-          <a:prstGeom prst="rect">
-            <a:avLst/>
-          </a:prstGeom>
-        </p:spPr>
-        <p:txBody>
-          <a:bodyPr spcFirstLastPara="1" wrap="square" lIns="91425" tIns="91425" rIns="91425" bIns="91425" anchor="t" anchorCtr="0">
-            <a:noAutofit/>
-          </a:bodyPr>
-          <a:lstStyle/>
-          <a:p>
-            <a:pPr marL="0" lvl="0" indent="0" algn="l" rtl="0">
-              <a:spcBef>
-                <a:spcPts val="0"/>
-              </a:spcBef>
-              <a:spcAft>
-                <a:spcPts val="0"/>
-              </a:spcAft>
-              <a:buNone/>
-            </a:pPr>
-            <a:endParaRPr/>
-          </a:p>
-        </p:txBody>
-      </p:sp>
-    </p:spTree>
-  </p:cSld>
-  <p:clrMapOvr>
-    <a:masterClrMapping/>
-  </p:clrMapOvr>
-</p:notes>
-</file>
-
-<file path=ppt/notesSlides/notesSlide25.xml><?xml version="1.0" encoding="utf-8"?>
-<p:notes xmlns:a="http://schemas.openxmlformats.org/drawingml/2006/main" xmlns:r="http://schemas.openxmlformats.org/officeDocument/2006/relationships" xmlns:p="http://schemas.openxmlformats.org/presentationml/2006/main" showMasterSp="0" showMasterPhAnim="0">
-  <p:cSld>
-    <p:spTree>
-      <p:nvGrpSpPr>
-        <p:cNvPr id="1" name="Shape 199"/>
-        <p:cNvGrpSpPr/>
-        <p:nvPr/>
-      </p:nvGrpSpPr>
-      <p:grpSpPr>
-        <a:xfrm>
-          <a:off x="0" y="0"/>
-          <a:ext cx="0" cy="0"/>
-          <a:chOff x="0" y="0"/>
-          <a:chExt cx="0" cy="0"/>
-        </a:xfrm>
-      </p:grpSpPr>
-      <p:sp>
-        <p:nvSpPr>
-          <p:cNvPr id="200" name="Google Shape;200;g502c2e9fc8_3_25:notes"/>
-          <p:cNvSpPr>
-            <a:spLocks noGrp="1" noRot="1" noChangeAspect="1"/>
-          </p:cNvSpPr>
-          <p:nvPr>
-            <p:ph type="sldImg" idx="2"/>
-          </p:nvPr>
-        </p:nvSpPr>
-        <p:spPr>
-          <a:xfrm>
-            <a:off x="381000" y="685800"/>
-            <a:ext cx="6096000" cy="3429000"/>
-          </a:xfrm>
-          <a:custGeom>
-            <a:avLst/>
-            <a:gdLst/>
-            <a:ahLst/>
-            <a:cxnLst/>
-            <a:rect l="l" t="t" r="r" b="b"/>
-            <a:pathLst>
-              <a:path w="120000" h="120000" extrusionOk="0">
-                <a:moveTo>
-                  <a:pt x="0" y="0"/>
-                </a:moveTo>
-                <a:lnTo>
-                  <a:pt x="120000" y="0"/>
-                </a:lnTo>
-                <a:lnTo>
-                  <a:pt x="120000" y="120000"/>
-                </a:lnTo>
-                <a:lnTo>
-                  <a:pt x="0" y="120000"/>
-                </a:lnTo>
-                <a:close/>
-              </a:path>
-            </a:pathLst>
-          </a:custGeom>
-        </p:spPr>
-      </p:sp>
-      <p:sp>
-        <p:nvSpPr>
-          <p:cNvPr id="201" name="Google Shape;201;g502c2e9fc8_3_25:notes"/>
-          <p:cNvSpPr txBox="1">
-            <a:spLocks noGrp="1"/>
-          </p:cNvSpPr>
-          <p:nvPr>
-            <p:ph type="body" idx="1"/>
-          </p:nvPr>
-        </p:nvSpPr>
-        <p:spPr>
-          <a:xfrm>
-            <a:off x="685800" y="4343400"/>
-            <a:ext cx="5486400" cy="4114800"/>
-          </a:xfrm>
-          <a:prstGeom prst="rect">
-            <a:avLst/>
-          </a:prstGeom>
-        </p:spPr>
-        <p:txBody>
-          <a:bodyPr spcFirstLastPara="1" wrap="square" lIns="91425" tIns="91425" rIns="91425" bIns="91425" anchor="t" anchorCtr="0">
-            <a:noAutofit/>
-          </a:bodyPr>
-          <a:lstStyle/>
-          <a:p>
-            <a:pPr marL="0" lvl="0" indent="0" algn="l" rtl="0">
-              <a:spcBef>
-                <a:spcPts val="0"/>
-              </a:spcBef>
-              <a:spcAft>
-                <a:spcPts val="0"/>
-              </a:spcAft>
-              <a:buNone/>
-            </a:pPr>
-            <a:endParaRPr/>
-          </a:p>
-        </p:txBody>
-      </p:sp>
-    </p:spTree>
-  </p:cSld>
-  <p:clrMapOvr>
-    <a:masterClrMapping/>
-  </p:clrMapOvr>
-</p:notes>
-</file>
-
-<file path=ppt/notesSlides/notesSlide26.xml><?xml version="1.0" encoding="utf-8"?>
+<file path=ppt/notesSlides/notesSlide22.xml><?xml version="1.0" encoding="utf-8"?>
 <p:notes xmlns:a="http://schemas.openxmlformats.org/drawingml/2006/main" xmlns:r="http://schemas.openxmlformats.org/officeDocument/2006/relationships" xmlns:p="http://schemas.openxmlformats.org/presentationml/2006/main" showMasterSp="0" showMasterPhAnim="0">
   <p:cSld>
     <p:spTree>
@@ -2456,389 +2040,7 @@
 </p:notes>
 </file>
 
-<file path=ppt/notesSlides/notesSlide27.xml><?xml version="1.0" encoding="utf-8"?>
-<p:notes xmlns:a="http://schemas.openxmlformats.org/drawingml/2006/main" xmlns:r="http://schemas.openxmlformats.org/officeDocument/2006/relationships" xmlns:p="http://schemas.openxmlformats.org/presentationml/2006/main" showMasterSp="0" showMasterPhAnim="0">
-  <p:cSld>
-    <p:spTree>
-      <p:nvGrpSpPr>
-        <p:cNvPr id="1" name="Shape 211"/>
-        <p:cNvGrpSpPr/>
-        <p:nvPr/>
-      </p:nvGrpSpPr>
-      <p:grpSpPr>
-        <a:xfrm>
-          <a:off x="0" y="0"/>
-          <a:ext cx="0" cy="0"/>
-          <a:chOff x="0" y="0"/>
-          <a:chExt cx="0" cy="0"/>
-        </a:xfrm>
-      </p:grpSpPr>
-      <p:sp>
-        <p:nvSpPr>
-          <p:cNvPr id="212" name="Google Shape;212;g502c2e9fc8_3_30:notes"/>
-          <p:cNvSpPr>
-            <a:spLocks noGrp="1" noRot="1" noChangeAspect="1"/>
-          </p:cNvSpPr>
-          <p:nvPr>
-            <p:ph type="sldImg" idx="2"/>
-          </p:nvPr>
-        </p:nvSpPr>
-        <p:spPr>
-          <a:xfrm>
-            <a:off x="381000" y="685800"/>
-            <a:ext cx="6096000" cy="3429000"/>
-          </a:xfrm>
-          <a:custGeom>
-            <a:avLst/>
-            <a:gdLst/>
-            <a:ahLst/>
-            <a:cxnLst/>
-            <a:rect l="l" t="t" r="r" b="b"/>
-            <a:pathLst>
-              <a:path w="120000" h="120000" extrusionOk="0">
-                <a:moveTo>
-                  <a:pt x="0" y="0"/>
-                </a:moveTo>
-                <a:lnTo>
-                  <a:pt x="120000" y="0"/>
-                </a:lnTo>
-                <a:lnTo>
-                  <a:pt x="120000" y="120000"/>
-                </a:lnTo>
-                <a:lnTo>
-                  <a:pt x="0" y="120000"/>
-                </a:lnTo>
-                <a:close/>
-              </a:path>
-            </a:pathLst>
-          </a:custGeom>
-        </p:spPr>
-      </p:sp>
-      <p:sp>
-        <p:nvSpPr>
-          <p:cNvPr id="213" name="Google Shape;213;g502c2e9fc8_3_30:notes"/>
-          <p:cNvSpPr txBox="1">
-            <a:spLocks noGrp="1"/>
-          </p:cNvSpPr>
-          <p:nvPr>
-            <p:ph type="body" idx="1"/>
-          </p:nvPr>
-        </p:nvSpPr>
-        <p:spPr>
-          <a:xfrm>
-            <a:off x="685800" y="4343400"/>
-            <a:ext cx="5486400" cy="4114800"/>
-          </a:xfrm>
-          <a:prstGeom prst="rect">
-            <a:avLst/>
-          </a:prstGeom>
-        </p:spPr>
-        <p:txBody>
-          <a:bodyPr spcFirstLastPara="1" wrap="square" lIns="91425" tIns="91425" rIns="91425" bIns="91425" anchor="t" anchorCtr="0">
-            <a:noAutofit/>
-          </a:bodyPr>
-          <a:lstStyle/>
-          <a:p>
-            <a:pPr marL="0" lvl="0" indent="0" algn="l" rtl="0">
-              <a:spcBef>
-                <a:spcPts val="0"/>
-              </a:spcBef>
-              <a:spcAft>
-                <a:spcPts val="0"/>
-              </a:spcAft>
-              <a:buNone/>
-            </a:pPr>
-            <a:endParaRPr/>
-          </a:p>
-        </p:txBody>
-      </p:sp>
-    </p:spTree>
-  </p:cSld>
-  <p:clrMapOvr>
-    <a:masterClrMapping/>
-  </p:clrMapOvr>
-</p:notes>
-</file>
-
-<file path=ppt/notesSlides/notesSlide28.xml><?xml version="1.0" encoding="utf-8"?>
-<p:notes xmlns:a="http://schemas.openxmlformats.org/drawingml/2006/main" xmlns:r="http://schemas.openxmlformats.org/officeDocument/2006/relationships" xmlns:p="http://schemas.openxmlformats.org/presentationml/2006/main" showMasterSp="0" showMasterPhAnim="0">
-  <p:cSld>
-    <p:spTree>
-      <p:nvGrpSpPr>
-        <p:cNvPr id="1" name="Shape 217"/>
-        <p:cNvGrpSpPr/>
-        <p:nvPr/>
-      </p:nvGrpSpPr>
-      <p:grpSpPr>
-        <a:xfrm>
-          <a:off x="0" y="0"/>
-          <a:ext cx="0" cy="0"/>
-          <a:chOff x="0" y="0"/>
-          <a:chExt cx="0" cy="0"/>
-        </a:xfrm>
-      </p:grpSpPr>
-      <p:sp>
-        <p:nvSpPr>
-          <p:cNvPr id="218" name="Google Shape;218;g502c2e9fc8_3_35:notes"/>
-          <p:cNvSpPr>
-            <a:spLocks noGrp="1" noRot="1" noChangeAspect="1"/>
-          </p:cNvSpPr>
-          <p:nvPr>
-            <p:ph type="sldImg" idx="2"/>
-          </p:nvPr>
-        </p:nvSpPr>
-        <p:spPr>
-          <a:xfrm>
-            <a:off x="381000" y="685800"/>
-            <a:ext cx="6096000" cy="3429000"/>
-          </a:xfrm>
-          <a:custGeom>
-            <a:avLst/>
-            <a:gdLst/>
-            <a:ahLst/>
-            <a:cxnLst/>
-            <a:rect l="l" t="t" r="r" b="b"/>
-            <a:pathLst>
-              <a:path w="120000" h="120000" extrusionOk="0">
-                <a:moveTo>
-                  <a:pt x="0" y="0"/>
-                </a:moveTo>
-                <a:lnTo>
-                  <a:pt x="120000" y="0"/>
-                </a:lnTo>
-                <a:lnTo>
-                  <a:pt x="120000" y="120000"/>
-                </a:lnTo>
-                <a:lnTo>
-                  <a:pt x="0" y="120000"/>
-                </a:lnTo>
-                <a:close/>
-              </a:path>
-            </a:pathLst>
-          </a:custGeom>
-        </p:spPr>
-      </p:sp>
-      <p:sp>
-        <p:nvSpPr>
-          <p:cNvPr id="219" name="Google Shape;219;g502c2e9fc8_3_35:notes"/>
-          <p:cNvSpPr txBox="1">
-            <a:spLocks noGrp="1"/>
-          </p:cNvSpPr>
-          <p:nvPr>
-            <p:ph type="body" idx="1"/>
-          </p:nvPr>
-        </p:nvSpPr>
-        <p:spPr>
-          <a:xfrm>
-            <a:off x="685800" y="4343400"/>
-            <a:ext cx="5486400" cy="4114800"/>
-          </a:xfrm>
-          <a:prstGeom prst="rect">
-            <a:avLst/>
-          </a:prstGeom>
-        </p:spPr>
-        <p:txBody>
-          <a:bodyPr spcFirstLastPara="1" wrap="square" lIns="91425" tIns="91425" rIns="91425" bIns="91425" anchor="t" anchorCtr="0">
-            <a:noAutofit/>
-          </a:bodyPr>
-          <a:lstStyle/>
-          <a:p>
-            <a:pPr marL="0" lvl="0" indent="0" algn="l" rtl="0">
-              <a:spcBef>
-                <a:spcPts val="0"/>
-              </a:spcBef>
-              <a:spcAft>
-                <a:spcPts val="0"/>
-              </a:spcAft>
-              <a:buNone/>
-            </a:pPr>
-            <a:endParaRPr/>
-          </a:p>
-        </p:txBody>
-      </p:sp>
-    </p:spTree>
-  </p:cSld>
-  <p:clrMapOvr>
-    <a:masterClrMapping/>
-  </p:clrMapOvr>
-</p:notes>
-</file>
-
-<file path=ppt/notesSlides/notesSlide29.xml><?xml version="1.0" encoding="utf-8"?>
-<p:notes xmlns:a="http://schemas.openxmlformats.org/drawingml/2006/main" xmlns:r="http://schemas.openxmlformats.org/officeDocument/2006/relationships" xmlns:p="http://schemas.openxmlformats.org/presentationml/2006/main" showMasterSp="0" showMasterPhAnim="0">
-  <p:cSld>
-    <p:spTree>
-      <p:nvGrpSpPr>
-        <p:cNvPr id="1" name="Shape 223"/>
-        <p:cNvGrpSpPr/>
-        <p:nvPr/>
-      </p:nvGrpSpPr>
-      <p:grpSpPr>
-        <a:xfrm>
-          <a:off x="0" y="0"/>
-          <a:ext cx="0" cy="0"/>
-          <a:chOff x="0" y="0"/>
-          <a:chExt cx="0" cy="0"/>
-        </a:xfrm>
-      </p:grpSpPr>
-      <p:sp>
-        <p:nvSpPr>
-          <p:cNvPr id="224" name="Google Shape;224;g502c2e9fc8_3_58:notes"/>
-          <p:cNvSpPr>
-            <a:spLocks noGrp="1" noRot="1" noChangeAspect="1"/>
-          </p:cNvSpPr>
-          <p:nvPr>
-            <p:ph type="sldImg" idx="2"/>
-          </p:nvPr>
-        </p:nvSpPr>
-        <p:spPr>
-          <a:xfrm>
-            <a:off x="381000" y="685800"/>
-            <a:ext cx="6096000" cy="3429000"/>
-          </a:xfrm>
-          <a:custGeom>
-            <a:avLst/>
-            <a:gdLst/>
-            <a:ahLst/>
-            <a:cxnLst/>
-            <a:rect l="l" t="t" r="r" b="b"/>
-            <a:pathLst>
-              <a:path w="120000" h="120000" extrusionOk="0">
-                <a:moveTo>
-                  <a:pt x="0" y="0"/>
-                </a:moveTo>
-                <a:lnTo>
-                  <a:pt x="120000" y="0"/>
-                </a:lnTo>
-                <a:lnTo>
-                  <a:pt x="120000" y="120000"/>
-                </a:lnTo>
-                <a:lnTo>
-                  <a:pt x="0" y="120000"/>
-                </a:lnTo>
-                <a:close/>
-              </a:path>
-            </a:pathLst>
-          </a:custGeom>
-        </p:spPr>
-      </p:sp>
-      <p:sp>
-        <p:nvSpPr>
-          <p:cNvPr id="225" name="Google Shape;225;g502c2e9fc8_3_58:notes"/>
-          <p:cNvSpPr txBox="1">
-            <a:spLocks noGrp="1"/>
-          </p:cNvSpPr>
-          <p:nvPr>
-            <p:ph type="body" idx="1"/>
-          </p:nvPr>
-        </p:nvSpPr>
-        <p:spPr>
-          <a:xfrm>
-            <a:off x="685800" y="4343400"/>
-            <a:ext cx="5486400" cy="4114800"/>
-          </a:xfrm>
-          <a:prstGeom prst="rect">
-            <a:avLst/>
-          </a:prstGeom>
-        </p:spPr>
-        <p:txBody>
-          <a:bodyPr spcFirstLastPara="1" wrap="square" lIns="91425" tIns="91425" rIns="91425" bIns="91425" anchor="t" anchorCtr="0">
-            <a:noAutofit/>
-          </a:bodyPr>
-          <a:lstStyle/>
-          <a:p>
-            <a:pPr marL="0" lvl="0" indent="0" algn="l" rtl="0">
-              <a:spcBef>
-                <a:spcPts val="0"/>
-              </a:spcBef>
-              <a:spcAft>
-                <a:spcPts val="0"/>
-              </a:spcAft>
-              <a:buNone/>
-            </a:pPr>
-            <a:endParaRPr/>
-          </a:p>
-        </p:txBody>
-      </p:sp>
-    </p:spTree>
-  </p:cSld>
-  <p:clrMapOvr>
-    <a:masterClrMapping/>
-  </p:clrMapOvr>
-</p:notes>
-</file>
-
-<file path=ppt/notesSlides/notesSlide3.xml><?xml version="1.0" encoding="utf-8"?>
-<p:notes xmlns:a="http://schemas.openxmlformats.org/drawingml/2006/main" xmlns:r="http://schemas.openxmlformats.org/officeDocument/2006/relationships" xmlns:p="http://schemas.openxmlformats.org/presentationml/2006/main">
-  <p:cSld>
-    <p:spTree>
-      <p:nvGrpSpPr>
-        <p:cNvPr id="1" name=""/>
-        <p:cNvGrpSpPr/>
-        <p:nvPr/>
-      </p:nvGrpSpPr>
-      <p:grpSpPr>
-        <a:xfrm>
-          <a:off x="0" y="0"/>
-          <a:ext cx="0" cy="0"/>
-          <a:chOff x="0" y="0"/>
-          <a:chExt cx="0" cy="0"/>
-        </a:xfrm>
-      </p:grpSpPr>
-      <p:sp>
-        <p:nvSpPr>
-          <p:cNvPr id="2" name="Slide Image Placeholder 1"/>
-          <p:cNvSpPr>
-            <a:spLocks noGrp="1" noRot="1" noChangeAspect="1"/>
-          </p:cNvSpPr>
-          <p:nvPr>
-            <p:ph type="sldImg"/>
-          </p:nvPr>
-        </p:nvSpPr>
-        <p:spPr>
-          <a:xfrm>
-            <a:off x="381000" y="685800"/>
-            <a:ext cx="6096000" cy="3429000"/>
-          </a:xfrm>
-        </p:spPr>
-      </p:sp>
-      <p:sp>
-        <p:nvSpPr>
-          <p:cNvPr id="3" name="Notes Placeholder 2"/>
-          <p:cNvSpPr>
-            <a:spLocks noGrp="1"/>
-          </p:cNvSpPr>
-          <p:nvPr>
-            <p:ph type="body" idx="1"/>
-          </p:nvPr>
-        </p:nvSpPr>
-        <p:spPr/>
-        <p:txBody>
-          <a:bodyPr/>
-          <a:lstStyle/>
-          <a:p>
-            <a:r>
-              <a:rPr lang="en-US" dirty="0" smtClean="0"/>
-              <a:t>Once in a lifetime usually means all zeros until the end</a:t>
-            </a:r>
-            <a:endParaRPr lang="en-US" dirty="0"/>
-          </a:p>
-        </p:txBody>
-      </p:sp>
-    </p:spTree>
-    <p:extLst>
-      <p:ext uri="{BB962C8B-B14F-4D97-AF65-F5344CB8AC3E}">
-        <p14:creationId xmlns:p14="http://schemas.microsoft.com/office/powerpoint/2010/main" val="1642539537"/>
-      </p:ext>
-    </p:extLst>
-  </p:cSld>
-  <p:clrMapOvr>
-    <a:masterClrMapping/>
-  </p:clrMapOvr>
-</p:notes>
-</file>
-
-<file path=ppt/notesSlides/notesSlide30.xml><?xml version="1.0" encoding="utf-8"?>
+<file path=ppt/notesSlides/notesSlide23.xml><?xml version="1.0" encoding="utf-8"?>
 <p:notes xmlns:a="http://schemas.openxmlformats.org/drawingml/2006/main" xmlns:r="http://schemas.openxmlformats.org/officeDocument/2006/relationships" xmlns:p="http://schemas.openxmlformats.org/presentationml/2006/main" showMasterSp="0" showMasterPhAnim="0">
   <p:cSld>
     <p:spTree>
@@ -2942,7 +2144,7 @@
 </p:notes>
 </file>
 
-<file path=ppt/notesSlides/notesSlide31.xml><?xml version="1.0" encoding="utf-8"?>
+<file path=ppt/notesSlides/notesSlide24.xml><?xml version="1.0" encoding="utf-8"?>
 <p:notes xmlns:a="http://schemas.openxmlformats.org/drawingml/2006/main" xmlns:r="http://schemas.openxmlformats.org/officeDocument/2006/relationships" xmlns:p="http://schemas.openxmlformats.org/presentationml/2006/main" showMasterSp="0" showMasterPhAnim="0">
   <p:cSld>
     <p:spTree>
@@ -3039,6 +2241,76 @@
         </p:txBody>
       </p:sp>
     </p:spTree>
+  </p:cSld>
+  <p:clrMapOvr>
+    <a:masterClrMapping/>
+  </p:clrMapOvr>
+</p:notes>
+</file>
+
+<file path=ppt/notesSlides/notesSlide3.xml><?xml version="1.0" encoding="utf-8"?>
+<p:notes xmlns:a="http://schemas.openxmlformats.org/drawingml/2006/main" xmlns:r="http://schemas.openxmlformats.org/officeDocument/2006/relationships" xmlns:p="http://schemas.openxmlformats.org/presentationml/2006/main">
+  <p:cSld>
+    <p:spTree>
+      <p:nvGrpSpPr>
+        <p:cNvPr id="1" name=""/>
+        <p:cNvGrpSpPr/>
+        <p:nvPr/>
+      </p:nvGrpSpPr>
+      <p:grpSpPr>
+        <a:xfrm>
+          <a:off x="0" y="0"/>
+          <a:ext cx="0" cy="0"/>
+          <a:chOff x="0" y="0"/>
+          <a:chExt cx="0" cy="0"/>
+        </a:xfrm>
+      </p:grpSpPr>
+      <p:sp>
+        <p:nvSpPr>
+          <p:cNvPr id="2" name="Slide Image Placeholder 1"/>
+          <p:cNvSpPr>
+            <a:spLocks noGrp="1" noRot="1" noChangeAspect="1"/>
+          </p:cNvSpPr>
+          <p:nvPr>
+            <p:ph type="sldImg"/>
+          </p:nvPr>
+        </p:nvSpPr>
+        <p:spPr>
+          <a:xfrm>
+            <a:off x="381000" y="685800"/>
+            <a:ext cx="6096000" cy="3429000"/>
+          </a:xfrm>
+        </p:spPr>
+      </p:sp>
+      <p:sp>
+        <p:nvSpPr>
+          <p:cNvPr id="3" name="Notes Placeholder 2"/>
+          <p:cNvSpPr>
+            <a:spLocks noGrp="1"/>
+          </p:cNvSpPr>
+          <p:nvPr>
+            <p:ph type="body" idx="1"/>
+          </p:nvPr>
+        </p:nvSpPr>
+        <p:spPr/>
+        <p:txBody>
+          <a:bodyPr/>
+          <a:lstStyle/>
+          <a:p>
+            <a:r>
+              <a:rPr lang="en-US" dirty="0" smtClean="0"/>
+              <a:t>Once in a lifetime usually means all zeros until the end</a:t>
+            </a:r>
+            <a:endParaRPr lang="en-US" dirty="0"/>
+          </a:p>
+        </p:txBody>
+      </p:sp>
+    </p:spTree>
+    <p:extLst>
+      <p:ext uri="{BB962C8B-B14F-4D97-AF65-F5344CB8AC3E}">
+        <p14:creationId xmlns:p14="http://schemas.microsoft.com/office/powerpoint/2010/main" val="1642539537"/>
+      </p:ext>
+    </p:extLst>
   </p:cSld>
   <p:clrMapOvr>
     <a:masterClrMapping/>
@@ -23273,7 +22545,7 @@
   <p:cSld>
     <p:spTree>
       <p:nvGrpSpPr>
-        <p:cNvPr id="1" name="Shape 173"/>
+        <p:cNvPr id="1" name=""/>
         <p:cNvGrpSpPr/>
         <p:nvPr/>
       </p:nvGrpSpPr>
@@ -23287,43 +22559,24 @@
       </p:grpSpPr>
       <p:sp>
         <p:nvSpPr>
-          <p:cNvPr id="174" name="Google Shape;174;p29"/>
-          <p:cNvSpPr txBox="1">
+          <p:cNvPr id="2" name="Title 1"/>
+          <p:cNvSpPr>
             <a:spLocks noGrp="1"/>
           </p:cNvSpPr>
           <p:nvPr>
             <p:ph type="title"/>
           </p:nvPr>
         </p:nvSpPr>
-        <p:spPr>
-          <a:xfrm>
-            <a:off x="362700" y="349842"/>
-            <a:ext cx="8222100" cy="767700"/>
-          </a:xfrm>
-          <a:prstGeom prst="rect">
-            <a:avLst/>
-          </a:prstGeom>
-        </p:spPr>
+        <p:spPr/>
         <p:txBody>
-          <a:bodyPr spcFirstLastPara="1" wrap="square" lIns="91425" tIns="91425" rIns="91425" bIns="91425" anchor="b" anchorCtr="0">
-            <a:noAutofit/>
-          </a:bodyPr>
+          <a:bodyPr/>
           <a:lstStyle/>
           <a:p>
-            <a:pPr marL="0" lvl="0" indent="0" algn="l" rtl="0">
-              <a:spcBef>
-                <a:spcPts val="0"/>
-              </a:spcBef>
-              <a:spcAft>
-                <a:spcPts val="0"/>
-              </a:spcAft>
-              <a:buNone/>
-            </a:pPr>
             <a:r>
               <a:rPr lang="en" dirty="0"/>
               <a:t>Value Iteration</a:t>
             </a:r>
-            <a:endParaRPr dirty="0"/>
+            <a:endParaRPr lang="en-US" dirty="0"/>
           </a:p>
         </p:txBody>
       </p:sp>
@@ -23331,45 +22584,32 @@
         <mc:Choice xmlns:a14="http://schemas.microsoft.com/office/drawing/2010/main" Requires="a14">
           <p:sp>
             <p:nvSpPr>
-              <p:cNvPr id="175" name="Google Shape;175;p29"/>
-              <p:cNvSpPr txBox="1"/>
-              <p:nvPr/>
+              <p:cNvPr id="3" name="Content Placeholder 2"/>
+              <p:cNvSpPr>
+                <a:spLocks noGrp="1"/>
+              </p:cNvSpPr>
+              <p:nvPr>
+                <p:ph idx="1"/>
+              </p:nvPr>
             </p:nvSpPr>
-            <p:spPr>
-              <a:xfrm>
-                <a:off x="295500" y="1308490"/>
-                <a:ext cx="8356500" cy="2726100"/>
-              </a:xfrm>
-              <a:prstGeom prst="rect">
-                <a:avLst/>
-              </a:prstGeom>
-              <a:noFill/>
-              <a:ln>
-                <a:noFill/>
-              </a:ln>
-            </p:spPr>
+            <p:spPr/>
             <p:txBody>
-              <a:bodyPr spcFirstLastPara="1" wrap="square" lIns="91425" tIns="91425" rIns="91425" bIns="91425" anchor="t" anchorCtr="0">
-                <a:noAutofit/>
-              </a:bodyPr>
+              <a:bodyPr/>
               <a:lstStyle/>
               <a:p>
-                <a:pPr marL="457200" lvl="0" indent="-342900" algn="l" rtl="0">
+                <a:pPr marL="457200" lvl="0" indent="-342900">
                   <a:lnSpc>
                     <a:spcPct val="150000"/>
                   </a:lnSpc>
                   <a:spcBef>
                     <a:spcPts val="0"/>
                   </a:spcBef>
-                  <a:spcAft>
-                    <a:spcPts val="0"/>
-                  </a:spcAft>
                   <a:buSzPts val="1800"/>
                   <a:buFont typeface="Roboto"/>
                   <a:buAutoNum type="arabicPeriod"/>
                 </a:pPr>
                 <a:r>
-                  <a:rPr lang="en" sz="1800" dirty="0" smtClean="0">
+                  <a:rPr lang="en" sz="1800" dirty="0">
                     <a:solidFill>
                       <a:schemeClr val="tx1">
                         <a:lumMod val="75000"/>
@@ -23388,7 +22628,7 @@
                     <m:sSup>
                       <m:sSupPr>
                         <m:ctrlPr>
-                          <a:rPr lang="en" sz="1800" b="0" i="1" smtClean="0">
+                          <a:rPr lang="en" sz="1800" i="1">
                             <a:solidFill>
                               <a:schemeClr val="tx1">
                                 <a:lumMod val="75000"/>
@@ -23404,7 +22644,7 @@
                       </m:sSupPr>
                       <m:e>
                         <m:r>
-                          <a:rPr lang="en" sz="1800" b="0" i="1" smtClean="0">
+                          <a:rPr lang="en" sz="1800" i="1">
                             <a:solidFill>
                               <a:schemeClr val="tx1">
                                 <a:lumMod val="75000"/>
@@ -23421,7 +22661,7 @@
                       </m:e>
                       <m:sup>
                         <m:r>
-                          <a:rPr lang="en" sz="1800" b="0" i="1" smtClean="0">
+                          <a:rPr lang="en" sz="1800" i="1">
                             <a:solidFill>
                               <a:schemeClr val="tx1">
                                 <a:lumMod val="75000"/>
@@ -23440,7 +22680,7 @@
                   </m:oMath>
                 </a14:m>
                 <a:r>
-                  <a:rPr lang="en" sz="1800" dirty="0" smtClean="0">
+                  <a:rPr lang="en" sz="1800" dirty="0">
                     <a:solidFill>
                       <a:schemeClr val="tx1">
                         <a:lumMod val="75000"/>
@@ -23468,16 +22708,13 @@
                 </a:endParaRPr>
               </a:p>
               <a:p>
-                <a:pPr marL="457200" lvl="0" indent="-342900" algn="l" rtl="0">
+                <a:pPr marL="457200" lvl="0" indent="-342900">
                   <a:lnSpc>
                     <a:spcPct val="150000"/>
                   </a:lnSpc>
                   <a:spcBef>
                     <a:spcPts val="0"/>
                   </a:spcBef>
-                  <a:spcAft>
-                    <a:spcPts val="0"/>
-                  </a:spcAft>
                   <a:buSzPts val="1800"/>
                   <a:buFont typeface="Roboto"/>
                   <a:buAutoNum type="arabicPeriod"/>
@@ -23504,7 +22741,7 @@
                         <m:begChr m:val="|"/>
                         <m:endChr m:val="|"/>
                         <m:ctrlPr>
-                          <a:rPr lang="en" sz="1800" b="0" i="1" smtClean="0">
+                          <a:rPr lang="en" sz="1800" i="1">
                             <a:solidFill>
                               <a:schemeClr val="tx1">
                                 <a:lumMod val="75000"/>
@@ -23522,7 +22759,7 @@
                         <m:sSup>
                           <m:sSupPr>
                             <m:ctrlPr>
-                              <a:rPr lang="en" sz="1800" b="0" i="1" smtClean="0">
+                              <a:rPr lang="en" sz="1800" i="1">
                                 <a:solidFill>
                                   <a:schemeClr val="tx1">
                                     <a:lumMod val="75000"/>
@@ -23538,7 +22775,7 @@
                           </m:sSupPr>
                           <m:e>
                             <m:r>
-                              <a:rPr lang="en" sz="1800" b="0" i="1" smtClean="0">
+                              <a:rPr lang="en" sz="1800" i="1">
                                 <a:solidFill>
                                   <a:schemeClr val="tx1">
                                     <a:lumMod val="75000"/>
@@ -23555,7 +22792,7 @@
                           </m:e>
                           <m:sup>
                             <m:r>
-                              <a:rPr lang="en" sz="1800" b="0" i="1" smtClean="0">
+                              <a:rPr lang="en" sz="1800" i="1">
                                 <a:solidFill>
                                   <a:schemeClr val="tx1">
                                     <a:lumMod val="75000"/>
@@ -23570,7 +22807,7 @@
                               <m:t>(</m:t>
                             </m:r>
                             <m:r>
-                              <a:rPr lang="en" sz="1800" b="0" i="1" smtClean="0">
+                              <a:rPr lang="en" sz="1800" i="1">
                                 <a:solidFill>
                                   <a:schemeClr val="tx1">
                                     <a:lumMod val="75000"/>
@@ -23585,7 +22822,7 @@
                               <m:t>𝑛</m:t>
                             </m:r>
                             <m:r>
-                              <a:rPr lang="en" sz="1800" b="0" i="1" smtClean="0">
+                              <a:rPr lang="en" sz="1800" i="1">
                                 <a:solidFill>
                                   <a:schemeClr val="tx1">
                                     <a:lumMod val="75000"/>
@@ -23604,7 +22841,7 @@
                         <m:d>
                           <m:dPr>
                             <m:ctrlPr>
-                              <a:rPr lang="en" sz="1800" b="0" i="1" smtClean="0">
+                              <a:rPr lang="en" sz="1800" i="1">
                                 <a:solidFill>
                                   <a:schemeClr val="tx1">
                                     <a:lumMod val="75000"/>
@@ -23620,7 +22857,7 @@
                           </m:dPr>
                           <m:e>
                             <m:r>
-                              <a:rPr lang="en" sz="1800" b="0" i="1" smtClean="0">
+                              <a:rPr lang="en" sz="1800" i="1">
                                 <a:solidFill>
                                   <a:schemeClr val="tx1">
                                     <a:lumMod val="75000"/>
@@ -23637,7 +22874,7 @@
                           </m:e>
                         </m:d>
                         <m:r>
-                          <a:rPr lang="en" sz="1800" b="0" i="1" smtClean="0">
+                          <a:rPr lang="en" sz="1800" i="1">
                             <a:solidFill>
                               <a:schemeClr val="tx1">
                                 <a:lumMod val="75000"/>
@@ -23654,7 +22891,7 @@
                         <m:sSup>
                           <m:sSupPr>
                             <m:ctrlPr>
-                              <a:rPr lang="en" sz="1800" b="0" i="1" smtClean="0">
+                              <a:rPr lang="en" sz="1800" i="1">
                                 <a:solidFill>
                                   <a:schemeClr val="tx1">
                                     <a:lumMod val="75000"/>
@@ -23670,7 +22907,7 @@
                           </m:sSupPr>
                           <m:e>
                             <m:r>
-                              <a:rPr lang="en" sz="1800" b="0" i="1" smtClean="0">
+                              <a:rPr lang="en" sz="1800" i="1">
                                 <a:solidFill>
                                   <a:schemeClr val="tx1">
                                     <a:lumMod val="75000"/>
@@ -23687,7 +22924,7 @@
                           </m:e>
                           <m:sup>
                             <m:r>
-                              <a:rPr lang="en" sz="1800" b="0" i="1" smtClean="0">
+                              <a:rPr lang="en" sz="1800" i="1">
                                 <a:solidFill>
                                   <a:schemeClr val="tx1">
                                     <a:lumMod val="75000"/>
@@ -23702,7 +22939,7 @@
                               <m:t>(</m:t>
                             </m:r>
                             <m:r>
-                              <a:rPr lang="en" sz="1800" b="0" i="1" smtClean="0">
+                              <a:rPr lang="en" sz="1800" i="1">
                                 <a:solidFill>
                                   <a:schemeClr val="tx1">
                                     <a:lumMod val="75000"/>
@@ -23717,7 +22954,7 @@
                               <m:t>𝑛</m:t>
                             </m:r>
                             <m:r>
-                              <a:rPr lang="en" sz="1800" b="0" i="1" smtClean="0">
+                              <a:rPr lang="en" sz="1800" i="1">
                                 <a:solidFill>
                                   <a:schemeClr val="tx1">
                                     <a:lumMod val="75000"/>
@@ -23736,7 +22973,7 @@
                         <m:d>
                           <m:dPr>
                             <m:ctrlPr>
-                              <a:rPr lang="en" sz="1800" b="0" i="1" smtClean="0">
+                              <a:rPr lang="en" sz="1800" i="1">
                                 <a:solidFill>
                                   <a:schemeClr val="tx1">
                                     <a:lumMod val="75000"/>
@@ -23752,7 +22989,7 @@
                           </m:dPr>
                           <m:e>
                             <m:r>
-                              <a:rPr lang="en" sz="1800" b="0" i="1" smtClean="0">
+                              <a:rPr lang="en" sz="1800" i="1">
                                 <a:solidFill>
                                   <a:schemeClr val="tx1">
                                     <a:lumMod val="75000"/>
@@ -23771,7 +23008,7 @@
                       </m:e>
                     </m:d>
                     <m:r>
-                      <a:rPr lang="en" sz="1800" b="0" i="1" smtClean="0">
+                      <a:rPr lang="en" sz="1800" i="1">
                         <a:solidFill>
                           <a:schemeClr val="tx1">
                             <a:lumMod val="75000"/>
@@ -23786,7 +23023,7 @@
                       <m:t>&lt;</m:t>
                     </m:r>
                     <m:r>
-                      <a:rPr lang="en" sz="1800" b="0" i="1" smtClean="0">
+                      <a:rPr lang="en" sz="1800" i="1">
                         <a:solidFill>
                           <a:schemeClr val="tx1">
                             <a:lumMod val="75000"/>
@@ -23802,7 +23039,7 @@
                     </m:r>
                   </m:oMath>
                 </a14:m>
-                <a:endParaRPr lang="en" sz="1800" b="0" dirty="0" smtClean="0">
+                <a:endParaRPr lang="en" sz="1800" dirty="0">
                   <a:solidFill>
                     <a:schemeClr val="tx1">
                       <a:lumMod val="75000"/>
@@ -23816,16 +23053,13 @@
                 </a:endParaRPr>
               </a:p>
               <a:p>
-                <a:pPr marL="114300" lvl="0" algn="ctr" rtl="0">
+                <a:pPr marL="114300" lvl="0" algn="ctr">
                   <a:lnSpc>
                     <a:spcPct val="150000"/>
                   </a:lnSpc>
                   <a:spcBef>
                     <a:spcPts val="0"/>
                   </a:spcBef>
-                  <a:spcAft>
-                    <a:spcPts val="0"/>
-                  </a:spcAft>
                   <a:buSzPts val="1800"/>
                 </a:pPr>
                 <a14:m>
@@ -23837,7 +23071,7 @@
                       <m:sSup>
                         <m:sSupPr>
                           <m:ctrlPr>
-                            <a:rPr lang="en" sz="1800" b="0" i="1" smtClean="0">
+                            <a:rPr lang="en" sz="1800" i="1">
                               <a:solidFill>
                                 <a:schemeClr val="tx1">
                                   <a:lumMod val="75000"/>
@@ -23853,7 +23087,7 @@
                         </m:sSupPr>
                         <m:e>
                           <m:r>
-                            <a:rPr lang="en" sz="1800" b="0" i="1" smtClean="0">
+                            <a:rPr lang="en" sz="1800" i="1">
                               <a:solidFill>
                                 <a:schemeClr val="tx1">
                                   <a:lumMod val="75000"/>
@@ -23870,7 +23104,7 @@
                         </m:e>
                         <m:sup>
                           <m:r>
-                            <a:rPr lang="en" sz="1800" b="0" i="1" smtClean="0">
+                            <a:rPr lang="en" sz="1800" i="1">
                               <a:solidFill>
                                 <a:schemeClr val="tx1">
                                   <a:lumMod val="75000"/>
@@ -23885,7 +23119,7 @@
                             <m:t>(</m:t>
                           </m:r>
                           <m:r>
-                            <a:rPr lang="en" sz="1800" b="0" i="1" smtClean="0">
+                            <a:rPr lang="en" sz="1800" i="1">
                               <a:solidFill>
                                 <a:schemeClr val="tx1">
                                   <a:lumMod val="75000"/>
@@ -23900,7 +23134,7 @@
                             <m:t>𝑛</m:t>
                           </m:r>
                           <m:r>
-                            <a:rPr lang="en" sz="1800" b="0" i="1" smtClean="0">
+                            <a:rPr lang="en" sz="1800" i="1">
                               <a:solidFill>
                                 <a:schemeClr val="tx1">
                                   <a:lumMod val="75000"/>
@@ -23919,7 +23153,7 @@
                       <m:d>
                         <m:dPr>
                           <m:ctrlPr>
-                            <a:rPr lang="en" sz="1800" b="0" i="1" smtClean="0">
+                            <a:rPr lang="en" sz="1800" i="1">
                               <a:solidFill>
                                 <a:schemeClr val="tx1">
                                   <a:lumMod val="75000"/>
@@ -23935,7 +23169,7 @@
                         </m:dPr>
                         <m:e>
                           <m:r>
-                            <a:rPr lang="en" sz="1800" b="0" i="1" smtClean="0">
+                            <a:rPr lang="en" sz="1800" i="1">
                               <a:solidFill>
                                 <a:schemeClr val="tx1">
                                   <a:lumMod val="75000"/>
@@ -23950,7 +23184,7 @@
                             <m:t>𝑠</m:t>
                           </m:r>
                           <m:r>
-                            <a:rPr lang="en" sz="1800" b="0" i="1" smtClean="0">
+                            <a:rPr lang="en" sz="1800" i="1">
                               <a:solidFill>
                                 <a:schemeClr val="tx1">
                                   <a:lumMod val="75000"/>
@@ -23965,7 +23199,7 @@
                             <m:t>,</m:t>
                           </m:r>
                           <m:r>
-                            <a:rPr lang="en" sz="1800" b="0" i="1" smtClean="0">
+                            <a:rPr lang="en" sz="1800" i="1">
                               <a:solidFill>
                                 <a:schemeClr val="tx1">
                                   <a:lumMod val="75000"/>
@@ -23982,7 +23216,7 @@
                         </m:e>
                       </m:d>
                       <m:r>
-                        <a:rPr lang="en" sz="1800" b="0" i="1" smtClean="0">
+                        <a:rPr lang="en" sz="1800" i="1">
                           <a:solidFill>
                             <a:schemeClr val="tx1">
                               <a:lumMod val="75000"/>
@@ -23997,7 +23231,7 @@
                         <m:t>=</m:t>
                       </m:r>
                       <m:r>
-                        <a:rPr lang="en" sz="1800" b="0" i="1" smtClean="0">
+                        <a:rPr lang="en" sz="1800" i="1">
                           <a:solidFill>
                             <a:schemeClr val="tx1">
                               <a:lumMod val="75000"/>
@@ -24014,7 +23248,7 @@
                       <m:d>
                         <m:dPr>
                           <m:ctrlPr>
-                            <a:rPr lang="en" sz="1800" b="0" i="1" smtClean="0">
+                            <a:rPr lang="en" sz="1800" i="1">
                               <a:solidFill>
                                 <a:schemeClr val="tx1">
                                   <a:lumMod val="75000"/>
@@ -24030,7 +23264,7 @@
                         </m:dPr>
                         <m:e>
                           <m:r>
-                            <a:rPr lang="en" sz="1800" b="0" i="1" smtClean="0">
+                            <a:rPr lang="en" sz="1800" i="1">
                               <a:solidFill>
                                 <a:schemeClr val="tx1">
                                   <a:lumMod val="75000"/>
@@ -24045,7 +23279,7 @@
                             <m:t>𝑠</m:t>
                           </m:r>
                           <m:r>
-                            <a:rPr lang="en" sz="1800" b="0" i="1" smtClean="0">
+                            <a:rPr lang="en" sz="1800" i="1">
                               <a:solidFill>
                                 <a:schemeClr val="tx1">
                                   <a:lumMod val="75000"/>
@@ -24060,7 +23294,7 @@
                             <m:t>,</m:t>
                           </m:r>
                           <m:r>
-                            <a:rPr lang="en" sz="1800" b="0" i="1" smtClean="0">
+                            <a:rPr lang="en" sz="1800" i="1">
                               <a:solidFill>
                                 <a:schemeClr val="tx1">
                                   <a:lumMod val="75000"/>
@@ -24077,7 +23311,7 @@
                         </m:e>
                       </m:d>
                       <m:r>
-                        <a:rPr lang="en" sz="1800" b="0" i="1" smtClean="0">
+                        <a:rPr lang="en" sz="1800" i="1">
                           <a:solidFill>
                             <a:schemeClr val="tx1">
                               <a:lumMod val="75000"/>
@@ -24092,7 +23326,7 @@
                         <m:t>+</m:t>
                       </m:r>
                       <m:r>
-                        <a:rPr lang="en" sz="1800" b="0" i="1" smtClean="0">
+                        <a:rPr lang="en" sz="1800" i="1">
                           <a:solidFill>
                             <a:schemeClr val="tx1">
                               <a:lumMod val="75000"/>
@@ -24109,7 +23343,7 @@
                       <m:sSub>
                         <m:sSubPr>
                           <m:ctrlPr>
-                            <a:rPr lang="en" sz="1800" b="0" i="1" smtClean="0">
+                            <a:rPr lang="en" sz="1800" i="1">
                               <a:solidFill>
                                 <a:schemeClr val="tx1">
                                   <a:lumMod val="75000"/>
@@ -24125,7 +23359,7 @@
                         </m:sSubPr>
                         <m:e>
                           <m:r>
-                            <a:rPr lang="en" sz="1800" b="0" i="1" smtClean="0">
+                            <a:rPr lang="en" sz="1800" i="1">
                               <a:solidFill>
                                 <a:schemeClr val="tx1">
                                   <a:lumMod val="75000"/>
@@ -24142,7 +23376,7 @@
                         </m:e>
                         <m:sub>
                           <m:r>
-                            <a:rPr lang="en" sz="1800" b="0" i="1" smtClean="0">
+                            <a:rPr lang="en" sz="1800" i="1">
                               <a:solidFill>
                                 <a:schemeClr val="tx1">
                                   <a:lumMod val="75000"/>
@@ -24159,7 +23393,7 @@
                         </m:sub>
                       </m:sSub>
                       <m:r>
-                        <a:rPr lang="en" sz="1800" b="0" i="1" smtClean="0">
+                        <a:rPr lang="en" sz="1800" i="1">
                           <a:solidFill>
                             <a:schemeClr val="tx1">
                               <a:lumMod val="75000"/>
@@ -24174,7 +23408,7 @@
                         <m:t>[</m:t>
                       </m:r>
                       <m:r>
-                        <a:rPr lang="en" sz="1800" b="0" i="1" smtClean="0">
+                        <a:rPr lang="en" sz="1800" i="1">
                           <a:solidFill>
                             <a:schemeClr val="tx1">
                               <a:lumMod val="75000"/>
@@ -24191,7 +23425,7 @@
                       <m:d>
                         <m:dPr>
                           <m:ctrlPr>
-                            <a:rPr lang="en" sz="1800" b="0" i="1" smtClean="0">
+                            <a:rPr lang="en" sz="1800" i="1">
                               <a:solidFill>
                                 <a:schemeClr val="tx1">
                                   <a:lumMod val="75000"/>
@@ -24209,7 +23443,7 @@
                           <m:sSup>
                             <m:sSupPr>
                               <m:ctrlPr>
-                                <a:rPr lang="en" sz="1800" b="0" i="1" smtClean="0">
+                                <a:rPr lang="en" sz="1800" i="1">
                                   <a:solidFill>
                                     <a:schemeClr val="tx1">
                                       <a:lumMod val="75000"/>
@@ -24225,7 +23459,7 @@
                             </m:sSupPr>
                             <m:e>
                               <m:r>
-                                <a:rPr lang="en" sz="1800" b="0" i="1" smtClean="0">
+                                <a:rPr lang="en" sz="1800" i="1">
                                   <a:solidFill>
                                     <a:schemeClr val="tx1">
                                       <a:lumMod val="75000"/>
@@ -24242,7 +23476,7 @@
                             </m:e>
                             <m:sup>
                               <m:r>
-                                <a:rPr lang="en" sz="1800" b="0" i="1" smtClean="0">
+                                <a:rPr lang="en" sz="1800" i="1">
                                   <a:solidFill>
                                     <a:schemeClr val="tx1">
                                       <a:lumMod val="75000"/>
@@ -24261,7 +23495,7 @@
                         </m:e>
                       </m:d>
                       <m:r>
-                        <a:rPr lang="en" sz="1800" b="0" i="1" smtClean="0">
+                        <a:rPr lang="en" sz="1800" i="1">
                           <a:solidFill>
                             <a:schemeClr val="tx1">
                               <a:lumMod val="75000"/>
@@ -24278,7 +23512,7 @@
                     </m:oMath>
                   </m:oMathPara>
                 </a14:m>
-                <a:endParaRPr lang="en" sz="1800" dirty="0" smtClean="0">
+                <a:endParaRPr lang="en" sz="1800" dirty="0">
                   <a:solidFill>
                     <a:schemeClr val="tx1">
                       <a:lumMod val="75000"/>
@@ -24292,16 +23526,13 @@
                 </a:endParaRPr>
               </a:p>
               <a:p>
-                <a:pPr marL="114300" lvl="0" algn="ctr" rtl="0">
+                <a:pPr marL="114300" lvl="0" algn="ctr">
                   <a:lnSpc>
                     <a:spcPct val="150000"/>
                   </a:lnSpc>
                   <a:spcBef>
                     <a:spcPts val="0"/>
                   </a:spcBef>
-                  <a:spcAft>
-                    <a:spcPts val="0"/>
-                  </a:spcAft>
                   <a:buSzPts val="1800"/>
                 </a:pPr>
                 <a14:m>
@@ -24309,7 +23540,7 @@
                     <m:sSup>
                       <m:sSupPr>
                         <m:ctrlPr>
-                          <a:rPr lang="en" sz="1800" b="0" i="1" smtClean="0">
+                          <a:rPr lang="en" sz="1800" i="1">
                             <a:solidFill>
                               <a:schemeClr val="tx1">
                                 <a:lumMod val="75000"/>
@@ -24325,7 +23556,7 @@
                       </m:sSupPr>
                       <m:e>
                         <m:r>
-                          <a:rPr lang="en" sz="1800" b="0" i="1" smtClean="0">
+                          <a:rPr lang="en" sz="1800" i="1">
                             <a:solidFill>
                               <a:schemeClr val="tx1">
                                 <a:lumMod val="75000"/>
@@ -24342,7 +23573,7 @@
                       </m:e>
                       <m:sup>
                         <m:r>
-                          <a:rPr lang="en" sz="1800" b="0" i="1" smtClean="0">
+                          <a:rPr lang="en" sz="1800" i="1">
                             <a:solidFill>
                               <a:schemeClr val="tx1">
                                 <a:lumMod val="75000"/>
@@ -24357,7 +23588,7 @@
                           <m:t>(</m:t>
                         </m:r>
                         <m:r>
-                          <a:rPr lang="en" sz="1800" b="0" i="1" smtClean="0">
+                          <a:rPr lang="en" sz="1800" i="1">
                             <a:solidFill>
                               <a:schemeClr val="tx1">
                                 <a:lumMod val="75000"/>
@@ -24372,7 +23603,7 @@
                           <m:t>𝑛</m:t>
                         </m:r>
                         <m:r>
-                          <a:rPr lang="en" sz="1800" b="0" i="1" smtClean="0">
+                          <a:rPr lang="en" sz="1800" i="1">
                             <a:solidFill>
                               <a:schemeClr val="tx1">
                                 <a:lumMod val="75000"/>
@@ -24391,7 +23622,7 @@
                     <m:d>
                       <m:dPr>
                         <m:ctrlPr>
-                          <a:rPr lang="en" sz="1800" b="0" i="1" smtClean="0">
+                          <a:rPr lang="en" sz="1800" i="1">
                             <a:solidFill>
                               <a:schemeClr val="tx1">
                                 <a:lumMod val="75000"/>
@@ -24407,7 +23638,7 @@
                       </m:dPr>
                       <m:e>
                         <m:r>
-                          <a:rPr lang="en" sz="1800" b="0" i="1" smtClean="0">
+                          <a:rPr lang="en" sz="1800" i="1">
                             <a:solidFill>
                               <a:schemeClr val="tx1">
                                 <a:lumMod val="75000"/>
@@ -24424,7 +23655,7 @@
                       </m:e>
                     </m:d>
                     <m:r>
-                      <a:rPr lang="en" sz="1800" b="0" i="1" smtClean="0">
+                      <a:rPr lang="en" sz="1800" i="1">
                         <a:solidFill>
                           <a:schemeClr val="tx1">
                             <a:lumMod val="75000"/>
@@ -24441,7 +23672,7 @@
                     <m:sSub>
                       <m:sSubPr>
                         <m:ctrlPr>
-                          <a:rPr lang="en" sz="1800" b="0" i="1" smtClean="0">
+                          <a:rPr lang="en" sz="1800" i="1">
                             <a:solidFill>
                               <a:schemeClr val="tx1">
                                 <a:lumMod val="75000"/>
@@ -24460,7 +23691,7 @@
                           <m:rPr>
                             <m:sty m:val="p"/>
                           </m:rPr>
-                          <a:rPr lang="en" sz="1800" b="0" i="0" smtClean="0">
+                          <a:rPr lang="en" sz="1800">
                             <a:solidFill>
                               <a:schemeClr val="tx1">
                                 <a:lumMod val="75000"/>
@@ -24477,7 +23708,7 @@
                       </m:e>
                       <m:sub>
                         <m:r>
-                          <a:rPr lang="en" sz="1800" b="0" i="1" smtClean="0">
+                          <a:rPr lang="en" sz="1800" i="1">
                             <a:solidFill>
                               <a:schemeClr val="tx1">
                                 <a:lumMod val="75000"/>
@@ -24496,7 +23727,7 @@
                     <m:sSup>
                       <m:sSupPr>
                         <m:ctrlPr>
-                          <a:rPr lang="en" sz="1800" b="0" i="1" smtClean="0">
+                          <a:rPr lang="en" sz="1800" i="1">
                             <a:solidFill>
                               <a:schemeClr val="tx1">
                                 <a:lumMod val="75000"/>
@@ -24512,7 +23743,7 @@
                       </m:sSupPr>
                       <m:e>
                         <m:r>
-                          <a:rPr lang="en" sz="1800" b="0" i="1" smtClean="0">
+                          <a:rPr lang="en" sz="1800" i="1">
                             <a:solidFill>
                               <a:schemeClr val="tx1">
                                 <a:lumMod val="75000"/>
@@ -24529,7 +23760,7 @@
                       </m:e>
                       <m:sup>
                         <m:r>
-                          <a:rPr lang="en" sz="1800" b="0" i="1" smtClean="0">
+                          <a:rPr lang="en" sz="1800" i="1">
                             <a:solidFill>
                               <a:schemeClr val="tx1">
                                 <a:lumMod val="75000"/>
@@ -24544,7 +23775,7 @@
                           <m:t>(</m:t>
                         </m:r>
                         <m:r>
-                          <a:rPr lang="en" sz="1800" b="0" i="1" smtClean="0">
+                          <a:rPr lang="en" sz="1800" i="1">
                             <a:solidFill>
                               <a:schemeClr val="tx1">
                                 <a:lumMod val="75000"/>
@@ -24559,7 +23790,7 @@
                           <m:t>𝑛</m:t>
                         </m:r>
                         <m:r>
-                          <a:rPr lang="en" sz="1800" b="0" i="1" smtClean="0">
+                          <a:rPr lang="en" sz="1800" i="1">
                             <a:solidFill>
                               <a:schemeClr val="tx1">
                                 <a:lumMod val="75000"/>
@@ -24576,7 +23807,7 @@
                       </m:sup>
                     </m:sSup>
                     <m:r>
-                      <a:rPr lang="en" sz="1800" b="0" i="1" smtClean="0">
+                      <a:rPr lang="en" sz="1800" i="1">
                         <a:solidFill>
                           <a:schemeClr val="tx1">
                             <a:lumMod val="75000"/>
@@ -24591,7 +23822,7 @@
                       <m:t>(</m:t>
                     </m:r>
                     <m:r>
-                      <a:rPr lang="en" sz="1800" b="0" i="1" smtClean="0">
+                      <a:rPr lang="en" sz="1800" i="1">
                         <a:solidFill>
                           <a:schemeClr val="tx1">
                             <a:lumMod val="75000"/>
@@ -24606,7 +23837,7 @@
                       <m:t>𝑠</m:t>
                     </m:r>
                     <m:r>
-                      <a:rPr lang="en" sz="1800" b="0" i="1" smtClean="0">
+                      <a:rPr lang="en" sz="1800" i="1">
                         <a:solidFill>
                           <a:schemeClr val="tx1">
                             <a:lumMod val="75000"/>
@@ -24621,7 +23852,7 @@
                       <m:t>,</m:t>
                     </m:r>
                     <m:r>
-                      <a:rPr lang="en" sz="1800" b="0" i="1" smtClean="0">
+                      <a:rPr lang="en" sz="1800" i="1">
                         <a:solidFill>
                           <a:schemeClr val="tx1">
                             <a:lumMod val="75000"/>
@@ -24636,7 +23867,7 @@
                       <m:t>𝑎</m:t>
                     </m:r>
                     <m:r>
-                      <a:rPr lang="en" sz="1800" b="0" i="1" smtClean="0">
+                      <a:rPr lang="en" sz="1800" i="1">
                         <a:solidFill>
                           <a:schemeClr val="tx1">
                             <a:lumMod val="75000"/>
@@ -24653,7 +23884,7 @@
                   </m:oMath>
                 </a14:m>
                 <a:r>
-                  <a:rPr lang="en" sz="1800" i="1" dirty="0" smtClean="0">
+                  <a:rPr lang="en" sz="1800" i="1" dirty="0">
                     <a:solidFill>
                       <a:schemeClr val="tx1">
                         <a:lumMod val="75000"/>
@@ -24669,16 +23900,13 @@
                 </a:r>
               </a:p>
               <a:p>
-                <a:pPr marL="114300" lvl="0" algn="ctr" rtl="0">
+                <a:pPr marL="114300" lvl="0" algn="ctr">
                   <a:lnSpc>
                     <a:spcPct val="150000"/>
                   </a:lnSpc>
                   <a:spcBef>
                     <a:spcPts val="0"/>
                   </a:spcBef>
-                  <a:spcAft>
-                    <a:spcPts val="0"/>
-                  </a:spcAft>
                   <a:buSzPts val="1800"/>
                 </a:pPr>
                 <a14:m>
@@ -24686,7 +23914,7 @@
                     <m:sSup>
                       <m:sSupPr>
                         <m:ctrlPr>
-                          <a:rPr lang="en-US" sz="1800" b="0" i="1" smtClean="0">
+                          <a:rPr lang="en-US" sz="1800" i="1">
                             <a:solidFill>
                               <a:schemeClr val="tx1">
                                 <a:lumMod val="75000"/>
@@ -24702,7 +23930,7 @@
                       </m:sSupPr>
                       <m:e>
                         <m:r>
-                          <a:rPr lang="en" sz="1800" b="0" i="1" smtClean="0">
+                          <a:rPr lang="en" sz="1800" i="1">
                             <a:solidFill>
                               <a:schemeClr val="tx1">
                                 <a:lumMod val="75000"/>
@@ -24719,7 +23947,7 @@
                       </m:e>
                       <m:sup>
                         <m:r>
-                          <a:rPr lang="en-US" sz="1800" b="0" i="1" smtClean="0">
+                          <a:rPr lang="en-US" sz="1800" i="1">
                             <a:solidFill>
                               <a:schemeClr val="tx1">
                                 <a:lumMod val="75000"/>
@@ -24734,7 +23962,7 @@
                           <m:t>(</m:t>
                         </m:r>
                         <m:r>
-                          <a:rPr lang="en-US" sz="1800" b="0" i="1" smtClean="0">
+                          <a:rPr lang="en-US" sz="1800" i="1">
                             <a:solidFill>
                               <a:schemeClr val="tx1">
                                 <a:lumMod val="75000"/>
@@ -24749,7 +23977,7 @@
                           <m:t>𝑛</m:t>
                         </m:r>
                         <m:r>
-                          <a:rPr lang="en-US" sz="1800" b="0" i="1" smtClean="0">
+                          <a:rPr lang="en-US" sz="1800" i="1">
                             <a:solidFill>
                               <a:schemeClr val="tx1">
                                 <a:lumMod val="75000"/>
@@ -24768,7 +23996,7 @@
                     <m:d>
                       <m:dPr>
                         <m:ctrlPr>
-                          <a:rPr lang="en" sz="1800" b="0" i="1" smtClean="0">
+                          <a:rPr lang="en" sz="1800" i="1">
                             <a:solidFill>
                               <a:schemeClr val="tx1">
                                 <a:lumMod val="75000"/>
@@ -24784,7 +24012,7 @@
                       </m:dPr>
                       <m:e>
                         <m:r>
-                          <a:rPr lang="en" sz="1800" b="0" i="1" smtClean="0">
+                          <a:rPr lang="en" sz="1800" i="1">
                             <a:solidFill>
                               <a:schemeClr val="tx1">
                                 <a:lumMod val="75000"/>
@@ -24801,7 +24029,7 @@
                       </m:e>
                     </m:d>
                     <m:r>
-                      <a:rPr lang="en" sz="1800" b="0" i="1" smtClean="0">
+                      <a:rPr lang="en" sz="1800" i="1">
                         <a:solidFill>
                           <a:schemeClr val="tx1">
                             <a:lumMod val="75000"/>
@@ -24819,7 +24047,7 @@
                       <m:rPr>
                         <m:sty m:val="p"/>
                       </m:rPr>
-                      <a:rPr lang="en" sz="1800" b="0" i="0" smtClean="0">
+                      <a:rPr lang="en" sz="1800">
                         <a:solidFill>
                           <a:schemeClr val="tx1">
                             <a:lumMod val="75000"/>
@@ -24836,7 +24064,7 @@
                     <m:sSub>
                       <m:sSubPr>
                         <m:ctrlPr>
-                          <a:rPr lang="en" sz="1800" b="0" smtClean="0">
+                          <a:rPr lang="en" sz="1800" i="1">
                             <a:solidFill>
                               <a:schemeClr val="tx1">
                                 <a:lumMod val="75000"/>
@@ -24855,7 +24083,7 @@
                           <m:rPr>
                             <m:sty m:val="p"/>
                           </m:rPr>
-                          <a:rPr lang="en" sz="1800" b="0" i="0" smtClean="0">
+                          <a:rPr lang="en" sz="1800">
                             <a:solidFill>
                               <a:schemeClr val="tx1">
                                 <a:lumMod val="75000"/>
@@ -24875,7 +24103,7 @@
                           <m:rPr>
                             <m:sty m:val="p"/>
                           </m:rPr>
-                          <a:rPr lang="en" sz="1800" b="0" i="0" smtClean="0">
+                          <a:rPr lang="en" sz="1800">
                             <a:solidFill>
                               <a:schemeClr val="tx1">
                                 <a:lumMod val="75000"/>
@@ -24894,7 +24122,7 @@
                     <m:sSup>
                       <m:sSupPr>
                         <m:ctrlPr>
-                          <a:rPr lang="en" sz="1800" b="0" i="1" smtClean="0">
+                          <a:rPr lang="en" sz="1800" i="1">
                             <a:solidFill>
                               <a:schemeClr val="tx1">
                                 <a:lumMod val="75000"/>
@@ -24910,7 +24138,7 @@
                       </m:sSupPr>
                       <m:e>
                         <m:r>
-                          <a:rPr lang="en" sz="1800" b="0" i="1" smtClean="0">
+                          <a:rPr lang="en" sz="1800" i="1">
                             <a:solidFill>
                               <a:schemeClr val="tx1">
                                 <a:lumMod val="75000"/>
@@ -24927,7 +24155,7 @@
                       </m:e>
                       <m:sup>
                         <m:r>
-                          <a:rPr lang="en" sz="1800" b="0" i="1" smtClean="0">
+                          <a:rPr lang="en" sz="1800" i="1">
                             <a:solidFill>
                               <a:schemeClr val="tx1">
                                 <a:lumMod val="75000"/>
@@ -24942,7 +24170,7 @@
                           <m:t>(</m:t>
                         </m:r>
                         <m:r>
-                          <a:rPr lang="en" sz="1800" b="0" i="1" smtClean="0">
+                          <a:rPr lang="en" sz="1800" i="1">
                             <a:solidFill>
                               <a:schemeClr val="tx1">
                                 <a:lumMod val="75000"/>
@@ -24957,7 +24185,7 @@
                           <m:t>𝑛</m:t>
                         </m:r>
                         <m:r>
-                          <a:rPr lang="en" sz="1800" b="0" i="1" smtClean="0">
+                          <a:rPr lang="en" sz="1800" i="1">
                             <a:solidFill>
                               <a:schemeClr val="tx1">
                                 <a:lumMod val="75000"/>
@@ -24976,7 +24204,7 @@
                   </m:oMath>
                 </a14:m>
                 <a:r>
-                  <a:rPr lang="en" sz="1800" i="1" dirty="0" smtClean="0">
+                  <a:rPr lang="en" sz="1800" i="1" dirty="0">
                     <a:solidFill>
                       <a:schemeClr val="tx1">
                         <a:lumMod val="75000"/>
@@ -24992,17 +24220,13 @@
                 </a:r>
               </a:p>
               <a:p>
-                <a:pPr marL="457200" lvl="0" indent="0" algn="ctr" rtl="0">
+                <a:pPr marL="457200" lvl="0" algn="ctr">
                   <a:lnSpc>
                     <a:spcPct val="150000"/>
                   </a:lnSpc>
                   <a:spcBef>
                     <a:spcPts val="0"/>
                   </a:spcBef>
-                  <a:spcAft>
-                    <a:spcPts val="0"/>
-                  </a:spcAft>
-                  <a:buNone/>
                 </a:pPr>
                 <a:endParaRPr lang="en" sz="1800" b="1" dirty="0">
                   <a:solidFill>
@@ -25018,17 +24242,13 @@
                 </a:endParaRPr>
               </a:p>
               <a:p>
-                <a:pPr marL="0" lvl="0" indent="0" algn="l" rtl="0">
+                <a:pPr lvl="0">
                   <a:lnSpc>
                     <a:spcPct val="150000"/>
                   </a:lnSpc>
                   <a:spcBef>
                     <a:spcPts val="0"/>
                   </a:spcBef>
-                  <a:spcAft>
-                    <a:spcPts val="0"/>
-                  </a:spcAft>
-                  <a:buNone/>
                 </a:pPr>
                 <a:r>
                   <a:rPr lang="en" sz="1800" dirty="0">
@@ -25058,35 +24278,30 @@
                   <a:sym typeface="Roboto"/>
                 </a:endParaRPr>
               </a:p>
+              <a:p>
+                <a:endParaRPr lang="en-US" sz="1800" dirty="0"/>
+              </a:p>
             </p:txBody>
           </p:sp>
         </mc:Choice>
         <mc:Fallback>
           <p:sp>
             <p:nvSpPr>
-              <p:cNvPr id="175" name="Google Shape;175;p29"/>
-              <p:cNvSpPr txBox="1">
-                <a:spLocks noRot="1" noChangeAspect="1" noMove="1" noResize="1" noEditPoints="1" noAdjustHandles="1" noChangeArrowheads="1" noChangeShapeType="1" noTextEdit="1"/>
+              <p:cNvPr id="3" name="Content Placeholder 2"/>
+              <p:cNvSpPr>
+                <a:spLocks noGrp="1" noRot="1" noChangeAspect="1" noMove="1" noResize="1" noEditPoints="1" noAdjustHandles="1" noChangeArrowheads="1" noChangeShapeType="1" noTextEdit="1"/>
               </p:cNvSpPr>
-              <p:nvPr/>
+              <p:nvPr>
+                <p:ph idx="1"/>
+              </p:nvPr>
             </p:nvSpPr>
             <p:spPr>
-              <a:xfrm>
-                <a:off x="295500" y="1308490"/>
-                <a:ext cx="8356500" cy="2726100"/>
-              </a:xfrm>
-              <a:prstGeom prst="rect">
-                <a:avLst/>
-              </a:prstGeom>
               <a:blipFill rotWithShape="0">
-                <a:blip r:embed="rId3"/>
+                <a:blip r:embed="rId2"/>
                 <a:stretch>
-                  <a:fillRect l="-584" b="-17226"/>
+                  <a:fillRect l="-709" r="-79" b="-98846"/>
                 </a:stretch>
               </a:blipFill>
-              <a:ln>
-                <a:noFill/>
-              </a:ln>
             </p:spPr>
             <p:txBody>
               <a:bodyPr/>
@@ -25104,6 +24319,11 @@
         </mc:Fallback>
       </mc:AlternateContent>
     </p:spTree>
+    <p:extLst>
+      <p:ext uri="{BB962C8B-B14F-4D97-AF65-F5344CB8AC3E}">
+        <p14:creationId xmlns:p14="http://schemas.microsoft.com/office/powerpoint/2010/main" val="344976576"/>
+      </p:ext>
+    </p:extLst>
   </p:cSld>
   <p:clrMapOvr>
     <a:masterClrMapping/>
@@ -29182,7 +28402,7 @@
   <p:cSld>
     <p:spTree>
       <p:nvGrpSpPr>
-        <p:cNvPr id="1" name="Shape 179"/>
+        <p:cNvPr id="1" name=""/>
         <p:cNvGrpSpPr/>
         <p:nvPr/>
       </p:nvGrpSpPr>
@@ -29196,43 +28416,24 @@
       </p:grpSpPr>
       <p:sp>
         <p:nvSpPr>
-          <p:cNvPr id="180" name="Google Shape;180;p30"/>
-          <p:cNvSpPr txBox="1">
+          <p:cNvPr id="2" name="Title 1"/>
+          <p:cNvSpPr>
             <a:spLocks noGrp="1"/>
           </p:cNvSpPr>
           <p:nvPr>
             <p:ph type="title"/>
           </p:nvPr>
         </p:nvSpPr>
-        <p:spPr>
-          <a:xfrm>
-            <a:off x="387818" y="150146"/>
-            <a:ext cx="8222100" cy="767700"/>
-          </a:xfrm>
-          <a:prstGeom prst="rect">
-            <a:avLst/>
-          </a:prstGeom>
-        </p:spPr>
+        <p:spPr/>
         <p:txBody>
-          <a:bodyPr spcFirstLastPara="1" wrap="square" lIns="91425" tIns="91425" rIns="91425" bIns="91425" anchor="b" anchorCtr="0">
-            <a:noAutofit/>
-          </a:bodyPr>
+          <a:bodyPr/>
           <a:lstStyle/>
           <a:p>
-            <a:pPr marL="0" lvl="0" indent="0" algn="l" rtl="0">
-              <a:spcBef>
-                <a:spcPts val="0"/>
-              </a:spcBef>
-              <a:spcAft>
-                <a:spcPts val="0"/>
-              </a:spcAft>
-              <a:buNone/>
-            </a:pPr>
             <a:r>
               <a:rPr lang="en" dirty="0"/>
               <a:t>Policy Iteration</a:t>
             </a:r>
-            <a:endParaRPr dirty="0"/>
+            <a:endParaRPr lang="en-US" dirty="0"/>
           </a:p>
         </p:txBody>
       </p:sp>
@@ -29240,45 +28441,32 @@
         <mc:Choice xmlns:a14="http://schemas.microsoft.com/office/drawing/2010/main" Requires="a14">
           <p:sp>
             <p:nvSpPr>
-              <p:cNvPr id="181" name="Google Shape;181;p30"/>
-              <p:cNvSpPr txBox="1"/>
-              <p:nvPr/>
+              <p:cNvPr id="3" name="Content Placeholder 2"/>
+              <p:cNvSpPr>
+                <a:spLocks noGrp="1"/>
+              </p:cNvSpPr>
+              <p:nvPr>
+                <p:ph idx="1"/>
+              </p:nvPr>
             </p:nvSpPr>
-            <p:spPr>
-              <a:xfrm>
-                <a:off x="260441" y="917846"/>
-                <a:ext cx="8729100" cy="3209700"/>
-              </a:xfrm>
-              <a:prstGeom prst="rect">
-                <a:avLst/>
-              </a:prstGeom>
-              <a:noFill/>
-              <a:ln>
-                <a:noFill/>
-              </a:ln>
-            </p:spPr>
+            <p:spPr/>
             <p:txBody>
-              <a:bodyPr spcFirstLastPara="1" wrap="square" lIns="91425" tIns="91425" rIns="91425" bIns="91425" anchor="t" anchorCtr="0">
-                <a:noAutofit/>
-              </a:bodyPr>
+              <a:bodyPr/>
               <a:lstStyle/>
               <a:p>
-                <a:pPr marL="457200" lvl="0" indent="-342900" algn="l" rtl="0">
+                <a:pPr marL="457200" lvl="0" indent="-342900">
                   <a:lnSpc>
                     <a:spcPct val="150000"/>
                   </a:lnSpc>
                   <a:spcBef>
                     <a:spcPts val="0"/>
                   </a:spcBef>
-                  <a:spcAft>
-                    <a:spcPts val="0"/>
-                  </a:spcAft>
                   <a:buSzPts val="1800"/>
                   <a:buFont typeface="Roboto"/>
                   <a:buAutoNum type="arabicPeriod"/>
                 </a:pPr>
                 <a:r>
-                  <a:rPr lang="en" sz="1800" dirty="0" smtClean="0">
+                  <a:rPr lang="en" sz="1800" dirty="0">
                     <a:solidFill>
                       <a:schemeClr val="tx1">
                         <a:lumMod val="75000"/>
@@ -29297,7 +28485,7 @@
                     <m:sSup>
                       <m:sSupPr>
                         <m:ctrlPr>
-                          <a:rPr lang="en" sz="1800" b="0" i="1" smtClean="0">
+                          <a:rPr lang="en" sz="1800" i="1">
                             <a:solidFill>
                               <a:schemeClr val="tx1">
                                 <a:lumMod val="75000"/>
@@ -29313,7 +28501,7 @@
                       </m:sSupPr>
                       <m:e>
                         <m:r>
-                          <a:rPr lang="en" sz="1800" b="0" i="1" smtClean="0">
+                          <a:rPr lang="en" sz="1800" i="1">
                             <a:solidFill>
                               <a:schemeClr val="tx1">
                                 <a:lumMod val="75000"/>
@@ -29330,7 +28518,7 @@
                       </m:e>
                       <m:sup>
                         <m:r>
-                          <a:rPr lang="en-US" sz="1800" b="0" i="1" smtClean="0">
+                          <a:rPr lang="en-US" sz="1800" i="1">
                             <a:solidFill>
                               <a:schemeClr val="tx1">
                                 <a:lumMod val="75000"/>
@@ -29345,7 +28533,7 @@
                           <m:t>(</m:t>
                         </m:r>
                         <m:r>
-                          <a:rPr lang="en" sz="1800" b="0" i="1" smtClean="0">
+                          <a:rPr lang="en" sz="1800" i="1">
                             <a:solidFill>
                               <a:schemeClr val="tx1">
                                 <a:lumMod val="75000"/>
@@ -29360,7 +28548,7 @@
                           <m:t>0</m:t>
                         </m:r>
                         <m:r>
-                          <a:rPr lang="en-US" sz="1800" b="0" i="1" smtClean="0">
+                          <a:rPr lang="en-US" sz="1800" i="1">
                             <a:solidFill>
                               <a:schemeClr val="tx1">
                                 <a:lumMod val="75000"/>
@@ -29377,7 +28565,7 @@
                       </m:sup>
                     </m:sSup>
                     <m:r>
-                      <a:rPr lang="en" sz="1800" b="0" i="1" smtClean="0">
+                      <a:rPr lang="en" sz="1800" i="1">
                         <a:solidFill>
                           <a:schemeClr val="tx1">
                             <a:lumMod val="75000"/>
@@ -29392,7 +28580,7 @@
                       <m:t>(</m:t>
                     </m:r>
                     <m:r>
-                      <a:rPr lang="en" sz="1800" b="0" i="1" smtClean="0">
+                      <a:rPr lang="en" sz="1800" i="1">
                         <a:solidFill>
                           <a:schemeClr val="tx1">
                             <a:lumMod val="75000"/>
@@ -29407,7 +28595,7 @@
                       <m:t>𝑆</m:t>
                     </m:r>
                     <m:r>
-                      <a:rPr lang="en" sz="1800" b="0" i="1" smtClean="0">
+                      <a:rPr lang="en" sz="1800" i="1">
                         <a:solidFill>
                           <a:schemeClr val="tx1">
                             <a:lumMod val="75000"/>
@@ -29437,16 +28625,13 @@
                 </a:endParaRPr>
               </a:p>
               <a:p>
-                <a:pPr marL="457200" lvl="0" indent="-342900" algn="l" rtl="0">
+                <a:pPr marL="457200" lvl="0" indent="-342900">
                   <a:lnSpc>
                     <a:spcPct val="150000"/>
                   </a:lnSpc>
                   <a:spcBef>
                     <a:spcPts val="0"/>
                   </a:spcBef>
-                  <a:spcAft>
-                    <a:spcPts val="0"/>
-                  </a:spcAft>
                   <a:buSzPts val="1800"/>
                   <a:buFont typeface="Roboto"/>
                   <a:buAutoNum type="arabicPeriod"/>
@@ -29483,16 +28668,13 @@
                 </a:r>
               </a:p>
               <a:p>
-                <a:pPr marL="457200" lvl="0" indent="-342900" algn="l" rtl="0">
+                <a:pPr marL="457200" lvl="0" indent="-342900">
                   <a:lnSpc>
                     <a:spcPct val="150000"/>
                   </a:lnSpc>
                   <a:spcBef>
                     <a:spcPts val="0"/>
                   </a:spcBef>
-                  <a:spcAft>
-                    <a:spcPts val="0"/>
-                  </a:spcAft>
                   <a:buSzPts val="1800"/>
                   <a:buFont typeface="Roboto"/>
                   <a:buAutoNum type="arabicPeriod"/>
@@ -29528,7 +28710,7 @@
                   <a:t> Update Policy and </a:t>
                 </a:r>
                 <a:r>
-                  <a:rPr lang="en-US" sz="1800" dirty="0" smtClean="0">
+                  <a:rPr lang="en-US" sz="1800" dirty="0">
                     <a:solidFill>
                       <a:schemeClr val="tx1">
                         <a:lumMod val="75000"/>
@@ -29543,7 +28725,7 @@
                   <a:t>repeat </a:t>
                 </a:r>
                 <a:r>
-                  <a:rPr lang="en" sz="1800" dirty="0" smtClean="0">
+                  <a:rPr lang="en" sz="1800" dirty="0">
                     <a:solidFill>
                       <a:schemeClr val="tx1">
                         <a:lumMod val="75000"/>
@@ -29562,7 +28744,7 @@
                     <m:sSup>
                       <m:sSupPr>
                         <m:ctrlPr>
-                          <a:rPr lang="en-US" sz="1800" b="0" i="1" smtClean="0">
+                          <a:rPr lang="en-US" sz="1800" i="1">
                             <a:solidFill>
                               <a:schemeClr val="tx1">
                                 <a:lumMod val="75000"/>
@@ -29578,7 +28760,7 @@
                       </m:sSupPr>
                       <m:e>
                         <m:r>
-                          <a:rPr lang="en-US" sz="1800" b="0" i="1" smtClean="0">
+                          <a:rPr lang="en-US" sz="1800" i="1">
                             <a:solidFill>
                               <a:schemeClr val="tx1">
                                 <a:lumMod val="75000"/>
@@ -29595,7 +28777,7 @@
                       </m:e>
                       <m:sup>
                         <m:r>
-                          <a:rPr lang="en-US" sz="1800" b="0" i="1" smtClean="0">
+                          <a:rPr lang="en-US" sz="1800" i="1">
                             <a:solidFill>
                               <a:schemeClr val="tx1">
                                 <a:lumMod val="75000"/>
@@ -29610,7 +28792,7 @@
                           <m:t>(</m:t>
                         </m:r>
                         <m:r>
-                          <a:rPr lang="en-US" sz="1800" b="0" i="1" smtClean="0">
+                          <a:rPr lang="en-US" sz="1800" i="1">
                             <a:solidFill>
                               <a:schemeClr val="tx1">
                                 <a:lumMod val="75000"/>
@@ -29625,7 +28807,7 @@
                           <m:t>𝑘</m:t>
                         </m:r>
                         <m:r>
-                          <a:rPr lang="en-US" sz="1800" b="0" i="1" smtClean="0">
+                          <a:rPr lang="en-US" sz="1800" i="1">
                             <a:solidFill>
                               <a:schemeClr val="tx1">
                                 <a:lumMod val="75000"/>
@@ -29642,7 +28824,7 @@
                       </m:sup>
                     </m:sSup>
                     <m:r>
-                      <a:rPr lang="en-US" sz="1800" b="0" i="1" smtClean="0">
+                      <a:rPr lang="en-US" sz="1800" i="1">
                         <a:solidFill>
                           <a:schemeClr val="tx1">
                             <a:lumMod val="75000"/>
@@ -29659,7 +28841,7 @@
                     <m:sSup>
                       <m:sSupPr>
                         <m:ctrlPr>
-                          <a:rPr lang="en-US" sz="1800" b="0" i="1" smtClean="0">
+                          <a:rPr lang="en-US" sz="1800" i="1">
                             <a:solidFill>
                               <a:schemeClr val="tx1">
                                 <a:lumMod val="75000"/>
@@ -29675,7 +28857,7 @@
                       </m:sSupPr>
                       <m:e>
                         <m:r>
-                          <a:rPr lang="en-US" sz="1800" b="0" i="1" smtClean="0">
+                          <a:rPr lang="en-US" sz="1800" i="1">
                             <a:solidFill>
                               <a:schemeClr val="tx1">
                                 <a:lumMod val="75000"/>
@@ -29692,7 +28874,7 @@
                       </m:e>
                       <m:sup>
                         <m:r>
-                          <a:rPr lang="en-US" sz="1800" b="0" i="1" smtClean="0">
+                          <a:rPr lang="en-US" sz="1800" i="1">
                             <a:solidFill>
                               <a:schemeClr val="tx1">
                                 <a:lumMod val="75000"/>
@@ -29707,7 +28889,7 @@
                           <m:t>(</m:t>
                         </m:r>
                         <m:r>
-                          <a:rPr lang="en-US" sz="1800" b="0" i="1" smtClean="0">
+                          <a:rPr lang="en-US" sz="1800" i="1">
                             <a:solidFill>
                               <a:schemeClr val="tx1">
                                 <a:lumMod val="75000"/>
@@ -29722,7 +28904,7 @@
                           <m:t>𝑘</m:t>
                         </m:r>
                         <m:r>
-                          <a:rPr lang="en-US" sz="1800" b="0" i="1" smtClean="0">
+                          <a:rPr lang="en-US" sz="1800" i="1">
                             <a:solidFill>
                               <a:schemeClr val="tx1">
                                 <a:lumMod val="75000"/>
@@ -29754,24 +28936,20 @@
                 </a:endParaRPr>
               </a:p>
               <a:p>
-                <a:pPr marL="914400" lvl="0" indent="0" algn="ctr" rtl="0">
+                <a:pPr marL="914400" lvl="0" algn="ctr">
                   <a:lnSpc>
                     <a:spcPct val="150000"/>
                   </a:lnSpc>
                   <a:spcBef>
                     <a:spcPts val="0"/>
                   </a:spcBef>
-                  <a:spcAft>
-                    <a:spcPts val="0"/>
-                  </a:spcAft>
-                  <a:buNone/>
                 </a:pPr>
                 <a14:m>
                   <m:oMath xmlns:m="http://schemas.openxmlformats.org/officeDocument/2006/math">
                     <m:sSub>
                       <m:sSubPr>
                         <m:ctrlPr>
-                          <a:rPr lang="en-US" sz="1800" b="0" i="1" smtClean="0">
+                          <a:rPr lang="en-US" sz="1800" i="1">
                             <a:solidFill>
                               <a:schemeClr val="tx1">
                                 <a:lumMod val="75000"/>
@@ -29787,7 +28965,7 @@
                       </m:sSubPr>
                       <m:e>
                         <m:r>
-                          <a:rPr lang="en-US" sz="1800" b="0" i="1" smtClean="0">
+                          <a:rPr lang="en-US" sz="1800" i="1">
                             <a:solidFill>
                               <a:schemeClr val="tx1">
                                 <a:lumMod val="75000"/>
@@ -29804,7 +28982,7 @@
                       </m:e>
                       <m:sub>
                         <m:r>
-                          <a:rPr lang="en-US" sz="1800" b="0" i="1" smtClean="0">
+                          <a:rPr lang="en-US" sz="1800" i="1">
                             <a:solidFill>
                               <a:schemeClr val="tx1">
                                 <a:lumMod val="75000"/>
@@ -29823,7 +29001,7 @@
                     <m:d>
                       <m:dPr>
                         <m:ctrlPr>
-                          <a:rPr lang="en-US" sz="1800" b="0" i="1" smtClean="0">
+                          <a:rPr lang="en-US" sz="1800" i="1">
                             <a:solidFill>
                               <a:schemeClr val="tx1">
                                 <a:lumMod val="75000"/>
@@ -29841,7 +29019,7 @@
                         <m:sSub>
                           <m:sSubPr>
                             <m:ctrlPr>
-                              <a:rPr lang="en-US" sz="1800" b="0" i="1" smtClean="0">
+                              <a:rPr lang="en-US" sz="1800" i="1">
                                 <a:solidFill>
                                   <a:schemeClr val="tx1">
                                     <a:lumMod val="75000"/>
@@ -29857,7 +29035,7 @@
                           </m:sSubPr>
                           <m:e>
                             <m:r>
-                              <a:rPr lang="en-US" sz="1800" b="0" i="1" smtClean="0">
+                              <a:rPr lang="en-US" sz="1800" i="1">
                                 <a:solidFill>
                                   <a:schemeClr val="tx1">
                                     <a:lumMod val="75000"/>
@@ -29874,7 +29052,7 @@
                           </m:e>
                           <m:sub>
                             <m:r>
-                              <a:rPr lang="en-US" sz="1800" b="0" i="1" smtClean="0">
+                              <a:rPr lang="en-US" sz="1800" i="1">
                                 <a:solidFill>
                                   <a:schemeClr val="tx1">
                                     <a:lumMod val="75000"/>
@@ -29893,7 +29071,7 @@
                       </m:e>
                     </m:d>
                     <m:r>
-                      <a:rPr lang="en-US" sz="1800" b="0" i="1" smtClean="0">
+                      <a:rPr lang="en-US" sz="1800" i="1">
                         <a:solidFill>
                           <a:schemeClr val="tx1">
                             <a:lumMod val="75000"/>
@@ -29910,7 +29088,7 @@
                     <m:sSub>
                       <m:sSubPr>
                         <m:ctrlPr>
-                          <a:rPr lang="en-US" sz="1800" b="0" i="1" smtClean="0">
+                          <a:rPr lang="en-US" sz="1800" i="1">
                             <a:solidFill>
                               <a:schemeClr val="tx1">
                                 <a:lumMod val="75000"/>
@@ -29929,7 +29107,7 @@
                           <m:rPr>
                             <m:sty m:val="p"/>
                           </m:rPr>
-                          <a:rPr lang="en-US" sz="1800" b="0" i="0" smtClean="0">
+                          <a:rPr lang="en-US" sz="1800">
                             <a:solidFill>
                               <a:schemeClr val="tx1">
                                 <a:lumMod val="75000"/>
@@ -29946,7 +29124,7 @@
                       </m:e>
                       <m:sub>
                         <m:r>
-                          <a:rPr lang="en-US" sz="1800" b="0" i="1" smtClean="0">
+                          <a:rPr lang="en-US" sz="1800" i="1">
                             <a:solidFill>
                               <a:schemeClr val="tx1">
                                 <a:lumMod val="75000"/>
@@ -29963,7 +29141,7 @@
                       </m:sub>
                     </m:sSub>
                     <m:r>
-                      <a:rPr lang="en-US" sz="1800" b="0" i="1" smtClean="0">
+                      <a:rPr lang="en-US" sz="1800" i="1">
                         <a:solidFill>
                           <a:schemeClr val="tx1">
                             <a:lumMod val="75000"/>
@@ -29978,7 +29156,7 @@
                       <m:t>{</m:t>
                     </m:r>
                     <m:r>
-                      <a:rPr lang="en-US" sz="1800" b="0" i="1" smtClean="0">
+                      <a:rPr lang="en-US" sz="1800" i="1">
                         <a:solidFill>
                           <a:schemeClr val="tx1">
                             <a:lumMod val="75000"/>
@@ -29995,7 +29173,7 @@
                     <m:d>
                       <m:dPr>
                         <m:ctrlPr>
-                          <a:rPr lang="en-US" sz="1800" b="0" i="1" smtClean="0">
+                          <a:rPr lang="en-US" sz="1800" i="1">
                             <a:solidFill>
                               <a:schemeClr val="tx1">
                                 <a:lumMod val="75000"/>
@@ -30013,7 +29191,7 @@
                         <m:sSub>
                           <m:sSubPr>
                             <m:ctrlPr>
-                              <a:rPr lang="en-US" sz="1800" b="0" i="1" smtClean="0">
+                              <a:rPr lang="en-US" sz="1800" i="1">
                                 <a:solidFill>
                                   <a:schemeClr val="tx1">
                                     <a:lumMod val="75000"/>
@@ -30029,7 +29207,7 @@
                           </m:sSubPr>
                           <m:e>
                             <m:r>
-                              <a:rPr lang="en-US" sz="1800" b="0" i="1" smtClean="0">
+                              <a:rPr lang="en-US" sz="1800" i="1">
                                 <a:solidFill>
                                   <a:schemeClr val="tx1">
                                     <a:lumMod val="75000"/>
@@ -30046,7 +29224,7 @@
                           </m:e>
                           <m:sub>
                             <m:r>
-                              <a:rPr lang="en-US" sz="1800" b="0" i="1" smtClean="0">
+                              <a:rPr lang="en-US" sz="1800" i="1">
                                 <a:solidFill>
                                   <a:schemeClr val="tx1">
                                     <a:lumMod val="75000"/>
@@ -30063,7 +29241,7 @@
                           </m:sub>
                         </m:sSub>
                         <m:r>
-                          <a:rPr lang="en-US" sz="1800" b="0" i="1" smtClean="0">
+                          <a:rPr lang="en-US" sz="1800" i="1">
                             <a:solidFill>
                               <a:schemeClr val="tx1">
                                 <a:lumMod val="75000"/>
@@ -30080,7 +29258,7 @@
                         <m:sSub>
                           <m:sSubPr>
                             <m:ctrlPr>
-                              <a:rPr lang="en-US" sz="1800" b="0" i="1" smtClean="0">
+                              <a:rPr lang="en-US" sz="1800" i="1">
                                 <a:solidFill>
                                   <a:schemeClr val="tx1">
                                     <a:lumMod val="75000"/>
@@ -30096,7 +29274,7 @@
                           </m:sSubPr>
                           <m:e>
                             <m:r>
-                              <a:rPr lang="en-US" sz="1800" b="0" i="1" smtClean="0">
+                              <a:rPr lang="en-US" sz="1800" i="1">
                                 <a:solidFill>
                                   <a:schemeClr val="tx1">
                                     <a:lumMod val="75000"/>
@@ -30113,7 +29291,7 @@
                           </m:e>
                           <m:sub>
                             <m:r>
-                              <a:rPr lang="en-US" sz="1800" b="0" i="1" smtClean="0">
+                              <a:rPr lang="en-US" sz="1800" i="1">
                                 <a:solidFill>
                                   <a:schemeClr val="tx1">
                                     <a:lumMod val="75000"/>
@@ -30132,7 +29310,7 @@
                       </m:e>
                     </m:d>
                     <m:r>
-                      <a:rPr lang="en-US" sz="1800" b="0" i="1" smtClean="0">
+                      <a:rPr lang="en-US" sz="1800" i="1">
                         <a:solidFill>
                           <a:schemeClr val="tx1">
                             <a:lumMod val="75000"/>
@@ -30147,7 +29325,7 @@
                       <m:t>+</m:t>
                     </m:r>
                     <m:r>
-                      <a:rPr lang="en-US" sz="1800" b="0" i="1" smtClean="0">
+                      <a:rPr lang="en-US" sz="1800" i="1">
                         <a:solidFill>
                           <a:schemeClr val="tx1">
                             <a:lumMod val="75000"/>
@@ -30164,7 +29342,7 @@
                     <m:sSub>
                       <m:sSubPr>
                         <m:ctrlPr>
-                          <a:rPr lang="en-US" sz="1800" b="0" i="1" smtClean="0">
+                          <a:rPr lang="en-US" sz="1800" i="1">
                             <a:solidFill>
                               <a:schemeClr val="tx1">
                                 <a:lumMod val="75000"/>
@@ -30180,7 +29358,7 @@
                       </m:sSubPr>
                       <m:e>
                         <m:r>
-                          <a:rPr lang="en-US" sz="1800" b="0" i="1" smtClean="0">
+                          <a:rPr lang="en-US" sz="1800" i="1">
                             <a:solidFill>
                               <a:schemeClr val="tx1">
                                 <a:lumMod val="75000"/>
@@ -30197,7 +29375,7 @@
                       </m:e>
                       <m:sub>
                         <m:r>
-                          <a:rPr lang="en-US" sz="1800" b="0" i="1" smtClean="0">
+                          <a:rPr lang="en-US" sz="1800" i="1">
                             <a:solidFill>
                               <a:schemeClr val="tx1">
                                 <a:lumMod val="75000"/>
@@ -30218,7 +29396,7 @@
                         <m:begChr m:val="["/>
                         <m:endChr m:val="]"/>
                         <m:ctrlPr>
-                          <a:rPr lang="en-US" sz="1800" b="0" i="1" smtClean="0">
+                          <a:rPr lang="en-US" sz="1800" i="1">
                             <a:solidFill>
                               <a:schemeClr val="tx1">
                                 <a:lumMod val="75000"/>
@@ -30236,7 +29414,7 @@
                         <m:sSub>
                           <m:sSubPr>
                             <m:ctrlPr>
-                              <a:rPr lang="en-US" sz="1800" b="0" i="1" smtClean="0">
+                              <a:rPr lang="en-US" sz="1800" i="1">
                                 <a:solidFill>
                                   <a:schemeClr val="tx1">
                                     <a:lumMod val="75000"/>
@@ -30252,7 +29430,7 @@
                           </m:sSubPr>
                           <m:e>
                             <m:r>
-                              <a:rPr lang="en-US" sz="1800" b="0" i="1" smtClean="0">
+                              <a:rPr lang="en-US" sz="1800" i="1">
                                 <a:solidFill>
                                   <a:schemeClr val="tx1">
                                     <a:lumMod val="75000"/>
@@ -30271,7 +29449,7 @@
                             <m:sSup>
                               <m:sSupPr>
                                 <m:ctrlPr>
-                                  <a:rPr lang="en-US" sz="1800" b="0" i="1" smtClean="0">
+                                  <a:rPr lang="en-US" sz="1800" i="1">
                                     <a:solidFill>
                                       <a:schemeClr val="tx1">
                                         <a:lumMod val="75000"/>
@@ -30287,7 +29465,7 @@
                               </m:sSupPr>
                               <m:e>
                                 <m:r>
-                                  <a:rPr lang="en-US" sz="1800" b="0" i="1" smtClean="0">
+                                  <a:rPr lang="en-US" sz="1800" i="1">
                                     <a:solidFill>
                                       <a:schemeClr val="tx1">
                                         <a:lumMod val="75000"/>
@@ -30306,7 +29484,7 @@
                                 <m:d>
                                   <m:dPr>
                                     <m:ctrlPr>
-                                      <a:rPr lang="en-US" sz="1800" b="0" i="1" smtClean="0">
+                                      <a:rPr lang="en-US" sz="1800" i="1">
                                         <a:solidFill>
                                           <a:schemeClr val="tx1">
                                             <a:lumMod val="75000"/>
@@ -30322,7 +29500,7 @@
                                   </m:dPr>
                                   <m:e>
                                     <m:r>
-                                      <a:rPr lang="en-US" sz="1800" b="0" i="1" smtClean="0">
+                                      <a:rPr lang="en-US" sz="1800" i="1">
                                         <a:solidFill>
                                           <a:schemeClr val="tx1">
                                             <a:lumMod val="75000"/>
@@ -30345,7 +29523,7 @@
                         <m:d>
                           <m:dPr>
                             <m:ctrlPr>
-                              <a:rPr lang="en-US" sz="1800" b="0" i="1" smtClean="0">
+                              <a:rPr lang="en-US" sz="1800" i="1">
                                 <a:solidFill>
                                   <a:schemeClr val="tx1">
                                     <a:lumMod val="75000"/>
@@ -30363,7 +29541,7 @@
                             <m:sSub>
                               <m:sSubPr>
                                 <m:ctrlPr>
-                                  <a:rPr lang="en-US" sz="1800" b="0" i="1" smtClean="0">
+                                  <a:rPr lang="en-US" sz="1800" i="1">
                                     <a:solidFill>
                                       <a:schemeClr val="tx1">
                                         <a:lumMod val="75000"/>
@@ -30379,7 +29557,7 @@
                               </m:sSubPr>
                               <m:e>
                                 <m:r>
-                                  <a:rPr lang="en-US" sz="1800" b="0" i="1" smtClean="0">
+                                  <a:rPr lang="en-US" sz="1800" i="1">
                                     <a:solidFill>
                                       <a:schemeClr val="tx1">
                                         <a:lumMod val="75000"/>
@@ -30396,7 +29574,7 @@
                               </m:e>
                               <m:sub>
                                 <m:r>
-                                  <a:rPr lang="en-US" sz="1800" b="0" i="1" smtClean="0">
+                                  <a:rPr lang="en-US" sz="1800" i="1">
                                     <a:solidFill>
                                       <a:schemeClr val="tx1">
                                         <a:lumMod val="75000"/>
@@ -30417,7 +29595,7 @@
                       </m:e>
                     </m:d>
                     <m:r>
-                      <a:rPr lang="en-US" sz="1800" b="0" i="1" smtClean="0">
+                      <a:rPr lang="en-US" sz="1800" i="1">
                         <a:solidFill>
                           <a:schemeClr val="tx1">
                             <a:lumMod val="75000"/>
@@ -30434,7 +29612,7 @@
                   </m:oMath>
                 </a14:m>
                 <a:r>
-                  <a:rPr lang="en" sz="1800" dirty="0" smtClean="0">
+                  <a:rPr lang="en" sz="1800" dirty="0">
                     <a:solidFill>
                       <a:schemeClr val="tx1">
                         <a:lumMod val="75000"/>
@@ -30567,17 +29745,13 @@
                 </a:endParaRPr>
               </a:p>
               <a:p>
-                <a:pPr marL="0" lvl="0" indent="0" algn="l" rtl="0">
+                <a:pPr lvl="0">
                   <a:lnSpc>
                     <a:spcPct val="150000"/>
                   </a:lnSpc>
                   <a:spcBef>
                     <a:spcPts val="0"/>
                   </a:spcBef>
-                  <a:spcAft>
-                    <a:spcPts val="0"/>
-                  </a:spcAft>
-                  <a:buNone/>
                 </a:pPr>
                 <a:endParaRPr lang="en" sz="1800" dirty="0">
                   <a:solidFill>
@@ -30593,17 +29767,13 @@
                 </a:endParaRPr>
               </a:p>
               <a:p>
-                <a:pPr marL="0" lvl="0" indent="0" algn="l" rtl="0">
+                <a:pPr lvl="0">
                   <a:lnSpc>
                     <a:spcPct val="150000"/>
                   </a:lnSpc>
                   <a:spcBef>
                     <a:spcPts val="0"/>
                   </a:spcBef>
-                  <a:spcAft>
-                    <a:spcPts val="0"/>
-                  </a:spcAft>
-                  <a:buNone/>
                 </a:pPr>
                 <a:r>
                   <a:rPr lang="en" sz="1800" dirty="0">
@@ -30635,7 +29805,7 @@
                   </a:rPr>
                   <a:t> </a:t>
                 </a:r>
-                <a:endParaRPr lang="en-US" sz="1200" dirty="0" smtClean="0">
+                <a:endParaRPr lang="en-US" sz="1200" dirty="0">
                   <a:solidFill>
                     <a:schemeClr val="tx1">
                       <a:lumMod val="75000"/>
@@ -30648,69 +29818,27 @@
                   <a:sym typeface="Libre Baskerville"/>
                 </a:endParaRPr>
               </a:p>
-              <a:p>
-                <a:pPr lvl="0">
-                  <a:lnSpc>
-                    <a:spcPct val="150000"/>
-                  </a:lnSpc>
-                </a:pPr>
-                <a:r>
-                  <a:rPr lang="en" sz="1050" dirty="0" smtClean="0">
-                    <a:solidFill>
-                      <a:schemeClr val="tx1">
-                        <a:lumMod val="75000"/>
-                        <a:lumOff val="25000"/>
-                      </a:schemeClr>
-                    </a:solidFill>
-                    <a:latin typeface="Karla" charset="0"/>
-                    <a:ea typeface="Karla" charset="0"/>
-                    <a:cs typeface="Karla" charset="0"/>
-                    <a:sym typeface="Roboto"/>
-                  </a:rPr>
-                  <a:t>-</a:t>
-                </a:r>
-                <a:endParaRPr lang="en" baseline="-25000" dirty="0">
-                  <a:solidFill>
-                    <a:schemeClr val="tx1">
-                      <a:lumMod val="75000"/>
-                      <a:lumOff val="25000"/>
-                    </a:schemeClr>
-                  </a:solidFill>
-                  <a:latin typeface="Karla" charset="0"/>
-                  <a:ea typeface="Karla" charset="0"/>
-                  <a:cs typeface="Karla" charset="0"/>
-                  <a:sym typeface="Roboto"/>
-                </a:endParaRPr>
-              </a:p>
             </p:txBody>
           </p:sp>
         </mc:Choice>
         <mc:Fallback>
           <p:sp>
             <p:nvSpPr>
-              <p:cNvPr id="181" name="Google Shape;181;p30"/>
-              <p:cNvSpPr txBox="1">
-                <a:spLocks noRot="1" noChangeAspect="1" noMove="1" noResize="1" noEditPoints="1" noAdjustHandles="1" noChangeArrowheads="1" noChangeShapeType="1" noTextEdit="1"/>
+              <p:cNvPr id="3" name="Content Placeholder 2"/>
+              <p:cNvSpPr>
+                <a:spLocks noGrp="1" noRot="1" noChangeAspect="1" noMove="1" noResize="1" noEditPoints="1" noAdjustHandles="1" noChangeArrowheads="1" noChangeShapeType="1" noTextEdit="1"/>
               </p:cNvSpPr>
-              <p:nvPr/>
+              <p:nvPr>
+                <p:ph idx="1"/>
+              </p:nvPr>
             </p:nvSpPr>
             <p:spPr>
-              <a:xfrm>
-                <a:off x="260441" y="917846"/>
-                <a:ext cx="8729100" cy="3209700"/>
-              </a:xfrm>
-              <a:prstGeom prst="rect">
-                <a:avLst/>
-              </a:prstGeom>
               <a:blipFill rotWithShape="0">
-                <a:blip r:embed="rId3"/>
+                <a:blip r:embed="rId2"/>
                 <a:stretch>
-                  <a:fillRect l="-628" b="-4943"/>
+                  <a:fillRect l="-709" r="-551" b="-149231"/>
                 </a:stretch>
               </a:blipFill>
-              <a:ln>
-                <a:noFill/>
-              </a:ln>
             </p:spPr>
             <p:txBody>
               <a:bodyPr/>
@@ -30728,6 +29856,11 @@
         </mc:Fallback>
       </mc:AlternateContent>
     </p:spTree>
+    <p:extLst>
+      <p:ext uri="{BB962C8B-B14F-4D97-AF65-F5344CB8AC3E}">
+        <p14:creationId xmlns:p14="http://schemas.microsoft.com/office/powerpoint/2010/main" val="1918320676"/>
+      </p:ext>
+    </p:extLst>
   </p:cSld>
   <p:clrMapOvr>
     <a:masterClrMapping/>
@@ -35229,6 +34362,10 @@
           </p:nvPr>
         </p:nvSpPr>
         <p:spPr>
+          <a:xfrm>
+            <a:off x="327521" y="389809"/>
+            <a:ext cx="8222100" cy="767700"/>
+          </a:xfrm>
           <a:prstGeom prst="rect">
             <a:avLst/>
           </a:prstGeom>
@@ -35249,10 +34386,10 @@
               <a:buNone/>
             </a:pPr>
             <a:r>
-              <a:rPr lang="en"/>
+              <a:rPr lang="en" dirty="0"/>
               <a:t>Value and Policy Iteration</a:t>
             </a:r>
-            <a:endParaRPr/>
+            <a:endParaRPr dirty="0"/>
           </a:p>
         </p:txBody>
       </p:sp>
@@ -35264,7 +34401,7 @@
         </p:nvSpPr>
         <p:spPr>
           <a:xfrm>
-            <a:off x="228300" y="1933850"/>
+            <a:off x="327521" y="1584934"/>
             <a:ext cx="8729100" cy="3209700"/>
           </a:xfrm>
           <a:prstGeom prst="rect">
@@ -35291,18 +34428,81 @@
               <a:buNone/>
             </a:pPr>
             <a:r>
-              <a:rPr lang="en" sz="1800">
-                <a:latin typeface="Roboto"/>
-                <a:ea typeface="Roboto"/>
-                <a:cs typeface="Roboto"/>
+              <a:rPr lang="en" sz="1800" dirty="0">
+                <a:latin typeface="Karla" charset="0"/>
+                <a:ea typeface="Karla" charset="0"/>
+                <a:cs typeface="Karla" charset="0"/>
                 <a:sym typeface="Roboto"/>
               </a:rPr>
-              <a:t>Demo : https://cs.stanford.edu/people/karpathy/reinforcejs/gridworld_dp.html</a:t>
-            </a:r>
-            <a:endParaRPr sz="1800">
-              <a:latin typeface="Roboto"/>
-              <a:ea typeface="Roboto"/>
-              <a:cs typeface="Roboto"/>
+              <a:t>Demo : https://</a:t>
+            </a:r>
+            <a:r>
+              <a:rPr lang="en" sz="1800" dirty="0" err="1">
+                <a:latin typeface="Karla" charset="0"/>
+                <a:ea typeface="Karla" charset="0"/>
+                <a:cs typeface="Karla" charset="0"/>
+                <a:sym typeface="Roboto"/>
+              </a:rPr>
+              <a:t>cs.stanford.edu</a:t>
+            </a:r>
+            <a:r>
+              <a:rPr lang="en" sz="1800" dirty="0">
+                <a:latin typeface="Karla" charset="0"/>
+                <a:ea typeface="Karla" charset="0"/>
+                <a:cs typeface="Karla" charset="0"/>
+                <a:sym typeface="Roboto"/>
+              </a:rPr>
+              <a:t>/people/</a:t>
+            </a:r>
+            <a:r>
+              <a:rPr lang="en" sz="1800" dirty="0" err="1">
+                <a:latin typeface="Karla" charset="0"/>
+                <a:ea typeface="Karla" charset="0"/>
+                <a:cs typeface="Karla" charset="0"/>
+                <a:sym typeface="Roboto"/>
+              </a:rPr>
+              <a:t>karpathy</a:t>
+            </a:r>
+            <a:r>
+              <a:rPr lang="en" sz="1800" dirty="0">
+                <a:latin typeface="Karla" charset="0"/>
+                <a:ea typeface="Karla" charset="0"/>
+                <a:cs typeface="Karla" charset="0"/>
+                <a:sym typeface="Roboto"/>
+              </a:rPr>
+              <a:t>/</a:t>
+            </a:r>
+            <a:r>
+              <a:rPr lang="en" sz="1800" dirty="0" err="1">
+                <a:latin typeface="Karla" charset="0"/>
+                <a:ea typeface="Karla" charset="0"/>
+                <a:cs typeface="Karla" charset="0"/>
+                <a:sym typeface="Roboto"/>
+              </a:rPr>
+              <a:t>reinforcejs</a:t>
+            </a:r>
+            <a:r>
+              <a:rPr lang="en" sz="1800" dirty="0">
+                <a:latin typeface="Karla" charset="0"/>
+                <a:ea typeface="Karla" charset="0"/>
+                <a:cs typeface="Karla" charset="0"/>
+                <a:sym typeface="Roboto"/>
+              </a:rPr>
+              <a:t>/</a:t>
+            </a:r>
+            <a:r>
+              <a:rPr lang="en" sz="1800" dirty="0" err="1">
+                <a:latin typeface="Karla" charset="0"/>
+                <a:ea typeface="Karla" charset="0"/>
+                <a:cs typeface="Karla" charset="0"/>
+                <a:sym typeface="Roboto"/>
+              </a:rPr>
+              <a:t>gridworld_dp.html</a:t>
+            </a:r>
+            <a:endParaRPr sz="1800" dirty="0">
+              <a:latin typeface="Karla" charset="0"/>
+              <a:ea typeface="Karla" charset="0"/>
+              <a:cs typeface="Karla" charset="0"/>
               <a:sym typeface="Roboto"/>
             </a:endParaRPr>
           </a:p>
@@ -35316,10 +34516,10 @@
               </a:spcAft>
               <a:buNone/>
             </a:pPr>
-            <a:endParaRPr sz="1800">
-              <a:latin typeface="Roboto"/>
-              <a:ea typeface="Roboto"/>
-              <a:cs typeface="Roboto"/>
+            <a:endParaRPr sz="1800" dirty="0">
+              <a:latin typeface="Karla" charset="0"/>
+              <a:ea typeface="Karla" charset="0"/>
+              <a:cs typeface="Karla" charset="0"/>
               <a:sym typeface="Roboto"/>
             </a:endParaRPr>
           </a:p>
@@ -35336,18 +34536,18 @@
               <a:buChar char="●"/>
             </a:pPr>
             <a:r>
-              <a:rPr lang="en" sz="1800">
-                <a:latin typeface="Roboto"/>
-                <a:ea typeface="Roboto"/>
-                <a:cs typeface="Roboto"/>
+              <a:rPr lang="en" sz="1800" dirty="0">
+                <a:latin typeface="Karla" charset="0"/>
+                <a:ea typeface="Karla" charset="0"/>
+                <a:cs typeface="Karla" charset="0"/>
                 <a:sym typeface="Roboto"/>
               </a:rPr>
               <a:t>Convergence in value means convergence in policy, vice versa not true. REASON : Multiple reward/value structures can cause the same policy. </a:t>
             </a:r>
-            <a:endParaRPr sz="1800">
-              <a:latin typeface="Roboto"/>
-              <a:ea typeface="Roboto"/>
-              <a:cs typeface="Roboto"/>
+            <a:endParaRPr sz="1800" dirty="0">
+              <a:latin typeface="Karla" charset="0"/>
+              <a:ea typeface="Karla" charset="0"/>
+              <a:cs typeface="Karla" charset="0"/>
               <a:sym typeface="Roboto"/>
             </a:endParaRPr>
           </a:p>
@@ -35361,10 +34561,10 @@
               </a:spcAft>
               <a:buNone/>
             </a:pPr>
-            <a:endParaRPr sz="1800">
-              <a:latin typeface="Roboto"/>
-              <a:ea typeface="Roboto"/>
-              <a:cs typeface="Roboto"/>
+            <a:endParaRPr sz="1800" dirty="0">
+              <a:latin typeface="Karla" charset="0"/>
+              <a:ea typeface="Karla" charset="0"/>
+              <a:cs typeface="Karla" charset="0"/>
               <a:sym typeface="Roboto"/>
             </a:endParaRPr>
           </a:p>
@@ -35381,18 +34581,18 @@
               <a:buChar char="●"/>
             </a:pPr>
             <a:r>
-              <a:rPr lang="en" sz="1800">
-                <a:latin typeface="Roboto"/>
-                <a:ea typeface="Roboto"/>
-                <a:cs typeface="Roboto"/>
+              <a:rPr lang="en" sz="1800" dirty="0">
+                <a:latin typeface="Karla" charset="0"/>
+                <a:ea typeface="Karla" charset="0"/>
+                <a:cs typeface="Karla" charset="0"/>
                 <a:sym typeface="Roboto"/>
               </a:rPr>
               <a:t>Both algorithms have theoretical guarantees of convergence.</a:t>
             </a:r>
-            <a:endParaRPr sz="1800">
-              <a:latin typeface="Roboto"/>
-              <a:ea typeface="Roboto"/>
-              <a:cs typeface="Roboto"/>
+            <a:endParaRPr sz="1800" dirty="0">
+              <a:latin typeface="Karla" charset="0"/>
+              <a:ea typeface="Karla" charset="0"/>
+              <a:cs typeface="Karla" charset="0"/>
               <a:sym typeface="Roboto"/>
             </a:endParaRPr>
           </a:p>
@@ -35406,10 +34606,10 @@
               </a:spcAft>
               <a:buNone/>
             </a:pPr>
-            <a:endParaRPr sz="1800">
-              <a:latin typeface="Roboto"/>
-              <a:ea typeface="Roboto"/>
-              <a:cs typeface="Roboto"/>
+            <a:endParaRPr sz="1800" dirty="0">
+              <a:latin typeface="Karla" charset="0"/>
+              <a:ea typeface="Karla" charset="0"/>
+              <a:cs typeface="Karla" charset="0"/>
               <a:sym typeface="Roboto"/>
             </a:endParaRPr>
           </a:p>
@@ -35426,18 +34626,18 @@
               <a:buChar char="●"/>
             </a:pPr>
             <a:r>
-              <a:rPr lang="en" sz="1800">
-                <a:latin typeface="Roboto"/>
-                <a:ea typeface="Roboto"/>
-                <a:cs typeface="Roboto"/>
+              <a:rPr lang="en" sz="1800" dirty="0">
+                <a:latin typeface="Karla" charset="0"/>
+                <a:ea typeface="Karla" charset="0"/>
+                <a:cs typeface="Karla" charset="0"/>
                 <a:sym typeface="Roboto"/>
               </a:rPr>
               <a:t>Policy Iteration is expected to be faster.</a:t>
             </a:r>
-            <a:endParaRPr sz="1800">
-              <a:latin typeface="Roboto"/>
-              <a:ea typeface="Roboto"/>
-              <a:cs typeface="Roboto"/>
+            <a:endParaRPr sz="1800" dirty="0">
+              <a:latin typeface="Karla" charset="0"/>
+              <a:ea typeface="Karla" charset="0"/>
+              <a:cs typeface="Karla" charset="0"/>
               <a:sym typeface="Roboto"/>
             </a:endParaRPr>
           </a:p>
@@ -35451,7 +34651,11 @@
               </a:spcAft>
               <a:buNone/>
             </a:pPr>
-            <a:endParaRPr/>
+            <a:endParaRPr dirty="0">
+              <a:latin typeface="Karla" charset="0"/>
+              <a:ea typeface="Karla" charset="0"/>
+              <a:cs typeface="Karla" charset="0"/>
+            </a:endParaRPr>
           </a:p>
           <a:p>
             <a:pPr marL="457200" lvl="0" indent="0" algn="l" rtl="0">
@@ -35463,7 +34667,11 @@
               </a:spcAft>
               <a:buNone/>
             </a:pPr>
-            <a:endParaRPr/>
+            <a:endParaRPr dirty="0">
+              <a:latin typeface="Karla" charset="0"/>
+              <a:ea typeface="Karla" charset="0"/>
+              <a:cs typeface="Karla" charset="0"/>
+            </a:endParaRPr>
           </a:p>
         </p:txBody>
       </p:sp>
@@ -35597,7 +34805,7 @@
   <p:cSld>
     <p:spTree>
       <p:nvGrpSpPr>
-        <p:cNvPr id="1" name="Shape 196"/>
+        <p:cNvPr id="1" name=""/>
         <p:cNvGrpSpPr/>
         <p:nvPr/>
       </p:nvGrpSpPr>
@@ -35611,78 +34819,46 @@
       </p:grpSpPr>
       <p:sp>
         <p:nvSpPr>
-          <p:cNvPr id="197" name="Google Shape;197;p33"/>
-          <p:cNvSpPr txBox="1">
+          <p:cNvPr id="2" name="Title 1"/>
+          <p:cNvSpPr>
             <a:spLocks noGrp="1"/>
           </p:cNvSpPr>
           <p:nvPr>
             <p:ph type="title"/>
           </p:nvPr>
         </p:nvSpPr>
-        <p:spPr>
-          <a:xfrm>
-            <a:off x="481800" y="192188"/>
-            <a:ext cx="8222100" cy="767700"/>
-          </a:xfrm>
-          <a:prstGeom prst="rect">
-            <a:avLst/>
-          </a:prstGeom>
-        </p:spPr>
+        <p:spPr/>
         <p:txBody>
-          <a:bodyPr spcFirstLastPara="1" wrap="square" lIns="91425" tIns="91425" rIns="91425" bIns="91425" anchor="b" anchorCtr="0">
-            <a:noAutofit/>
-          </a:bodyPr>
+          <a:bodyPr/>
           <a:lstStyle/>
           <a:p>
-            <a:pPr marL="0" lvl="0" indent="0" algn="l" rtl="0">
-              <a:spcBef>
-                <a:spcPts val="0"/>
-              </a:spcBef>
-              <a:spcAft>
-                <a:spcPts val="0"/>
-              </a:spcAft>
-              <a:buNone/>
-            </a:pPr>
-            <a:r>
-              <a:rPr lang="en"/>
+            <a:r>
+              <a:rPr lang="en" dirty="0"/>
               <a:t>Why Model-Free Methods ? </a:t>
             </a:r>
-            <a:endParaRPr dirty="0"/>
+            <a:endParaRPr lang="en-US" dirty="0"/>
           </a:p>
         </p:txBody>
       </p:sp>
       <p:sp>
         <p:nvSpPr>
-          <p:cNvPr id="198" name="Google Shape;198;p33"/>
-          <p:cNvSpPr txBox="1"/>
-          <p:nvPr/>
+          <p:cNvPr id="3" name="Content Placeholder 2"/>
+          <p:cNvSpPr>
+            <a:spLocks noGrp="1"/>
+          </p:cNvSpPr>
+          <p:nvPr>
+            <p:ph idx="1"/>
+          </p:nvPr>
         </p:nvSpPr>
-        <p:spPr>
-          <a:xfrm>
-            <a:off x="228300" y="1282209"/>
-            <a:ext cx="8729100" cy="3209700"/>
-          </a:xfrm>
-          <a:prstGeom prst="rect">
-            <a:avLst/>
-          </a:prstGeom>
-          <a:noFill/>
-          <a:ln>
-            <a:noFill/>
-          </a:ln>
-        </p:spPr>
+        <p:spPr/>
         <p:txBody>
-          <a:bodyPr spcFirstLastPara="1" wrap="square" lIns="91425" tIns="91425" rIns="91425" bIns="91425" anchor="t" anchorCtr="0">
-            <a:noAutofit/>
-          </a:bodyPr>
+          <a:bodyPr/>
           <a:lstStyle/>
           <a:p>
-            <a:pPr marL="457200" lvl="0" indent="-342900" algn="l" rtl="0">
+            <a:pPr marL="457200" lvl="0" indent="-342900">
               <a:spcBef>
                 <a:spcPts val="0"/>
               </a:spcBef>
-              <a:spcAft>
-                <a:spcPts val="0"/>
-              </a:spcAft>
               <a:buSzPts val="1800"/>
               <a:buFont typeface="Roboto"/>
               <a:buChar char="●"/>
@@ -35696,7 +34872,33 @@
               </a:rPr>
               <a:t>Learning or providing a transition model can be hard in several scenarios.</a:t>
             </a:r>
-            <a:endParaRPr sz="1800" dirty="0">
+          </a:p>
+          <a:p>
+            <a:pPr marL="1828800" lvl="1" indent="-342900">
+              <a:spcBef>
+                <a:spcPts val="0"/>
+              </a:spcBef>
+              <a:buSzPts val="1800"/>
+              <a:buFont typeface="Roboto"/>
+              <a:buChar char="○"/>
+            </a:pPr>
+            <a:r>
+              <a:rPr lang="en" dirty="0">
+                <a:latin typeface="Karla" charset="0"/>
+                <a:ea typeface="Karla" charset="0"/>
+                <a:cs typeface="Karla" charset="0"/>
+                <a:sym typeface="Roboto"/>
+              </a:rPr>
+              <a:t>Autonomous Driving, ICU Treatments, Stock Trading etc.</a:t>
+            </a:r>
+          </a:p>
+          <a:p>
+            <a:pPr marL="1828800" lvl="0">
+              <a:spcBef>
+                <a:spcPts val="0"/>
+              </a:spcBef>
+            </a:pPr>
+            <a:endParaRPr lang="en" sz="1800" dirty="0">
               <a:latin typeface="Karla" charset="0"/>
               <a:ea typeface="Karla" charset="0"/>
               <a:cs typeface="Karla" charset="0"/>
@@ -35704,16 +34906,39 @@
             </a:endParaRPr>
           </a:p>
           <a:p>
-            <a:pPr marL="1828800" lvl="1" indent="-342900" algn="l" rtl="0">
+            <a:pPr lvl="0" algn="ctr">
               <a:spcBef>
                 <a:spcPts val="0"/>
               </a:spcBef>
-              <a:spcAft>
+            </a:pPr>
+            <a:r>
+              <a:rPr lang="en" sz="1800" u="sng" dirty="0">
+                <a:latin typeface="Karla" charset="0"/>
+                <a:ea typeface="Karla" charset="0"/>
+                <a:cs typeface="Karla" charset="0"/>
+                <a:sym typeface="Roboto"/>
+              </a:rPr>
+              <a:t>What do you have then ? </a:t>
+            </a:r>
+          </a:p>
+          <a:p>
+            <a:pPr lvl="0">
+              <a:spcBef>
                 <a:spcPts val="0"/>
-              </a:spcAft>
-              <a:buSzPts val="1800"/>
-              <a:buFont typeface="Roboto"/>
-              <a:buChar char="○"/>
+              </a:spcBef>
+            </a:pPr>
+            <a:endParaRPr lang="en" sz="1800" dirty="0">
+              <a:latin typeface="Karla" charset="0"/>
+              <a:ea typeface="Karla" charset="0"/>
+              <a:cs typeface="Karla" charset="0"/>
+              <a:sym typeface="Roboto"/>
+            </a:endParaRPr>
+          </a:p>
+          <a:p>
+            <a:pPr lvl="0">
+              <a:spcBef>
+                <a:spcPts val="0"/>
+              </a:spcBef>
             </a:pPr>
             <a:r>
               <a:rPr lang="en" sz="1800" dirty="0">
@@ -35722,9 +34947,34 @@
                 <a:cs typeface="Karla" charset="0"/>
                 <a:sym typeface="Roboto"/>
               </a:rPr>
-              <a:t>Autonomous Driving, ICU Treatments, Stock Trading etc.</a:t>
-            </a:r>
-            <a:endParaRPr sz="1800" dirty="0">
+              <a:t>An ability to obtain a set of simulations/trajectories with each transition in the episodes of the form (</a:t>
+            </a:r>
+            <a:r>
+              <a:rPr lang="en" sz="1800" dirty="0" err="1">
+                <a:latin typeface="Karla" charset="0"/>
+                <a:ea typeface="Karla" charset="0"/>
+                <a:cs typeface="Karla" charset="0"/>
+                <a:sym typeface="Roboto"/>
+              </a:rPr>
+              <a:t>s,a,r,s</a:t>
+            </a:r>
+            <a:r>
+              <a:rPr lang="en" sz="1800" dirty="0">
+                <a:latin typeface="Karla" charset="0"/>
+                <a:ea typeface="Karla" charset="0"/>
+                <a:cs typeface="Karla" charset="0"/>
+                <a:sym typeface="Roboto"/>
+              </a:rPr>
+              <a:t>’) </a:t>
+            </a:r>
+          </a:p>
+          <a:p>
+            <a:pPr lvl="0">
+              <a:spcBef>
+                <a:spcPts val="0"/>
+              </a:spcBef>
+            </a:pPr>
+            <a:endParaRPr lang="en" sz="1800" dirty="0">
               <a:latin typeface="Karla" charset="0"/>
               <a:ea typeface="Karla" charset="0"/>
               <a:cs typeface="Karla" charset="0"/>
@@ -35732,16 +34982,28 @@
             </a:endParaRPr>
           </a:p>
           <a:p>
-            <a:pPr marL="1828800" lvl="0" indent="0" algn="l" rtl="0">
+            <a:pPr lvl="0">
               <a:spcBef>
                 <a:spcPts val="0"/>
               </a:spcBef>
-              <a:spcAft>
+            </a:pPr>
+            <a:r>
+              <a:rPr lang="en" sz="1800" dirty="0">
+                <a:latin typeface="Karla" charset="0"/>
+                <a:ea typeface="Karla" charset="0"/>
+                <a:cs typeface="Karla" charset="0"/>
+                <a:sym typeface="Roboto"/>
+              </a:rPr>
+              <a:t>E.g. Using sensors to understand robot’s new position when it does an action, Recording new patient vitals when given a drug from a state etc.</a:t>
+            </a:r>
+          </a:p>
+          <a:p>
+            <a:pPr lvl="0">
+              <a:spcBef>
                 <a:spcPts val="0"/>
-              </a:spcAft>
-              <a:buNone/>
+              </a:spcBef>
             </a:pPr>
-            <a:endParaRPr sz="1800" dirty="0">
+            <a:endParaRPr lang="en" sz="1800" dirty="0">
               <a:latin typeface="Karla" charset="0"/>
               <a:ea typeface="Karla" charset="0"/>
               <a:cs typeface="Karla" charset="0"/>
@@ -35749,25 +35011,12 @@
             </a:endParaRPr>
           </a:p>
           <a:p>
-            <a:pPr marL="0" lvl="0" indent="0" algn="ctr" rtl="0">
+            <a:pPr lvl="0">
               <a:spcBef>
                 <a:spcPts val="0"/>
               </a:spcBef>
-              <a:spcAft>
-                <a:spcPts val="0"/>
-              </a:spcAft>
-              <a:buNone/>
             </a:pPr>
-            <a:r>
-              <a:rPr lang="en" sz="1800" u="sng" dirty="0">
-                <a:latin typeface="Karla" charset="0"/>
-                <a:ea typeface="Karla" charset="0"/>
-                <a:cs typeface="Karla" charset="0"/>
-                <a:sym typeface="Roboto"/>
-              </a:rPr>
-              <a:t>What do you have then ? </a:t>
-            </a:r>
-            <a:endParaRPr sz="1800" u="sng" dirty="0">
+            <a:endParaRPr lang="en" sz="1800" dirty="0">
               <a:latin typeface="Karla" charset="0"/>
               <a:ea typeface="Karla" charset="0"/>
               <a:cs typeface="Karla" charset="0"/>
@@ -35775,16 +35024,12 @@
             </a:endParaRPr>
           </a:p>
           <a:p>
-            <a:pPr marL="0" lvl="0" indent="0" algn="l" rtl="0">
+            <a:pPr lvl="0">
               <a:spcBef>
                 <a:spcPts val="0"/>
               </a:spcBef>
-              <a:spcAft>
-                <a:spcPts val="0"/>
-              </a:spcAft>
-              <a:buNone/>
             </a:pPr>
-            <a:endParaRPr sz="1800" dirty="0">
+            <a:endParaRPr lang="en" sz="1800" dirty="0">
               <a:latin typeface="Karla" charset="0"/>
               <a:ea typeface="Karla" charset="0"/>
               <a:cs typeface="Karla" charset="0"/>
@@ -35792,43 +35037,12 @@
             </a:endParaRPr>
           </a:p>
           <a:p>
-            <a:pPr marL="0" lvl="0" indent="0" algn="l" rtl="0">
+            <a:pPr lvl="0">
               <a:spcBef>
                 <a:spcPts val="0"/>
               </a:spcBef>
-              <a:spcAft>
-                <a:spcPts val="0"/>
-              </a:spcAft>
-              <a:buNone/>
             </a:pPr>
-            <a:r>
-              <a:rPr lang="en" sz="1800" dirty="0">
-                <a:latin typeface="Karla" charset="0"/>
-                <a:ea typeface="Karla" charset="0"/>
-                <a:cs typeface="Karla" charset="0"/>
-                <a:sym typeface="Roboto"/>
-              </a:rPr>
-              <a:t>An ability to obtain a set of simulations/trajectories with each transition in the episodes of the form (</a:t>
-            </a:r>
-            <a:r>
-              <a:rPr lang="en" sz="1800" dirty="0" err="1">
-                <a:latin typeface="Karla" charset="0"/>
-                <a:ea typeface="Karla" charset="0"/>
-                <a:cs typeface="Karla" charset="0"/>
-                <a:sym typeface="Roboto"/>
-              </a:rPr>
-              <a:t>s,a,r,s</a:t>
-            </a:r>
-            <a:r>
-              <a:rPr lang="en" sz="1800" dirty="0">
-                <a:latin typeface="Karla" charset="0"/>
-                <a:ea typeface="Karla" charset="0"/>
-                <a:cs typeface="Karla" charset="0"/>
-                <a:sym typeface="Roboto"/>
-              </a:rPr>
-              <a:t>’) </a:t>
-            </a:r>
-            <a:endParaRPr sz="1800" dirty="0">
+            <a:endParaRPr lang="en" sz="1800" dirty="0">
               <a:latin typeface="Karla" charset="0"/>
               <a:ea typeface="Karla" charset="0"/>
               <a:cs typeface="Karla" charset="0"/>
@@ -35836,151 +35050,40 @@
             </a:endParaRPr>
           </a:p>
           <a:p>
-            <a:pPr marL="0" lvl="0" indent="0" algn="l" rtl="0">
+            <a:pPr lvl="0">
               <a:spcBef>
                 <a:spcPts val="0"/>
               </a:spcBef>
-              <a:spcAft>
-                <a:spcPts val="0"/>
-              </a:spcAft>
-              <a:buNone/>
             </a:pPr>
-            <a:endParaRPr sz="1800" dirty="0">
-              <a:latin typeface="Karla" charset="0"/>
-              <a:ea typeface="Karla" charset="0"/>
-              <a:cs typeface="Karla" charset="0"/>
-              <a:sym typeface="Roboto"/>
-            </a:endParaRPr>
-          </a:p>
-          <a:p>
-            <a:pPr marL="0" lvl="0" indent="0" algn="l" rtl="0">
-              <a:spcBef>
-                <a:spcPts val="0"/>
-              </a:spcBef>
-              <a:spcAft>
-                <a:spcPts val="0"/>
-              </a:spcAft>
-              <a:buNone/>
-            </a:pPr>
-            <a:r>
-              <a:rPr lang="en" sz="1800" dirty="0">
-                <a:latin typeface="Karla" charset="0"/>
-                <a:ea typeface="Karla" charset="0"/>
-                <a:cs typeface="Karla" charset="0"/>
-                <a:sym typeface="Roboto"/>
-              </a:rPr>
-              <a:t>E.g. Using sensors to understand robot’s new position when it does an action, Recording new patient vitals when given a drug from a state etc.</a:t>
-            </a:r>
-            <a:endParaRPr sz="1800" dirty="0">
-              <a:latin typeface="Karla" charset="0"/>
-              <a:ea typeface="Karla" charset="0"/>
-              <a:cs typeface="Karla" charset="0"/>
-              <a:sym typeface="Roboto"/>
-            </a:endParaRPr>
-          </a:p>
-          <a:p>
-            <a:pPr marL="0" lvl="0" indent="0" algn="l" rtl="0">
-              <a:spcBef>
-                <a:spcPts val="0"/>
-              </a:spcBef>
-              <a:spcAft>
-                <a:spcPts val="0"/>
-              </a:spcAft>
-              <a:buNone/>
-            </a:pPr>
-            <a:endParaRPr sz="1800" dirty="0">
-              <a:latin typeface="Karla" charset="0"/>
-              <a:ea typeface="Karla" charset="0"/>
-              <a:cs typeface="Karla" charset="0"/>
-              <a:sym typeface="Roboto"/>
-            </a:endParaRPr>
-          </a:p>
-          <a:p>
-            <a:pPr marL="0" lvl="0" indent="0" algn="l" rtl="0">
-              <a:spcBef>
-                <a:spcPts val="0"/>
-              </a:spcBef>
-              <a:spcAft>
-                <a:spcPts val="0"/>
-              </a:spcAft>
-              <a:buNone/>
-            </a:pPr>
-            <a:endParaRPr sz="1800" dirty="0">
-              <a:latin typeface="Karla" charset="0"/>
-              <a:ea typeface="Karla" charset="0"/>
-              <a:cs typeface="Karla" charset="0"/>
-              <a:sym typeface="Roboto"/>
-            </a:endParaRPr>
-          </a:p>
-          <a:p>
-            <a:pPr marL="0" lvl="0" indent="0" algn="l" rtl="0">
-              <a:spcBef>
-                <a:spcPts val="0"/>
-              </a:spcBef>
-              <a:spcAft>
-                <a:spcPts val="0"/>
-              </a:spcAft>
-              <a:buNone/>
-            </a:pPr>
-            <a:endParaRPr sz="1800" dirty="0">
-              <a:latin typeface="Karla" charset="0"/>
-              <a:ea typeface="Karla" charset="0"/>
-              <a:cs typeface="Karla" charset="0"/>
-              <a:sym typeface="Roboto"/>
-            </a:endParaRPr>
-          </a:p>
-          <a:p>
-            <a:pPr marL="0" lvl="0" indent="0" algn="l" rtl="0">
-              <a:spcBef>
-                <a:spcPts val="0"/>
-              </a:spcBef>
-              <a:spcAft>
-                <a:spcPts val="0"/>
-              </a:spcAft>
-              <a:buNone/>
-            </a:pPr>
-            <a:endParaRPr sz="1800" dirty="0">
-              <a:latin typeface="Karla" charset="0"/>
-              <a:ea typeface="Karla" charset="0"/>
-              <a:cs typeface="Karla" charset="0"/>
-              <a:sym typeface="Roboto"/>
-            </a:endParaRPr>
-          </a:p>
-          <a:p>
-            <a:pPr marL="0" lvl="0" indent="0" algn="l" rtl="0">
-              <a:spcBef>
-                <a:spcPts val="0"/>
-              </a:spcBef>
-              <a:spcAft>
-                <a:spcPts val="0"/>
-              </a:spcAft>
-              <a:buNone/>
-            </a:pPr>
-            <a:endParaRPr dirty="0">
+            <a:endParaRPr lang="en" dirty="0">
               <a:latin typeface="Karla" charset="0"/>
               <a:ea typeface="Karla" charset="0"/>
               <a:cs typeface="Karla" charset="0"/>
             </a:endParaRPr>
           </a:p>
           <a:p>
-            <a:pPr marL="457200" lvl="0" indent="0" algn="l" rtl="0">
+            <a:pPr marL="457200" lvl="0">
               <a:spcBef>
                 <a:spcPts val="0"/>
               </a:spcBef>
-              <a:spcAft>
-                <a:spcPts val="0"/>
-              </a:spcAft>
-              <a:buNone/>
             </a:pPr>
-            <a:endParaRPr dirty="0">
+            <a:endParaRPr lang="en" dirty="0">
               <a:latin typeface="Karla" charset="0"/>
               <a:ea typeface="Karla" charset="0"/>
               <a:cs typeface="Karla" charset="0"/>
             </a:endParaRPr>
           </a:p>
+          <a:p>
+            <a:endParaRPr lang="en-US" dirty="0"/>
+          </a:p>
         </p:txBody>
       </p:sp>
     </p:spTree>
+    <p:extLst>
+      <p:ext uri="{BB962C8B-B14F-4D97-AF65-F5344CB8AC3E}">
+        <p14:creationId xmlns:p14="http://schemas.microsoft.com/office/powerpoint/2010/main" val="1520929568"/>
+      </p:ext>
+    </p:extLst>
   </p:cSld>
   <p:clrMapOvr>
     <a:masterClrMapping/>
@@ -36000,7 +35103,7 @@
   <p:cSld>
     <p:spTree>
       <p:nvGrpSpPr>
-        <p:cNvPr id="1" name="Shape 202"/>
+        <p:cNvPr id="1" name=""/>
         <p:cNvGrpSpPr/>
         <p:nvPr/>
       </p:nvGrpSpPr>
@@ -36014,78 +35117,46 @@
       </p:grpSpPr>
       <p:sp>
         <p:nvSpPr>
-          <p:cNvPr id="203" name="Google Shape;203;p34"/>
-          <p:cNvSpPr txBox="1">
+          <p:cNvPr id="2" name="Title 1"/>
+          <p:cNvSpPr>
             <a:spLocks noGrp="1"/>
           </p:cNvSpPr>
           <p:nvPr>
             <p:ph type="title"/>
           </p:nvPr>
         </p:nvSpPr>
-        <p:spPr>
-          <a:xfrm>
-            <a:off x="398328" y="213208"/>
-            <a:ext cx="8222100" cy="767700"/>
-          </a:xfrm>
-          <a:prstGeom prst="rect">
-            <a:avLst/>
-          </a:prstGeom>
-        </p:spPr>
+        <p:spPr/>
         <p:txBody>
-          <a:bodyPr spcFirstLastPara="1" wrap="square" lIns="91425" tIns="91425" rIns="91425" bIns="91425" anchor="b" anchorCtr="0">
-            <a:noAutofit/>
-          </a:bodyPr>
+          <a:bodyPr/>
           <a:lstStyle/>
           <a:p>
-            <a:pPr marL="0" lvl="0" indent="0" algn="l" rtl="0">
-              <a:spcBef>
-                <a:spcPts val="0"/>
-              </a:spcBef>
-              <a:spcAft>
-                <a:spcPts val="0"/>
-              </a:spcAft>
-              <a:buNone/>
-            </a:pPr>
-            <a:r>
-              <a:rPr lang="en"/>
+            <a:r>
+              <a:rPr lang="en" dirty="0"/>
               <a:t>On-Policy vs Off-Policy Learning </a:t>
             </a:r>
-            <a:endParaRPr dirty="0"/>
+            <a:endParaRPr lang="en-US" dirty="0"/>
           </a:p>
         </p:txBody>
       </p:sp>
       <p:sp>
         <p:nvSpPr>
-          <p:cNvPr id="204" name="Google Shape;204;p34"/>
-          <p:cNvSpPr txBox="1"/>
-          <p:nvPr/>
+          <p:cNvPr id="3" name="Content Placeholder 2"/>
+          <p:cNvSpPr>
+            <a:spLocks noGrp="1"/>
+          </p:cNvSpPr>
+          <p:nvPr>
+            <p:ph idx="1"/>
+          </p:nvPr>
         </p:nvSpPr>
-        <p:spPr>
-          <a:xfrm>
-            <a:off x="302483" y="1198126"/>
-            <a:ext cx="8729100" cy="3209700"/>
-          </a:xfrm>
-          <a:prstGeom prst="rect">
-            <a:avLst/>
-          </a:prstGeom>
-          <a:noFill/>
-          <a:ln>
-            <a:noFill/>
-          </a:ln>
-        </p:spPr>
+        <p:spPr/>
         <p:txBody>
-          <a:bodyPr spcFirstLastPara="1" wrap="square" lIns="91425" tIns="91425" rIns="91425" bIns="91425" anchor="t" anchorCtr="0">
-            <a:noAutofit/>
-          </a:bodyPr>
+          <a:bodyPr/>
           <a:lstStyle/>
           <a:p>
-            <a:pPr marL="457200" lvl="0" indent="-342900" algn="l" rtl="0">
+            <a:pPr marL="457200" lvl="0" indent="-342900">
               <a:spcBef>
                 <a:spcPts val="0"/>
               </a:spcBef>
-              <a:spcAft>
-                <a:spcPts val="0"/>
-              </a:spcAft>
               <a:buSzPts val="1800"/>
               <a:buFont typeface="Roboto"/>
               <a:buChar char="●"/>
@@ -36099,7 +35170,52 @@
               </a:rPr>
               <a:t>On-Policy Learning </a:t>
             </a:r>
-            <a:endParaRPr sz="1800" dirty="0">
+          </a:p>
+          <a:p>
+            <a:pPr marL="914400" lvl="1" indent="-342900">
+              <a:spcBef>
+                <a:spcPts val="0"/>
+              </a:spcBef>
+              <a:buSzPts val="1800"/>
+              <a:buFont typeface="Roboto"/>
+              <a:buChar char="○"/>
+            </a:pPr>
+            <a:r>
+              <a:rPr lang="en" dirty="0">
+                <a:latin typeface="Karla" charset="0"/>
+                <a:ea typeface="Karla" charset="0"/>
+                <a:cs typeface="Karla" charset="0"/>
+                <a:sym typeface="Roboto"/>
+              </a:rPr>
+              <a:t>Learn on the job. </a:t>
+            </a:r>
+          </a:p>
+          <a:p>
+            <a:pPr marL="914400" lvl="1" indent="-342900">
+              <a:spcBef>
+                <a:spcPts val="0"/>
+              </a:spcBef>
+              <a:buSzPts val="1800"/>
+              <a:buFont typeface="Roboto"/>
+              <a:buChar char="○"/>
+            </a:pPr>
+            <a:r>
+              <a:rPr lang="en" dirty="0">
+                <a:latin typeface="Karla" charset="0"/>
+                <a:ea typeface="Karla" charset="0"/>
+                <a:cs typeface="Karla" charset="0"/>
+                <a:sym typeface="Roboto"/>
+              </a:rPr>
+              <a:t>Evaluate policy 𝛑 when sampling experiences from 𝛑.</a:t>
+            </a:r>
+          </a:p>
+          <a:p>
+            <a:pPr marL="914400" lvl="0">
+              <a:spcBef>
+                <a:spcPts val="0"/>
+              </a:spcBef>
+            </a:pPr>
+            <a:endParaRPr lang="en" sz="1800" dirty="0">
               <a:latin typeface="Karla" charset="0"/>
               <a:ea typeface="Karla" charset="0"/>
               <a:cs typeface="Karla" charset="0"/>
@@ -36107,16 +35223,13 @@
             </a:endParaRPr>
           </a:p>
           <a:p>
-            <a:pPr marL="914400" lvl="1" indent="-342900" algn="l" rtl="0">
+            <a:pPr marL="457200" lvl="0" indent="-342900">
               <a:spcBef>
                 <a:spcPts val="0"/>
               </a:spcBef>
-              <a:spcAft>
-                <a:spcPts val="0"/>
-              </a:spcAft>
               <a:buSzPts val="1800"/>
               <a:buFont typeface="Roboto"/>
-              <a:buChar char="○"/>
+              <a:buChar char="●"/>
             </a:pPr>
             <a:r>
               <a:rPr lang="en" sz="1800" dirty="0">
@@ -36125,9 +35238,81 @@
                 <a:cs typeface="Karla" charset="0"/>
                 <a:sym typeface="Roboto"/>
               </a:rPr>
-              <a:t>Learn on the job. </a:t>
-            </a:r>
-            <a:endParaRPr sz="1800" dirty="0">
+              <a:t>Off-Policy Learning </a:t>
+            </a:r>
+          </a:p>
+          <a:p>
+            <a:pPr marL="914400" lvl="1" indent="-342900">
+              <a:spcBef>
+                <a:spcPts val="0"/>
+              </a:spcBef>
+              <a:buSzPts val="1800"/>
+              <a:buFont typeface="Roboto"/>
+              <a:buChar char="○"/>
+            </a:pPr>
+            <a:r>
+              <a:rPr lang="en" dirty="0">
+                <a:latin typeface="Karla" charset="0"/>
+                <a:ea typeface="Karla" charset="0"/>
+                <a:cs typeface="Karla" charset="0"/>
+                <a:sym typeface="Roboto"/>
+              </a:rPr>
+              <a:t>Look over someone’s shoulder. </a:t>
+            </a:r>
+          </a:p>
+          <a:p>
+            <a:pPr marL="914400" lvl="1" indent="-342900">
+              <a:spcBef>
+                <a:spcPts val="0"/>
+              </a:spcBef>
+              <a:buSzPts val="1800"/>
+              <a:buFont typeface="Roboto"/>
+              <a:buChar char="○"/>
+            </a:pPr>
+            <a:r>
+              <a:rPr lang="en" dirty="0">
+                <a:latin typeface="Karla" charset="0"/>
+                <a:ea typeface="Karla" charset="0"/>
+                <a:cs typeface="Karla" charset="0"/>
+                <a:sym typeface="Roboto"/>
+              </a:rPr>
+              <a:t>Evaluate policy 𝛑 (target policy) while following  a different policy </a:t>
+            </a:r>
+            <a:r>
+              <a:rPr lang="en" b="1" dirty="0" err="1">
+                <a:latin typeface="Karla" charset="0"/>
+                <a:ea typeface="Karla" charset="0"/>
+                <a:cs typeface="Karla" charset="0"/>
+                <a:sym typeface="Roboto"/>
+              </a:rPr>
+              <a:t>Ѱ</a:t>
+            </a:r>
+            <a:r>
+              <a:rPr lang="en" b="1" dirty="0">
+                <a:latin typeface="Karla" charset="0"/>
+                <a:ea typeface="Karla" charset="0"/>
+                <a:cs typeface="Karla" charset="0"/>
+                <a:sym typeface="Roboto"/>
+              </a:rPr>
+              <a:t> </a:t>
+            </a:r>
+            <a:r>
+              <a:rPr lang="en" dirty="0">
+                <a:latin typeface="Karla" charset="0"/>
+                <a:ea typeface="Karla" charset="0"/>
+                <a:cs typeface="Karla" charset="0"/>
+                <a:sym typeface="Roboto"/>
+              </a:rPr>
+              <a:t>(behavior policy) in the environment.</a:t>
+            </a:r>
+          </a:p>
+          <a:p>
+            <a:pPr lvl="0">
+              <a:spcBef>
+                <a:spcPts val="0"/>
+              </a:spcBef>
+            </a:pPr>
+            <a:endParaRPr lang="en" sz="1800" dirty="0">
               <a:latin typeface="Karla" charset="0"/>
               <a:ea typeface="Karla" charset="0"/>
               <a:cs typeface="Karla" charset="0"/>
@@ -36135,16 +35320,10 @@
             </a:endParaRPr>
           </a:p>
           <a:p>
-            <a:pPr marL="914400" lvl="1" indent="-342900" algn="l" rtl="0">
+            <a:pPr lvl="0">
               <a:spcBef>
                 <a:spcPts val="0"/>
               </a:spcBef>
-              <a:spcAft>
-                <a:spcPts val="0"/>
-              </a:spcAft>
-              <a:buSzPts val="1800"/>
-              <a:buFont typeface="Roboto"/>
-              <a:buChar char="○"/>
             </a:pPr>
             <a:r>
               <a:rPr lang="en" sz="1800" dirty="0">
@@ -36153,9 +35332,16 @@
                 <a:cs typeface="Karla" charset="0"/>
                 <a:sym typeface="Roboto"/>
               </a:rPr>
-              <a:t>Evaluate policy 𝛑 when sampling experiences from 𝛑.</a:t>
-            </a:r>
-            <a:endParaRPr sz="1800" dirty="0">
+              <a:t>Some domains prohibit on-policy learning. For instance, treating a patient in ICUs you cannot learn about random actions by testing them out.</a:t>
+            </a:r>
+          </a:p>
+          <a:p>
+            <a:pPr lvl="0">
+              <a:spcBef>
+                <a:spcPts val="0"/>
+              </a:spcBef>
+            </a:pPr>
+            <a:endParaRPr lang="en" sz="1800" dirty="0">
               <a:latin typeface="Karla" charset="0"/>
               <a:ea typeface="Karla" charset="0"/>
               <a:cs typeface="Karla" charset="0"/>
@@ -36163,16 +35349,12 @@
             </a:endParaRPr>
           </a:p>
           <a:p>
-            <a:pPr marL="914400" lvl="0" indent="0" algn="l" rtl="0">
+            <a:pPr lvl="0">
               <a:spcBef>
                 <a:spcPts val="0"/>
               </a:spcBef>
-              <a:spcAft>
-                <a:spcPts val="0"/>
-              </a:spcAft>
-              <a:buNone/>
             </a:pPr>
-            <a:endParaRPr sz="1800" dirty="0">
+            <a:endParaRPr lang="en" sz="1800" dirty="0">
               <a:latin typeface="Karla" charset="0"/>
               <a:ea typeface="Karla" charset="0"/>
               <a:cs typeface="Karla" charset="0"/>
@@ -36180,220 +35362,24 @@
             </a:endParaRPr>
           </a:p>
           <a:p>
-            <a:pPr marL="457200" lvl="0" indent="-342900" algn="l" rtl="0">
+            <a:pPr lvl="0">
               <a:spcBef>
                 <a:spcPts val="0"/>
               </a:spcBef>
-              <a:spcAft>
-                <a:spcPts val="0"/>
-              </a:spcAft>
-              <a:buSzPts val="1800"/>
-              <a:buFont typeface="Roboto"/>
-              <a:buChar char="●"/>
             </a:pPr>
-            <a:r>
-              <a:rPr lang="en" sz="1800" dirty="0">
-                <a:latin typeface="Karla" charset="0"/>
-                <a:ea typeface="Karla" charset="0"/>
-                <a:cs typeface="Karla" charset="0"/>
-                <a:sym typeface="Roboto"/>
-              </a:rPr>
-              <a:t>Off-Policy Learning </a:t>
-            </a:r>
-            <a:endParaRPr sz="1800" dirty="0">
-              <a:latin typeface="Karla" charset="0"/>
-              <a:ea typeface="Karla" charset="0"/>
-              <a:cs typeface="Karla" charset="0"/>
-              <a:sym typeface="Roboto"/>
-            </a:endParaRPr>
-          </a:p>
-          <a:p>
-            <a:pPr marL="914400" lvl="1" indent="-342900" algn="l" rtl="0">
-              <a:spcBef>
-                <a:spcPts val="0"/>
-              </a:spcBef>
-              <a:spcAft>
-                <a:spcPts val="0"/>
-              </a:spcAft>
-              <a:buSzPts val="1800"/>
-              <a:buFont typeface="Roboto"/>
-              <a:buChar char="○"/>
-            </a:pPr>
-            <a:r>
-              <a:rPr lang="en" sz="1800" dirty="0">
-                <a:latin typeface="Karla" charset="0"/>
-                <a:ea typeface="Karla" charset="0"/>
-                <a:cs typeface="Karla" charset="0"/>
-                <a:sym typeface="Roboto"/>
-              </a:rPr>
-              <a:t>Look over someone’s shoulder. </a:t>
-            </a:r>
-            <a:endParaRPr sz="1800" dirty="0">
-              <a:latin typeface="Karla" charset="0"/>
-              <a:ea typeface="Karla" charset="0"/>
-              <a:cs typeface="Karla" charset="0"/>
-              <a:sym typeface="Roboto"/>
-            </a:endParaRPr>
-          </a:p>
-          <a:p>
-            <a:pPr marL="914400" lvl="1" indent="-342900" algn="l" rtl="0">
-              <a:spcBef>
-                <a:spcPts val="0"/>
-              </a:spcBef>
-              <a:spcAft>
-                <a:spcPts val="0"/>
-              </a:spcAft>
-              <a:buSzPts val="1800"/>
-              <a:buFont typeface="Roboto"/>
-              <a:buChar char="○"/>
-            </a:pPr>
-            <a:r>
-              <a:rPr lang="en" sz="1800" dirty="0">
-                <a:latin typeface="Karla" charset="0"/>
-                <a:ea typeface="Karla" charset="0"/>
-                <a:cs typeface="Karla" charset="0"/>
-                <a:sym typeface="Roboto"/>
-              </a:rPr>
-              <a:t>Evaluate policy 𝛑 (target policy) while following  a different policy </a:t>
-            </a:r>
-            <a:r>
-              <a:rPr lang="en" sz="1800" b="1" dirty="0" err="1">
-                <a:latin typeface="Karla" charset="0"/>
-                <a:ea typeface="Karla" charset="0"/>
-                <a:cs typeface="Karla" charset="0"/>
-                <a:sym typeface="Roboto"/>
-              </a:rPr>
-              <a:t>Ѱ</a:t>
-            </a:r>
-            <a:r>
-              <a:rPr lang="en" sz="1800" b="1" dirty="0">
-                <a:latin typeface="Karla" charset="0"/>
-                <a:ea typeface="Karla" charset="0"/>
-                <a:cs typeface="Karla" charset="0"/>
-                <a:sym typeface="Roboto"/>
-              </a:rPr>
-              <a:t> </a:t>
-            </a:r>
-            <a:r>
-              <a:rPr lang="en" sz="1800" dirty="0">
-                <a:latin typeface="Karla" charset="0"/>
-                <a:ea typeface="Karla" charset="0"/>
-                <a:cs typeface="Karla" charset="0"/>
-                <a:sym typeface="Roboto"/>
-              </a:rPr>
-              <a:t>(behavior policy) in the environment.</a:t>
-            </a:r>
-            <a:endParaRPr sz="1800" dirty="0">
-              <a:latin typeface="Karla" charset="0"/>
-              <a:ea typeface="Karla" charset="0"/>
-              <a:cs typeface="Karla" charset="0"/>
-              <a:sym typeface="Roboto"/>
-            </a:endParaRPr>
-          </a:p>
-          <a:p>
-            <a:pPr marL="0" lvl="0" indent="0" algn="l" rtl="0">
-              <a:spcBef>
-                <a:spcPts val="0"/>
-              </a:spcBef>
-              <a:spcAft>
-                <a:spcPts val="0"/>
-              </a:spcAft>
-              <a:buNone/>
-            </a:pPr>
-            <a:endParaRPr sz="1800" dirty="0">
-              <a:latin typeface="Karla" charset="0"/>
-              <a:ea typeface="Karla" charset="0"/>
-              <a:cs typeface="Karla" charset="0"/>
-              <a:sym typeface="Roboto"/>
-            </a:endParaRPr>
-          </a:p>
-          <a:p>
-            <a:pPr marL="0" lvl="0" indent="0" algn="l" rtl="0">
-              <a:spcBef>
-                <a:spcPts val="0"/>
-              </a:spcBef>
-              <a:spcAft>
-                <a:spcPts val="0"/>
-              </a:spcAft>
-              <a:buNone/>
-            </a:pPr>
-            <a:r>
-              <a:rPr lang="en" sz="1800" dirty="0">
-                <a:latin typeface="Karla" charset="0"/>
-                <a:ea typeface="Karla" charset="0"/>
-                <a:cs typeface="Karla" charset="0"/>
-                <a:sym typeface="Roboto"/>
-              </a:rPr>
-              <a:t>Some domains prohibit on-policy learning. For instance, treating a patient in ICUs you cannot learn about random actions by testing them out.</a:t>
-            </a:r>
-            <a:endParaRPr sz="1800" dirty="0">
-              <a:latin typeface="Karla" charset="0"/>
-              <a:ea typeface="Karla" charset="0"/>
-              <a:cs typeface="Karla" charset="0"/>
-              <a:sym typeface="Roboto"/>
-            </a:endParaRPr>
-          </a:p>
-          <a:p>
-            <a:pPr marL="0" lvl="0" indent="0" algn="l" rtl="0">
-              <a:spcBef>
-                <a:spcPts val="0"/>
-              </a:spcBef>
-              <a:spcAft>
-                <a:spcPts val="0"/>
-              </a:spcAft>
-              <a:buNone/>
-            </a:pPr>
-            <a:endParaRPr sz="1800" dirty="0">
-              <a:latin typeface="Karla" charset="0"/>
-              <a:ea typeface="Karla" charset="0"/>
-              <a:cs typeface="Karla" charset="0"/>
-              <a:sym typeface="Roboto"/>
-            </a:endParaRPr>
-          </a:p>
-          <a:p>
-            <a:pPr marL="0" lvl="0" indent="0" algn="l" rtl="0">
-              <a:spcBef>
-                <a:spcPts val="0"/>
-              </a:spcBef>
-              <a:spcAft>
-                <a:spcPts val="0"/>
-              </a:spcAft>
-              <a:buNone/>
-            </a:pPr>
-            <a:endParaRPr sz="1800" dirty="0">
-              <a:latin typeface="Karla" charset="0"/>
-              <a:ea typeface="Karla" charset="0"/>
-              <a:cs typeface="Karla" charset="0"/>
-              <a:sym typeface="Roboto"/>
-            </a:endParaRPr>
-          </a:p>
-          <a:p>
-            <a:pPr marL="0" lvl="0" indent="0" algn="l" rtl="0">
-              <a:spcBef>
-                <a:spcPts val="0"/>
-              </a:spcBef>
-              <a:spcAft>
-                <a:spcPts val="0"/>
-              </a:spcAft>
-              <a:buNone/>
-            </a:pPr>
-            <a:endParaRPr dirty="0">
+            <a:endParaRPr lang="en" dirty="0">
               <a:latin typeface="Karla" charset="0"/>
               <a:ea typeface="Karla" charset="0"/>
               <a:cs typeface="Karla" charset="0"/>
             </a:endParaRPr>
           </a:p>
           <a:p>
-            <a:pPr marL="457200" lvl="0" indent="0" algn="l" rtl="0">
+            <a:pPr marL="457200" lvl="0">
               <a:spcBef>
                 <a:spcPts val="0"/>
               </a:spcBef>
-              <a:spcAft>
-                <a:spcPts val="0"/>
-              </a:spcAft>
-              <a:buNone/>
             </a:pPr>
-            <a:endParaRPr dirty="0">
+            <a:endParaRPr lang="en" dirty="0">
               <a:latin typeface="Karla" charset="0"/>
               <a:ea typeface="Karla" charset="0"/>
               <a:cs typeface="Karla" charset="0"/>
@@ -36402,6 +35388,11 @@
         </p:txBody>
       </p:sp>
     </p:spTree>
+    <p:extLst>
+      <p:ext uri="{BB962C8B-B14F-4D97-AF65-F5344CB8AC3E}">
+        <p14:creationId xmlns:p14="http://schemas.microsoft.com/office/powerpoint/2010/main" val="936199598"/>
+      </p:ext>
+    </p:extLst>
   </p:cSld>
   <p:clrMapOvr>
     <a:masterClrMapping/>
@@ -37821,7 +36812,7 @@
   <p:cSld>
     <p:spTree>
       <p:nvGrpSpPr>
-        <p:cNvPr id="1" name="Shape 214"/>
+        <p:cNvPr id="1" name=""/>
         <p:cNvGrpSpPr/>
         <p:nvPr/>
       </p:nvGrpSpPr>
@@ -37835,368 +36826,644 @@
       </p:grpSpPr>
       <p:sp>
         <p:nvSpPr>
-          <p:cNvPr id="215" name="Google Shape;215;p36"/>
-          <p:cNvSpPr txBox="1">
+          <p:cNvPr id="2" name="Title 1"/>
+          <p:cNvSpPr>
             <a:spLocks noGrp="1"/>
           </p:cNvSpPr>
           <p:nvPr>
             <p:ph type="title"/>
           </p:nvPr>
         </p:nvSpPr>
-        <p:spPr>
-          <a:xfrm>
-            <a:off x="481800" y="202697"/>
-            <a:ext cx="8222100" cy="767700"/>
-          </a:xfrm>
-          <a:prstGeom prst="rect">
-            <a:avLst/>
-          </a:prstGeom>
-        </p:spPr>
+        <p:spPr/>
         <p:txBody>
-          <a:bodyPr spcFirstLastPara="1" wrap="square" lIns="91425" tIns="91425" rIns="91425" bIns="91425" anchor="b" anchorCtr="0">
-            <a:noAutofit/>
-          </a:bodyPr>
+          <a:bodyPr/>
           <a:lstStyle/>
           <a:p>
-            <a:pPr marL="0" lvl="0" indent="0" algn="l" rtl="0">
-              <a:spcBef>
-                <a:spcPts val="0"/>
-              </a:spcBef>
-              <a:spcAft>
-                <a:spcPts val="0"/>
-              </a:spcAft>
-              <a:buNone/>
-            </a:pPr>
             <a:r>
               <a:rPr lang="en" dirty="0"/>
               <a:t>Q-Learning</a:t>
             </a:r>
-            <a:endParaRPr dirty="0"/>
+            <a:endParaRPr lang="en-US" dirty="0"/>
           </a:p>
         </p:txBody>
       </p:sp>
-      <p:sp>
-        <p:nvSpPr>
-          <p:cNvPr id="216" name="Google Shape;216;p36"/>
-          <p:cNvSpPr txBox="1"/>
-          <p:nvPr/>
-        </p:nvSpPr>
-        <p:spPr>
-          <a:xfrm>
-            <a:off x="228300" y="1296176"/>
-            <a:ext cx="8729100" cy="3209700"/>
-          </a:xfrm>
-          <a:prstGeom prst="rect">
-            <a:avLst/>
-          </a:prstGeom>
-          <a:noFill/>
-          <a:ln>
-            <a:noFill/>
-          </a:ln>
-        </p:spPr>
-        <p:txBody>
-          <a:bodyPr spcFirstLastPara="1" wrap="square" lIns="91425" tIns="91425" rIns="91425" bIns="91425" anchor="t" anchorCtr="0">
-            <a:noAutofit/>
-          </a:bodyPr>
-          <a:lstStyle/>
-          <a:p>
-            <a:pPr marL="457200" lvl="0" indent="-342900" algn="l" rtl="0">
-              <a:lnSpc>
-                <a:spcPct val="150000"/>
-              </a:lnSpc>
-              <a:spcBef>
-                <a:spcPts val="0"/>
-              </a:spcBef>
-              <a:spcAft>
-                <a:spcPts val="0"/>
-              </a:spcAft>
-              <a:buSzPts val="1800"/>
-              <a:buFont typeface="Roboto"/>
-              <a:buChar char="●"/>
-            </a:pPr>
-            <a:r>
-              <a:rPr lang="en" sz="1800" dirty="0">
-                <a:latin typeface="Roboto"/>
-                <a:ea typeface="Roboto"/>
-                <a:cs typeface="Roboto"/>
-                <a:sym typeface="Roboto"/>
-              </a:rPr>
-              <a:t>Start with a random Q-table (S </a:t>
-            </a:r>
-            <a:r>
-              <a:rPr lang="en-US" sz="1800" dirty="0" smtClean="0">
-                <a:latin typeface="Roboto"/>
-                <a:ea typeface="Roboto"/>
-                <a:cs typeface="Roboto"/>
-                <a:sym typeface="Roboto"/>
-              </a:rPr>
-              <a:t>x</a:t>
-            </a:r>
-            <a:r>
-              <a:rPr lang="en" sz="1800" dirty="0" smtClean="0">
-                <a:latin typeface="Roboto"/>
-                <a:ea typeface="Roboto"/>
-                <a:cs typeface="Roboto"/>
-                <a:sym typeface="Roboto"/>
-              </a:rPr>
-              <a:t> </a:t>
-            </a:r>
-            <a:r>
-              <a:rPr lang="en" sz="1800" dirty="0">
-                <a:latin typeface="Roboto"/>
-                <a:ea typeface="Roboto"/>
-                <a:cs typeface="Roboto"/>
-                <a:sym typeface="Roboto"/>
-              </a:rPr>
-              <a:t>A). For all transitions collected according to any behavior policy, perform this TD Update</a:t>
-            </a:r>
-            <a:endParaRPr sz="1800" b="1" dirty="0">
-              <a:latin typeface="Roboto"/>
-              <a:ea typeface="Roboto"/>
-              <a:cs typeface="Roboto"/>
-              <a:sym typeface="Roboto"/>
-            </a:endParaRPr>
-          </a:p>
-          <a:p>
-            <a:pPr marL="457200" lvl="0" indent="0" algn="ctr" rtl="0">
-              <a:lnSpc>
-                <a:spcPct val="150000"/>
-              </a:lnSpc>
-              <a:spcBef>
-                <a:spcPts val="0"/>
-              </a:spcBef>
-              <a:spcAft>
-                <a:spcPts val="0"/>
-              </a:spcAft>
-              <a:buNone/>
-            </a:pPr>
-            <a:r>
-              <a:rPr lang="en" sz="1800" b="1" dirty="0">
-                <a:latin typeface="Roboto"/>
-                <a:ea typeface="Roboto"/>
-                <a:cs typeface="Roboto"/>
-                <a:sym typeface="Roboto"/>
-              </a:rPr>
-              <a:t>Q(</a:t>
-            </a:r>
-            <a:r>
-              <a:rPr lang="en" sz="1800" b="1" dirty="0" err="1">
-                <a:latin typeface="Roboto"/>
-                <a:ea typeface="Roboto"/>
-                <a:cs typeface="Roboto"/>
-                <a:sym typeface="Roboto"/>
-              </a:rPr>
-              <a:t>s,a</a:t>
-            </a:r>
-            <a:r>
-              <a:rPr lang="en" sz="1800" b="1" dirty="0">
-                <a:latin typeface="Roboto"/>
-                <a:ea typeface="Roboto"/>
-                <a:cs typeface="Roboto"/>
-                <a:sym typeface="Roboto"/>
-              </a:rPr>
-              <a:t>) ← Q(</a:t>
-            </a:r>
-            <a:r>
-              <a:rPr lang="en" sz="1800" b="1" dirty="0" err="1">
-                <a:latin typeface="Roboto"/>
-                <a:ea typeface="Roboto"/>
-                <a:cs typeface="Roboto"/>
-                <a:sym typeface="Roboto"/>
-              </a:rPr>
-              <a:t>s,a</a:t>
-            </a:r>
-            <a:r>
-              <a:rPr lang="en" sz="1800" b="1" dirty="0">
-                <a:latin typeface="Roboto"/>
-                <a:ea typeface="Roboto"/>
-                <a:cs typeface="Roboto"/>
-                <a:sym typeface="Roboto"/>
-              </a:rPr>
-              <a:t>) + ⍺ [ R(</a:t>
-            </a:r>
-            <a:r>
-              <a:rPr lang="en" sz="1800" b="1" dirty="0" err="1">
-                <a:latin typeface="Roboto"/>
-                <a:ea typeface="Roboto"/>
-                <a:cs typeface="Roboto"/>
-                <a:sym typeface="Roboto"/>
-              </a:rPr>
-              <a:t>s,a</a:t>
-            </a:r>
-            <a:r>
-              <a:rPr lang="en" sz="1800" b="1" dirty="0">
-                <a:latin typeface="Roboto"/>
-                <a:ea typeface="Roboto"/>
-                <a:cs typeface="Roboto"/>
-                <a:sym typeface="Roboto"/>
-              </a:rPr>
-              <a:t>) + 𝜸</a:t>
-            </a:r>
-            <a:r>
-              <a:rPr lang="en" sz="1800" b="1" dirty="0" err="1">
-                <a:latin typeface="Roboto"/>
-                <a:ea typeface="Roboto"/>
-                <a:cs typeface="Roboto"/>
-                <a:sym typeface="Roboto"/>
-              </a:rPr>
-              <a:t>max</a:t>
-            </a:r>
-            <a:r>
-              <a:rPr lang="en" sz="1800" b="1" baseline="-25000" dirty="0" err="1">
-                <a:latin typeface="Roboto"/>
-                <a:ea typeface="Roboto"/>
-                <a:cs typeface="Roboto"/>
-                <a:sym typeface="Roboto"/>
-              </a:rPr>
-              <a:t>a’</a:t>
-            </a:r>
-            <a:r>
-              <a:rPr lang="en" sz="1800" b="1" dirty="0" err="1">
-                <a:latin typeface="Roboto"/>
-                <a:ea typeface="Roboto"/>
-                <a:cs typeface="Roboto"/>
-                <a:sym typeface="Roboto"/>
-              </a:rPr>
-              <a:t>Q</a:t>
-            </a:r>
-            <a:r>
-              <a:rPr lang="en" sz="1800" b="1" dirty="0">
-                <a:latin typeface="Roboto"/>
-                <a:ea typeface="Roboto"/>
-                <a:cs typeface="Roboto"/>
-                <a:sym typeface="Roboto"/>
-              </a:rPr>
-              <a:t>(</a:t>
-            </a:r>
-            <a:r>
-              <a:rPr lang="en" sz="1800" b="1" dirty="0" err="1">
-                <a:latin typeface="Roboto"/>
-                <a:ea typeface="Roboto"/>
-                <a:cs typeface="Roboto"/>
-                <a:sym typeface="Roboto"/>
-              </a:rPr>
-              <a:t>s’,a</a:t>
-            </a:r>
-            <a:r>
-              <a:rPr lang="en" sz="1800" b="1" dirty="0">
-                <a:latin typeface="Roboto"/>
-                <a:ea typeface="Roboto"/>
-                <a:cs typeface="Roboto"/>
-                <a:sym typeface="Roboto"/>
-              </a:rPr>
-              <a:t>’) - Q(</a:t>
-            </a:r>
-            <a:r>
-              <a:rPr lang="en" sz="1800" b="1" dirty="0" err="1">
-                <a:latin typeface="Roboto"/>
-                <a:ea typeface="Roboto"/>
-                <a:cs typeface="Roboto"/>
-                <a:sym typeface="Roboto"/>
-              </a:rPr>
-              <a:t>s,a</a:t>
-            </a:r>
-            <a:r>
-              <a:rPr lang="en" sz="1800" b="1" dirty="0">
-                <a:latin typeface="Roboto"/>
-                <a:ea typeface="Roboto"/>
-                <a:cs typeface="Roboto"/>
-                <a:sym typeface="Roboto"/>
-              </a:rPr>
-              <a:t>) ]</a:t>
-            </a:r>
-            <a:endParaRPr sz="1800" b="1" dirty="0">
-              <a:latin typeface="Roboto"/>
-              <a:ea typeface="Roboto"/>
-              <a:cs typeface="Roboto"/>
-              <a:sym typeface="Roboto"/>
-            </a:endParaRPr>
-          </a:p>
-          <a:p>
-            <a:pPr marL="457200" lvl="0" indent="-342900" algn="l" rtl="0">
-              <a:lnSpc>
-                <a:spcPct val="150000"/>
-              </a:lnSpc>
-              <a:spcBef>
-                <a:spcPts val="0"/>
-              </a:spcBef>
-              <a:spcAft>
-                <a:spcPts val="0"/>
-              </a:spcAft>
-              <a:buSzPts val="1800"/>
-              <a:buFont typeface="Roboto"/>
-              <a:buChar char="●"/>
-            </a:pPr>
-            <a:r>
-              <a:rPr lang="en" sz="1800" dirty="0">
-                <a:latin typeface="Roboto"/>
-                <a:ea typeface="Roboto"/>
-                <a:cs typeface="Roboto"/>
-                <a:sym typeface="Roboto"/>
-              </a:rPr>
-              <a:t>OVER-OPTIMISTIC : Assumes the best things would happen from the next state onwards - Greedy (Hence the max operation over future Q-values)</a:t>
-            </a:r>
-            <a:endParaRPr sz="1800" dirty="0">
-              <a:latin typeface="Roboto"/>
-              <a:ea typeface="Roboto"/>
-              <a:cs typeface="Roboto"/>
-              <a:sym typeface="Roboto"/>
-            </a:endParaRPr>
-          </a:p>
-          <a:p>
-            <a:pPr marL="457200" lvl="0" indent="-342900" algn="l" rtl="0">
-              <a:lnSpc>
-                <a:spcPct val="150000"/>
-              </a:lnSpc>
-              <a:spcBef>
-                <a:spcPts val="0"/>
-              </a:spcBef>
-              <a:spcAft>
-                <a:spcPts val="0"/>
-              </a:spcAft>
-              <a:buSzPts val="1800"/>
-              <a:buFont typeface="Roboto"/>
-              <a:buChar char="●"/>
-            </a:pPr>
-            <a:r>
-              <a:rPr lang="en" sz="1800" dirty="0">
-                <a:latin typeface="Roboto"/>
-                <a:ea typeface="Roboto"/>
-                <a:cs typeface="Roboto"/>
-                <a:sym typeface="Roboto"/>
-              </a:rPr>
-              <a:t>OFF-POLICY : Q directly approximates the optimal action value function independently of the policy being followed (max over all actions)</a:t>
-            </a:r>
-            <a:endParaRPr sz="1800" dirty="0">
-              <a:latin typeface="Roboto"/>
-              <a:ea typeface="Roboto"/>
-              <a:cs typeface="Roboto"/>
-              <a:sym typeface="Roboto"/>
-            </a:endParaRPr>
-          </a:p>
-          <a:p>
-            <a:pPr marL="914400" lvl="0" indent="0" algn="l" rtl="0">
-              <a:lnSpc>
-                <a:spcPct val="150000"/>
-              </a:lnSpc>
-              <a:spcBef>
-                <a:spcPts val="0"/>
-              </a:spcBef>
-              <a:spcAft>
-                <a:spcPts val="0"/>
-              </a:spcAft>
-              <a:buNone/>
-            </a:pPr>
-            <a:endParaRPr sz="1600" dirty="0">
-              <a:latin typeface="Roboto"/>
-              <a:ea typeface="Roboto"/>
-              <a:cs typeface="Roboto"/>
-              <a:sym typeface="Roboto"/>
-            </a:endParaRPr>
-          </a:p>
-        </p:txBody>
-      </p:sp>
+      <mc:AlternateContent xmlns:mc="http://schemas.openxmlformats.org/markup-compatibility/2006">
+        <mc:Choice xmlns:a14="http://schemas.microsoft.com/office/drawing/2010/main" Requires="a14">
+          <p:sp>
+            <p:nvSpPr>
+              <p:cNvPr id="3" name="Content Placeholder 2"/>
+              <p:cNvSpPr>
+                <a:spLocks noGrp="1"/>
+              </p:cNvSpPr>
+              <p:nvPr>
+                <p:ph idx="1"/>
+              </p:nvPr>
+            </p:nvSpPr>
+            <p:spPr>
+              <a:xfrm>
+                <a:off x="625061" y="883319"/>
+                <a:ext cx="8422686" cy="2641934"/>
+              </a:xfrm>
+            </p:spPr>
+            <p:txBody>
+              <a:bodyPr/>
+              <a:lstStyle/>
+              <a:p>
+                <a:pPr marL="457200" lvl="0" indent="-342900">
+                  <a:lnSpc>
+                    <a:spcPct val="150000"/>
+                  </a:lnSpc>
+                  <a:spcBef>
+                    <a:spcPts val="0"/>
+                  </a:spcBef>
+                  <a:buSzPts val="1800"/>
+                  <a:buFont typeface="Roboto"/>
+                  <a:buChar char="●"/>
+                </a:pPr>
+                <a:r>
+                  <a:rPr lang="en" sz="1900" dirty="0" smtClean="0">
+                    <a:latin typeface="Roboto"/>
+                    <a:ea typeface="Roboto"/>
+                    <a:cs typeface="Roboto"/>
+                    <a:sym typeface="Roboto"/>
+                  </a:rPr>
+                  <a:t>Start with a random Q-table (S x A). For all transitions collected according to any behavior policy, perform this TD Update</a:t>
+                </a:r>
+                <a:endParaRPr lang="en-US" sz="1900" dirty="0" smtClean="0">
+                  <a:latin typeface="Roboto"/>
+                  <a:ea typeface="Roboto"/>
+                  <a:cs typeface="Roboto"/>
+                  <a:sym typeface="Roboto"/>
+                </a:endParaRPr>
+              </a:p>
+              <a:p>
+                <a:pPr marL="114300" lvl="0">
+                  <a:lnSpc>
+                    <a:spcPct val="150000"/>
+                  </a:lnSpc>
+                  <a:spcBef>
+                    <a:spcPts val="0"/>
+                  </a:spcBef>
+                  <a:buSzPts val="1800"/>
+                </a:pPr>
+                <a14:m>
+                  <m:oMathPara xmlns:m="http://schemas.openxmlformats.org/officeDocument/2006/math">
+                    <m:oMathParaPr>
+                      <m:jc m:val="centerGroup"/>
+                    </m:oMathParaPr>
+                    <m:oMath xmlns:m="http://schemas.openxmlformats.org/officeDocument/2006/math">
+                      <m:r>
+                        <a:rPr lang="en-US" sz="1900" b="1" i="1" smtClean="0">
+                          <a:latin typeface="Cambria Math" charset="0"/>
+                          <a:ea typeface="Roboto"/>
+                          <a:cs typeface="Roboto"/>
+                          <a:sym typeface="Roboto"/>
+                        </a:rPr>
+                        <m:t>𝑸</m:t>
+                      </m:r>
+                      <m:d>
+                        <m:dPr>
+                          <m:ctrlPr>
+                            <a:rPr lang="en-US" sz="1900" b="1" i="1" smtClean="0">
+                              <a:latin typeface="Cambria Math" charset="0"/>
+                              <a:ea typeface="Roboto"/>
+                              <a:cs typeface="Roboto"/>
+                              <a:sym typeface="Roboto"/>
+                            </a:rPr>
+                          </m:ctrlPr>
+                        </m:dPr>
+                        <m:e>
+                          <m:r>
+                            <a:rPr lang="en-US" sz="1900" b="1" i="1" smtClean="0">
+                              <a:latin typeface="Cambria Math" charset="0"/>
+                              <a:ea typeface="Roboto"/>
+                              <a:cs typeface="Roboto"/>
+                              <a:sym typeface="Roboto"/>
+                            </a:rPr>
+                            <m:t>𝒔</m:t>
+                          </m:r>
+                          <m:r>
+                            <a:rPr lang="en-US" sz="1900" b="1" i="1" smtClean="0">
+                              <a:latin typeface="Cambria Math" charset="0"/>
+                              <a:ea typeface="Roboto"/>
+                              <a:cs typeface="Roboto"/>
+                              <a:sym typeface="Roboto"/>
+                            </a:rPr>
+                            <m:t>,</m:t>
+                          </m:r>
+                          <m:r>
+                            <a:rPr lang="en-US" sz="1900" b="1" i="1" smtClean="0">
+                              <a:latin typeface="Cambria Math" charset="0"/>
+                              <a:ea typeface="Roboto"/>
+                              <a:cs typeface="Roboto"/>
+                              <a:sym typeface="Roboto"/>
+                            </a:rPr>
+                            <m:t>𝒂</m:t>
+                          </m:r>
+                        </m:e>
+                      </m:d>
+                      <m:r>
+                        <a:rPr lang="en-US" sz="1900" b="1" i="1" smtClean="0">
+                          <a:latin typeface="Cambria Math" charset="0"/>
+                          <a:ea typeface="Roboto"/>
+                          <a:cs typeface="Roboto"/>
+                          <a:sym typeface="Roboto"/>
+                        </a:rPr>
+                        <m:t>←</m:t>
+                      </m:r>
+                      <m:r>
+                        <a:rPr lang="en-US" sz="1900" b="1" i="1" smtClean="0">
+                          <a:latin typeface="Cambria Math" charset="0"/>
+                          <a:ea typeface="Roboto"/>
+                          <a:cs typeface="Roboto"/>
+                          <a:sym typeface="Roboto"/>
+                        </a:rPr>
+                        <m:t>𝑸</m:t>
+                      </m:r>
+                      <m:d>
+                        <m:dPr>
+                          <m:ctrlPr>
+                            <a:rPr lang="en-US" sz="1900" b="1" i="1" smtClean="0">
+                              <a:latin typeface="Cambria Math" charset="0"/>
+                              <a:ea typeface="Roboto"/>
+                              <a:cs typeface="Roboto"/>
+                              <a:sym typeface="Roboto"/>
+                            </a:rPr>
+                          </m:ctrlPr>
+                        </m:dPr>
+                        <m:e>
+                          <m:r>
+                            <a:rPr lang="en-US" sz="1900" b="1" i="1" smtClean="0">
+                              <a:latin typeface="Cambria Math" charset="0"/>
+                              <a:ea typeface="Roboto"/>
+                              <a:cs typeface="Roboto"/>
+                              <a:sym typeface="Roboto"/>
+                            </a:rPr>
+                            <m:t>𝒔</m:t>
+                          </m:r>
+                          <m:r>
+                            <a:rPr lang="en-US" sz="1900" b="1" i="1" smtClean="0">
+                              <a:latin typeface="Cambria Math" charset="0"/>
+                              <a:ea typeface="Roboto"/>
+                              <a:cs typeface="Roboto"/>
+                              <a:sym typeface="Roboto"/>
+                            </a:rPr>
+                            <m:t>,</m:t>
+                          </m:r>
+                          <m:r>
+                            <a:rPr lang="en-US" sz="1900" b="1" i="1" smtClean="0">
+                              <a:latin typeface="Cambria Math" charset="0"/>
+                              <a:ea typeface="Roboto"/>
+                              <a:cs typeface="Roboto"/>
+                              <a:sym typeface="Roboto"/>
+                            </a:rPr>
+                            <m:t>𝒂</m:t>
+                          </m:r>
+                        </m:e>
+                      </m:d>
+                      <m:r>
+                        <a:rPr lang="en-US" sz="1900" b="1" i="1" smtClean="0">
+                          <a:latin typeface="Cambria Math" charset="0"/>
+                          <a:ea typeface="Roboto"/>
+                          <a:cs typeface="Roboto"/>
+                          <a:sym typeface="Roboto"/>
+                        </a:rPr>
+                        <m:t>+</m:t>
+                      </m:r>
+                      <m:r>
+                        <a:rPr lang="en-US" sz="1900" b="1" i="1" smtClean="0">
+                          <a:latin typeface="Cambria Math" charset="0"/>
+                          <a:ea typeface="Roboto"/>
+                          <a:cs typeface="Roboto"/>
+                          <a:sym typeface="Roboto"/>
+                        </a:rPr>
+                        <m:t>𝜶</m:t>
+                      </m:r>
+                      <m:d>
+                        <m:dPr>
+                          <m:begChr m:val="["/>
+                          <m:endChr m:val="]"/>
+                          <m:ctrlPr>
+                            <a:rPr lang="en-US" sz="1900" b="1" i="1" smtClean="0">
+                              <a:latin typeface="Cambria Math" charset="0"/>
+                              <a:ea typeface="Roboto"/>
+                              <a:cs typeface="Roboto"/>
+                              <a:sym typeface="Roboto"/>
+                            </a:rPr>
+                          </m:ctrlPr>
+                        </m:dPr>
+                        <m:e>
+                          <m:r>
+                            <a:rPr lang="en-US" sz="1900" b="1" i="1" smtClean="0">
+                              <a:latin typeface="Cambria Math" charset="0"/>
+                              <a:ea typeface="Roboto"/>
+                              <a:cs typeface="Roboto"/>
+                              <a:sym typeface="Roboto"/>
+                            </a:rPr>
+                            <m:t>𝑹</m:t>
+                          </m:r>
+                          <m:d>
+                            <m:dPr>
+                              <m:ctrlPr>
+                                <a:rPr lang="en-US" sz="1900" b="1" i="1" smtClean="0">
+                                  <a:latin typeface="Cambria Math" charset="0"/>
+                                  <a:ea typeface="Roboto"/>
+                                  <a:cs typeface="Roboto"/>
+                                  <a:sym typeface="Roboto"/>
+                                </a:rPr>
+                              </m:ctrlPr>
+                            </m:dPr>
+                            <m:e>
+                              <m:r>
+                                <a:rPr lang="en-US" sz="1900" b="1" i="1" smtClean="0">
+                                  <a:latin typeface="Cambria Math" charset="0"/>
+                                  <a:ea typeface="Roboto"/>
+                                  <a:cs typeface="Roboto"/>
+                                  <a:sym typeface="Roboto"/>
+                                </a:rPr>
+                                <m:t>𝒔</m:t>
+                              </m:r>
+                              <m:r>
+                                <a:rPr lang="en-US" sz="1900" b="1" i="1" smtClean="0">
+                                  <a:latin typeface="Cambria Math" charset="0"/>
+                                  <a:ea typeface="Roboto"/>
+                                  <a:cs typeface="Roboto"/>
+                                  <a:sym typeface="Roboto"/>
+                                </a:rPr>
+                                <m:t>,</m:t>
+                              </m:r>
+                              <m:r>
+                                <a:rPr lang="en-US" sz="1900" b="1" i="1" smtClean="0">
+                                  <a:latin typeface="Cambria Math" charset="0"/>
+                                  <a:ea typeface="Roboto"/>
+                                  <a:cs typeface="Roboto"/>
+                                  <a:sym typeface="Roboto"/>
+                                </a:rPr>
+                                <m:t>𝒂</m:t>
+                              </m:r>
+                            </m:e>
+                          </m:d>
+                          <m:r>
+                            <a:rPr lang="en-US" sz="1900" b="1" i="1" smtClean="0">
+                              <a:latin typeface="Cambria Math" charset="0"/>
+                              <a:ea typeface="Roboto"/>
+                              <a:cs typeface="Roboto"/>
+                              <a:sym typeface="Roboto"/>
+                            </a:rPr>
+                            <m:t>+</m:t>
+                          </m:r>
+                          <m:r>
+                            <a:rPr lang="en-US" sz="1900" b="1" i="1" smtClean="0">
+                              <a:latin typeface="Cambria Math" charset="0"/>
+                              <a:ea typeface="Roboto"/>
+                              <a:cs typeface="Roboto"/>
+                              <a:sym typeface="Roboto"/>
+                            </a:rPr>
+                            <m:t>𝜸</m:t>
+                          </m:r>
+                          <m:r>
+                            <a:rPr lang="en-US" sz="1900" b="1" i="1" smtClean="0">
+                              <a:latin typeface="Cambria Math" charset="0"/>
+                              <a:ea typeface="Roboto"/>
+                              <a:cs typeface="Roboto"/>
+                              <a:sym typeface="Roboto"/>
+                            </a:rPr>
+                            <m:t> </m:t>
+                          </m:r>
+                          <m:limLow>
+                            <m:limLowPr>
+                              <m:ctrlPr>
+                                <a:rPr lang="en-US" sz="1900" b="1" i="1" smtClean="0">
+                                  <a:latin typeface="Cambria Math" charset="0"/>
+                                  <a:ea typeface="Roboto"/>
+                                  <a:cs typeface="Roboto"/>
+                                  <a:sym typeface="Roboto"/>
+                                </a:rPr>
+                              </m:ctrlPr>
+                            </m:limLowPr>
+                            <m:e>
+                              <m:r>
+                                <m:rPr>
+                                  <m:sty m:val="p"/>
+                                </m:rPr>
+                                <a:rPr lang="en-US" sz="1900" b="0" i="0" smtClean="0">
+                                  <a:latin typeface="Cambria Math" charset="0"/>
+                                  <a:ea typeface="Roboto"/>
+                                  <a:cs typeface="Roboto"/>
+                                  <a:sym typeface="Roboto"/>
+                                </a:rPr>
+                                <m:t>max</m:t>
+                              </m:r>
+                            </m:e>
+                            <m:lim>
+                              <m:r>
+                                <a:rPr lang="en-US" sz="1900" b="1" i="1" smtClean="0">
+                                  <a:latin typeface="Cambria Math" charset="0"/>
+                                  <a:ea typeface="Roboto"/>
+                                  <a:cs typeface="Roboto"/>
+                                  <a:sym typeface="Roboto"/>
+                                </a:rPr>
+                                <m:t>𝒂</m:t>
+                              </m:r>
+                            </m:lim>
+                          </m:limLow>
+                          <m:r>
+                            <a:rPr lang="en-US" sz="1900" b="1" i="1" smtClean="0">
+                              <a:latin typeface="Cambria Math" charset="0"/>
+                              <a:ea typeface="Roboto"/>
+                              <a:cs typeface="Roboto"/>
+                              <a:sym typeface="Roboto"/>
+                            </a:rPr>
+                            <m:t> </m:t>
+                          </m:r>
+                          <m:r>
+                            <a:rPr lang="en-US" sz="1900" b="1" i="1" smtClean="0">
+                              <a:latin typeface="Cambria Math" charset="0"/>
+                              <a:ea typeface="Roboto"/>
+                              <a:cs typeface="Roboto"/>
+                              <a:sym typeface="Roboto"/>
+                            </a:rPr>
+                            <m:t>𝑸</m:t>
+                          </m:r>
+                          <m:d>
+                            <m:dPr>
+                              <m:ctrlPr>
+                                <a:rPr lang="en-US" sz="1900" b="1" i="1" smtClean="0">
+                                  <a:latin typeface="Cambria Math" charset="0"/>
+                                  <a:ea typeface="Roboto"/>
+                                  <a:cs typeface="Roboto"/>
+                                  <a:sym typeface="Roboto"/>
+                                </a:rPr>
+                              </m:ctrlPr>
+                            </m:dPr>
+                            <m:e>
+                              <m:sSup>
+                                <m:sSupPr>
+                                  <m:ctrlPr>
+                                    <a:rPr lang="en-US" sz="1900" b="1" i="1" smtClean="0">
+                                      <a:latin typeface="Cambria Math" charset="0"/>
+                                      <a:ea typeface="Roboto"/>
+                                      <a:cs typeface="Roboto"/>
+                                      <a:sym typeface="Roboto"/>
+                                    </a:rPr>
+                                  </m:ctrlPr>
+                                </m:sSupPr>
+                                <m:e>
+                                  <m:r>
+                                    <a:rPr lang="en-US" sz="1900" b="1" i="1" smtClean="0">
+                                      <a:latin typeface="Cambria Math" charset="0"/>
+                                      <a:ea typeface="Roboto"/>
+                                      <a:cs typeface="Roboto"/>
+                                      <a:sym typeface="Roboto"/>
+                                    </a:rPr>
+                                    <m:t>𝒔</m:t>
+                                  </m:r>
+                                </m:e>
+                                <m:sup>
+                                  <m:r>
+                                    <a:rPr lang="en-US" sz="1900" b="1" i="1" smtClean="0">
+                                      <a:latin typeface="Cambria Math" charset="0"/>
+                                      <a:ea typeface="Roboto"/>
+                                      <a:cs typeface="Roboto"/>
+                                      <a:sym typeface="Roboto"/>
+                                    </a:rPr>
+                                    <m:t>′</m:t>
+                                  </m:r>
+                                </m:sup>
+                              </m:sSup>
+                              <m:r>
+                                <a:rPr lang="en-US" sz="1900" b="1" i="1" smtClean="0">
+                                  <a:latin typeface="Cambria Math" charset="0"/>
+                                  <a:ea typeface="Roboto"/>
+                                  <a:cs typeface="Roboto"/>
+                                  <a:sym typeface="Roboto"/>
+                                </a:rPr>
+                                <m:t>,</m:t>
+                              </m:r>
+                              <m:sSup>
+                                <m:sSupPr>
+                                  <m:ctrlPr>
+                                    <a:rPr lang="en-US" sz="1900" b="1" i="1" smtClean="0">
+                                      <a:latin typeface="Cambria Math" charset="0"/>
+                                      <a:ea typeface="Roboto"/>
+                                      <a:cs typeface="Roboto"/>
+                                      <a:sym typeface="Roboto"/>
+                                    </a:rPr>
+                                  </m:ctrlPr>
+                                </m:sSupPr>
+                                <m:e>
+                                  <m:r>
+                                    <a:rPr lang="en-US" sz="1900" b="1" i="1" smtClean="0">
+                                      <a:latin typeface="Cambria Math" charset="0"/>
+                                      <a:ea typeface="Roboto"/>
+                                      <a:cs typeface="Roboto"/>
+                                      <a:sym typeface="Roboto"/>
+                                    </a:rPr>
+                                    <m:t>𝒂</m:t>
+                                  </m:r>
+                                </m:e>
+                                <m:sup>
+                                  <m:r>
+                                    <a:rPr lang="en-US" sz="1900" b="1" i="1" smtClean="0">
+                                      <a:latin typeface="Cambria Math" charset="0"/>
+                                      <a:ea typeface="Roboto"/>
+                                      <a:cs typeface="Roboto"/>
+                                      <a:sym typeface="Roboto"/>
+                                    </a:rPr>
+                                    <m:t>′</m:t>
+                                  </m:r>
+                                </m:sup>
+                              </m:sSup>
+                            </m:e>
+                          </m:d>
+                          <m:r>
+                            <a:rPr lang="en-US" sz="1900" b="1" i="1" smtClean="0">
+                              <a:latin typeface="Cambria Math" charset="0"/>
+                              <a:ea typeface="Roboto"/>
+                              <a:cs typeface="Roboto"/>
+                              <a:sym typeface="Roboto"/>
+                            </a:rPr>
+                            <m:t>−</m:t>
+                          </m:r>
+                          <m:r>
+                            <a:rPr lang="en-US" sz="1900" b="1" i="1" smtClean="0">
+                              <a:latin typeface="Cambria Math" charset="0"/>
+                              <a:ea typeface="Roboto"/>
+                              <a:cs typeface="Roboto"/>
+                              <a:sym typeface="Roboto"/>
+                            </a:rPr>
+                            <m:t>𝑸</m:t>
+                          </m:r>
+                          <m:d>
+                            <m:dPr>
+                              <m:ctrlPr>
+                                <a:rPr lang="en-US" sz="1900" b="1" i="1" smtClean="0">
+                                  <a:latin typeface="Cambria Math" charset="0"/>
+                                  <a:ea typeface="Roboto"/>
+                                  <a:cs typeface="Roboto"/>
+                                  <a:sym typeface="Roboto"/>
+                                </a:rPr>
+                              </m:ctrlPr>
+                            </m:dPr>
+                            <m:e>
+                              <m:r>
+                                <a:rPr lang="en-US" sz="1900" b="1" i="1" smtClean="0">
+                                  <a:latin typeface="Cambria Math" charset="0"/>
+                                  <a:ea typeface="Roboto"/>
+                                  <a:cs typeface="Roboto"/>
+                                  <a:sym typeface="Roboto"/>
+                                </a:rPr>
+                                <m:t>𝒔</m:t>
+                              </m:r>
+                              <m:r>
+                                <a:rPr lang="en-US" sz="1900" b="1" i="1" smtClean="0">
+                                  <a:latin typeface="Cambria Math" charset="0"/>
+                                  <a:ea typeface="Roboto"/>
+                                  <a:cs typeface="Roboto"/>
+                                  <a:sym typeface="Roboto"/>
+                                </a:rPr>
+                                <m:t>,</m:t>
+                              </m:r>
+                              <m:r>
+                                <a:rPr lang="en-US" sz="1900" b="1" i="1" smtClean="0">
+                                  <a:latin typeface="Cambria Math" charset="0"/>
+                                  <a:ea typeface="Roboto"/>
+                                  <a:cs typeface="Roboto"/>
+                                  <a:sym typeface="Roboto"/>
+                                </a:rPr>
+                                <m:t>𝒂</m:t>
+                              </m:r>
+                            </m:e>
+                          </m:d>
+                        </m:e>
+                      </m:d>
+                    </m:oMath>
+                  </m:oMathPara>
+                </a14:m>
+                <a:endParaRPr lang="en-US" sz="1900" b="1" dirty="0" smtClean="0">
+                  <a:latin typeface="Roboto"/>
+                  <a:ea typeface="Roboto"/>
+                  <a:cs typeface="Roboto"/>
+                  <a:sym typeface="Roboto"/>
+                </a:endParaRPr>
+              </a:p>
+              <a:p>
+                <a:pPr marL="114300" lvl="0">
+                  <a:lnSpc>
+                    <a:spcPct val="150000"/>
+                  </a:lnSpc>
+                  <a:spcBef>
+                    <a:spcPts val="0"/>
+                  </a:spcBef>
+                  <a:buSzPts val="1800"/>
+                </a:pPr>
+                <a:r>
+                  <a:rPr lang="en" sz="1900" dirty="0" smtClean="0">
+                    <a:latin typeface="Roboto"/>
+                    <a:ea typeface="Roboto"/>
+                    <a:cs typeface="Roboto"/>
+                    <a:sym typeface="Roboto"/>
+                  </a:rPr>
+                  <a:t>OVER-OPTIMISTIC </a:t>
+                </a:r>
+                <a:r>
+                  <a:rPr lang="en" sz="1900" dirty="0">
+                    <a:latin typeface="Roboto"/>
+                    <a:ea typeface="Roboto"/>
+                    <a:cs typeface="Roboto"/>
+                    <a:sym typeface="Roboto"/>
+                  </a:rPr>
+                  <a:t>: Assumes the best things would happen from the next state onwards - Greedy (Hence the max operation over future Q-values)</a:t>
+                </a:r>
+              </a:p>
+              <a:p>
+                <a:pPr marL="457200" lvl="0" indent="-342900">
+                  <a:lnSpc>
+                    <a:spcPct val="150000"/>
+                  </a:lnSpc>
+                  <a:spcBef>
+                    <a:spcPts val="0"/>
+                  </a:spcBef>
+                  <a:buSzPts val="1800"/>
+                  <a:buFont typeface="Roboto"/>
+                  <a:buChar char="●"/>
+                </a:pPr>
+                <a:r>
+                  <a:rPr lang="en" sz="1900" dirty="0">
+                    <a:latin typeface="Roboto"/>
+                    <a:ea typeface="Roboto"/>
+                    <a:cs typeface="Roboto"/>
+                    <a:sym typeface="Roboto"/>
+                  </a:rPr>
+                  <a:t>OFF-POLICY : Q directly approximates the optimal action value function independently of the policy being followed (max over all actions)</a:t>
+                </a:r>
+              </a:p>
+              <a:p>
+                <a:pPr marL="914400" lvl="0">
+                  <a:lnSpc>
+                    <a:spcPct val="150000"/>
+                  </a:lnSpc>
+                  <a:spcBef>
+                    <a:spcPts val="0"/>
+                  </a:spcBef>
+                </a:pPr>
+                <a:endParaRPr lang="en" sz="1900" dirty="0">
+                  <a:latin typeface="Roboto"/>
+                  <a:ea typeface="Roboto"/>
+                  <a:cs typeface="Roboto"/>
+                  <a:sym typeface="Roboto"/>
+                </a:endParaRPr>
+              </a:p>
+              <a:p>
+                <a:endParaRPr lang="en-US" sz="1900" dirty="0"/>
+              </a:p>
+            </p:txBody>
+          </p:sp>
+        </mc:Choice>
+        <mc:Fallback>
+          <p:sp>
+            <p:nvSpPr>
+              <p:cNvPr id="3" name="Content Placeholder 2"/>
+              <p:cNvSpPr>
+                <a:spLocks noGrp="1" noRot="1" noChangeAspect="1" noMove="1" noResize="1" noEditPoints="1" noAdjustHandles="1" noChangeArrowheads="1" noChangeShapeType="1" noTextEdit="1"/>
+              </p:cNvSpPr>
+              <p:nvPr>
+                <p:ph idx="1"/>
+              </p:nvPr>
+            </p:nvSpPr>
+            <p:spPr>
+              <a:xfrm>
+                <a:off x="625061" y="883319"/>
+                <a:ext cx="8422686" cy="2641934"/>
+              </a:xfrm>
+              <a:blipFill rotWithShape="0">
+                <a:blip r:embed="rId2"/>
+                <a:stretch>
+                  <a:fillRect b="-30023"/>
+                </a:stretch>
+              </a:blipFill>
+            </p:spPr>
+            <p:txBody>
+              <a:bodyPr/>
+              <a:lstStyle/>
+              <a:p>
+                <a:r>
+                  <a:rPr lang="en-US">
+                    <a:noFill/>
+                  </a:rPr>
+                  <a:t> </a:t>
+                </a:r>
+              </a:p>
+            </p:txBody>
+          </p:sp>
+        </mc:Fallback>
+      </mc:AlternateContent>
     </p:spTree>
+    <p:extLst>
+      <p:ext uri="{BB962C8B-B14F-4D97-AF65-F5344CB8AC3E}">
+        <p14:creationId xmlns:p14="http://schemas.microsoft.com/office/powerpoint/2010/main" val="492345023"/>
+      </p:ext>
+    </p:extLst>
   </p:cSld>
   <p:clrMapOvr>
     <a:masterClrMapping/>
@@ -38216,7 +37483,7 @@
   <p:cSld>
     <p:spTree>
       <p:nvGrpSpPr>
-        <p:cNvPr id="1" name="Shape 220"/>
+        <p:cNvPr id="1" name=""/>
         <p:cNvGrpSpPr/>
         <p:nvPr/>
       </p:nvGrpSpPr>
@@ -38230,339 +37497,644 @@
       </p:grpSpPr>
       <p:sp>
         <p:nvSpPr>
-          <p:cNvPr id="221" name="Google Shape;221;p37"/>
-          <p:cNvSpPr txBox="1">
+          <p:cNvPr id="2" name="Title 1"/>
+          <p:cNvSpPr>
             <a:spLocks noGrp="1"/>
           </p:cNvSpPr>
           <p:nvPr>
             <p:ph type="title"/>
           </p:nvPr>
         </p:nvSpPr>
-        <p:spPr>
-          <a:xfrm>
-            <a:off x="387817" y="150146"/>
-            <a:ext cx="8222100" cy="767700"/>
-          </a:xfrm>
-          <a:prstGeom prst="rect">
-            <a:avLst/>
-          </a:prstGeom>
-        </p:spPr>
+        <p:spPr/>
         <p:txBody>
-          <a:bodyPr spcFirstLastPara="1" wrap="square" lIns="91425" tIns="91425" rIns="91425" bIns="91425" anchor="b" anchorCtr="0">
-            <a:noAutofit/>
-          </a:bodyPr>
+          <a:bodyPr/>
           <a:lstStyle/>
           <a:p>
-            <a:pPr marL="0" lvl="0" indent="0" algn="l" rtl="0">
-              <a:spcBef>
-                <a:spcPts val="0"/>
-              </a:spcBef>
-              <a:spcAft>
-                <a:spcPts val="0"/>
-              </a:spcAft>
-              <a:buNone/>
-            </a:pPr>
-            <a:r>
-              <a:rPr lang="en"/>
+            <a:r>
+              <a:rPr lang="en" dirty="0"/>
               <a:t>SARSA</a:t>
             </a:r>
-            <a:endParaRPr dirty="0"/>
+            <a:endParaRPr lang="en-US" dirty="0"/>
           </a:p>
         </p:txBody>
       </p:sp>
-      <p:sp>
-        <p:nvSpPr>
-          <p:cNvPr id="222" name="Google Shape;222;p37"/>
-          <p:cNvSpPr txBox="1"/>
-          <p:nvPr/>
-        </p:nvSpPr>
-        <p:spPr>
-          <a:xfrm>
-            <a:off x="134317" y="1156084"/>
-            <a:ext cx="8729100" cy="3209700"/>
-          </a:xfrm>
-          <a:prstGeom prst="rect">
-            <a:avLst/>
-          </a:prstGeom>
-          <a:noFill/>
-          <a:ln>
-            <a:noFill/>
-          </a:ln>
-        </p:spPr>
-        <p:txBody>
-          <a:bodyPr spcFirstLastPara="1" wrap="square" lIns="91425" tIns="91425" rIns="91425" bIns="91425" anchor="t" anchorCtr="0">
-            <a:noAutofit/>
-          </a:bodyPr>
-          <a:lstStyle/>
-          <a:p>
-            <a:pPr marL="457200" lvl="0" indent="-342900" algn="l" rtl="0">
-              <a:lnSpc>
-                <a:spcPct val="150000"/>
-              </a:lnSpc>
-              <a:spcBef>
-                <a:spcPts val="0"/>
-              </a:spcBef>
-              <a:spcAft>
-                <a:spcPts val="0"/>
-              </a:spcAft>
-              <a:buSzPts val="1800"/>
-              <a:buFont typeface="Roboto"/>
-              <a:buChar char="●"/>
-            </a:pPr>
-            <a:r>
-              <a:rPr lang="en" sz="2000" dirty="0">
-                <a:latin typeface="Karla" charset="0"/>
-                <a:ea typeface="Karla" charset="0"/>
-                <a:cs typeface="Karla" charset="0"/>
-                <a:sym typeface="Roboto"/>
-              </a:rPr>
-              <a:t>Start with a random Q-table (S X A). For all transitions (collected by acting according to </a:t>
-            </a:r>
-            <a:r>
-              <a:rPr lang="en" sz="2000" b="1" dirty="0">
-                <a:latin typeface="Karla" charset="0"/>
-                <a:ea typeface="Karla" charset="0"/>
-                <a:cs typeface="Karla" charset="0"/>
-                <a:sym typeface="Roboto"/>
-              </a:rPr>
-              <a:t>𝛑 </a:t>
-            </a:r>
-            <a:r>
-              <a:rPr lang="en" sz="2000" dirty="0">
-                <a:latin typeface="Karla" charset="0"/>
-                <a:ea typeface="Karla" charset="0"/>
-                <a:cs typeface="Karla" charset="0"/>
-                <a:sym typeface="Roboto"/>
-              </a:rPr>
-              <a:t>that maximizes Q)  perform this TD Update</a:t>
-            </a:r>
-            <a:endParaRPr sz="2000" b="1" dirty="0">
-              <a:latin typeface="Karla" charset="0"/>
-              <a:ea typeface="Karla" charset="0"/>
-              <a:cs typeface="Karla" charset="0"/>
-              <a:sym typeface="Roboto"/>
-            </a:endParaRPr>
-          </a:p>
-          <a:p>
-            <a:pPr marL="457200" lvl="0" indent="0" algn="ctr" rtl="0">
-              <a:lnSpc>
-                <a:spcPct val="150000"/>
-              </a:lnSpc>
-              <a:spcBef>
-                <a:spcPts val="0"/>
-              </a:spcBef>
-              <a:spcAft>
-                <a:spcPts val="0"/>
-              </a:spcAft>
-              <a:buNone/>
-            </a:pPr>
-            <a:r>
-              <a:rPr lang="en" sz="2000" b="1" dirty="0">
-                <a:latin typeface="Karla" charset="0"/>
-                <a:ea typeface="Karla" charset="0"/>
-                <a:cs typeface="Karla" charset="0"/>
-                <a:sym typeface="Roboto"/>
-              </a:rPr>
-              <a:t>Q(</a:t>
-            </a:r>
-            <a:r>
-              <a:rPr lang="en" sz="2000" b="1" dirty="0" err="1">
-                <a:latin typeface="Karla" charset="0"/>
-                <a:ea typeface="Karla" charset="0"/>
-                <a:cs typeface="Karla" charset="0"/>
-                <a:sym typeface="Roboto"/>
-              </a:rPr>
-              <a:t>s,a</a:t>
-            </a:r>
-            <a:r>
-              <a:rPr lang="en" sz="2000" b="1" dirty="0">
-                <a:latin typeface="Karla" charset="0"/>
-                <a:ea typeface="Karla" charset="0"/>
-                <a:cs typeface="Karla" charset="0"/>
-                <a:sym typeface="Roboto"/>
-              </a:rPr>
-              <a:t>) ← Q(</a:t>
-            </a:r>
-            <a:r>
-              <a:rPr lang="en" sz="2000" b="1" dirty="0" err="1">
-                <a:latin typeface="Karla" charset="0"/>
-                <a:ea typeface="Karla" charset="0"/>
-                <a:cs typeface="Karla" charset="0"/>
-                <a:sym typeface="Roboto"/>
-              </a:rPr>
-              <a:t>s,a</a:t>
-            </a:r>
-            <a:r>
-              <a:rPr lang="en" sz="2000" b="1" dirty="0">
-                <a:latin typeface="Karla" charset="0"/>
-                <a:ea typeface="Karla" charset="0"/>
-                <a:cs typeface="Karla" charset="0"/>
-                <a:sym typeface="Roboto"/>
-              </a:rPr>
-              <a:t>) + ⍺ [ R(</a:t>
-            </a:r>
-            <a:r>
-              <a:rPr lang="en" sz="2000" b="1" dirty="0" err="1">
-                <a:latin typeface="Karla" charset="0"/>
-                <a:ea typeface="Karla" charset="0"/>
-                <a:cs typeface="Karla" charset="0"/>
-                <a:sym typeface="Roboto"/>
-              </a:rPr>
-              <a:t>s,a</a:t>
-            </a:r>
-            <a:r>
-              <a:rPr lang="en" sz="2000" b="1" dirty="0">
-                <a:latin typeface="Karla" charset="0"/>
-                <a:ea typeface="Karla" charset="0"/>
-                <a:cs typeface="Karla" charset="0"/>
-                <a:sym typeface="Roboto"/>
-              </a:rPr>
-              <a:t>) + 𝜸 Q(</a:t>
-            </a:r>
-            <a:r>
-              <a:rPr lang="en" sz="2000" b="1" dirty="0" err="1">
-                <a:latin typeface="Karla" charset="0"/>
-                <a:ea typeface="Karla" charset="0"/>
-                <a:cs typeface="Karla" charset="0"/>
-                <a:sym typeface="Roboto"/>
-              </a:rPr>
-              <a:t>s’,a</a:t>
-            </a:r>
-            <a:r>
-              <a:rPr lang="en" sz="2000" b="1" dirty="0">
-                <a:latin typeface="Karla" charset="0"/>
-                <a:ea typeface="Karla" charset="0"/>
-                <a:cs typeface="Karla" charset="0"/>
-                <a:sym typeface="Roboto"/>
-              </a:rPr>
-              <a:t>’ ~ 𝛑) - Q(</a:t>
-            </a:r>
-            <a:r>
-              <a:rPr lang="en" sz="2000" b="1" dirty="0" err="1">
-                <a:latin typeface="Karla" charset="0"/>
-                <a:ea typeface="Karla" charset="0"/>
-                <a:cs typeface="Karla" charset="0"/>
-                <a:sym typeface="Roboto"/>
-              </a:rPr>
-              <a:t>s,a</a:t>
-            </a:r>
-            <a:r>
-              <a:rPr lang="en" sz="2000" b="1" dirty="0">
-                <a:latin typeface="Karla" charset="0"/>
-                <a:ea typeface="Karla" charset="0"/>
-                <a:cs typeface="Karla" charset="0"/>
-                <a:sym typeface="Roboto"/>
-              </a:rPr>
-              <a:t>) ]</a:t>
-            </a:r>
-            <a:endParaRPr sz="2000" b="1" dirty="0">
-              <a:latin typeface="Karla" charset="0"/>
-              <a:ea typeface="Karla" charset="0"/>
-              <a:cs typeface="Karla" charset="0"/>
-              <a:sym typeface="Roboto"/>
-            </a:endParaRPr>
-          </a:p>
-          <a:p>
-            <a:pPr marL="457200" lvl="0" indent="0" algn="ctr" rtl="0">
-              <a:lnSpc>
-                <a:spcPct val="150000"/>
-              </a:lnSpc>
-              <a:spcBef>
-                <a:spcPts val="0"/>
-              </a:spcBef>
-              <a:spcAft>
-                <a:spcPts val="0"/>
-              </a:spcAft>
-              <a:buNone/>
-            </a:pPr>
-            <a:r>
-              <a:rPr lang="en" sz="2000" b="1" dirty="0">
-                <a:latin typeface="Karla" charset="0"/>
-                <a:ea typeface="Karla" charset="0"/>
-                <a:cs typeface="Karla" charset="0"/>
-                <a:sym typeface="Roboto"/>
-              </a:rPr>
-              <a:t>𝛑 </a:t>
-            </a:r>
-            <a:r>
-              <a:rPr lang="en" sz="2000" dirty="0">
-                <a:latin typeface="Karla" charset="0"/>
-                <a:ea typeface="Karla" charset="0"/>
-                <a:cs typeface="Karla" charset="0"/>
-                <a:sym typeface="Roboto"/>
-              </a:rPr>
-              <a:t>- Data collection policy</a:t>
-            </a:r>
-            <a:endParaRPr sz="2000" dirty="0">
-              <a:latin typeface="Karla" charset="0"/>
-              <a:ea typeface="Karla" charset="0"/>
-              <a:cs typeface="Karla" charset="0"/>
-              <a:sym typeface="Roboto"/>
-            </a:endParaRPr>
-          </a:p>
-          <a:p>
-            <a:pPr marL="914400" lvl="0" indent="0" algn="l" rtl="0">
-              <a:lnSpc>
-                <a:spcPct val="150000"/>
-              </a:lnSpc>
-              <a:spcBef>
-                <a:spcPts val="0"/>
-              </a:spcBef>
-              <a:spcAft>
-                <a:spcPts val="0"/>
-              </a:spcAft>
-              <a:buNone/>
-            </a:pPr>
-            <a:endParaRPr sz="2000" dirty="0">
-              <a:latin typeface="Karla" charset="0"/>
-              <a:ea typeface="Karla" charset="0"/>
-              <a:cs typeface="Karla" charset="0"/>
-              <a:sym typeface="Roboto"/>
-            </a:endParaRPr>
-          </a:p>
-          <a:p>
-            <a:pPr marL="457200" lvl="0" indent="-342900" algn="l" rtl="0">
-              <a:lnSpc>
-                <a:spcPct val="150000"/>
-              </a:lnSpc>
-              <a:spcBef>
-                <a:spcPts val="0"/>
-              </a:spcBef>
-              <a:spcAft>
-                <a:spcPts val="0"/>
-              </a:spcAft>
-              <a:buSzPts val="1800"/>
-              <a:buFont typeface="Roboto"/>
-              <a:buChar char="●"/>
-            </a:pPr>
-            <a:r>
-              <a:rPr lang="en" sz="2000" dirty="0">
-                <a:latin typeface="Karla" charset="0"/>
-                <a:ea typeface="Karla" charset="0"/>
-                <a:cs typeface="Karla" charset="0"/>
-                <a:sym typeface="Roboto"/>
-              </a:rPr>
-              <a:t>ON-Policy Learning : While learning the optimal policy it uses the current estimate of the optimal policy to generate the </a:t>
-            </a:r>
-            <a:r>
-              <a:rPr lang="en" sz="2000" dirty="0" err="1">
-                <a:latin typeface="Karla" charset="0"/>
-                <a:ea typeface="Karla" charset="0"/>
-                <a:cs typeface="Karla" charset="0"/>
-                <a:sym typeface="Roboto"/>
-              </a:rPr>
-              <a:t>behaviour</a:t>
-            </a:r>
-            <a:endParaRPr sz="2000" dirty="0">
-              <a:latin typeface="Karla" charset="0"/>
-              <a:ea typeface="Karla" charset="0"/>
-              <a:cs typeface="Karla" charset="0"/>
-              <a:sym typeface="Roboto"/>
-            </a:endParaRPr>
-          </a:p>
-        </p:txBody>
-      </p:sp>
+      <mc:AlternateContent xmlns:mc="http://schemas.openxmlformats.org/markup-compatibility/2006">
+        <mc:Choice xmlns:a14="http://schemas.microsoft.com/office/drawing/2010/main" Requires="a14">
+          <p:sp>
+            <p:nvSpPr>
+              <p:cNvPr id="3" name="Content Placeholder 2"/>
+              <p:cNvSpPr>
+                <a:spLocks noGrp="1"/>
+              </p:cNvSpPr>
+              <p:nvPr>
+                <p:ph idx="1"/>
+              </p:nvPr>
+            </p:nvSpPr>
+            <p:spPr>
+              <a:xfrm>
+                <a:off x="625061" y="883319"/>
+                <a:ext cx="8422686" cy="2641934"/>
+              </a:xfrm>
+            </p:spPr>
+            <p:txBody>
+              <a:bodyPr/>
+              <a:lstStyle/>
+              <a:p>
+                <a:pPr marL="457200" lvl="0" indent="-342900">
+                  <a:lnSpc>
+                    <a:spcPct val="150000"/>
+                  </a:lnSpc>
+                  <a:spcBef>
+                    <a:spcPts val="0"/>
+                  </a:spcBef>
+                  <a:buSzPts val="1800"/>
+                  <a:buFont typeface="Roboto"/>
+                  <a:buChar char="●"/>
+                </a:pPr>
+                <a:r>
+                  <a:rPr lang="en" sz="1800" dirty="0" smtClean="0">
+                    <a:latin typeface="Karla" charset="0"/>
+                    <a:ea typeface="Karla" charset="0"/>
+                    <a:cs typeface="Karla" charset="0"/>
+                    <a:sym typeface="Roboto"/>
+                  </a:rPr>
+                  <a:t>Start with a random Q-table (S X A). For all transitions (collected by acting according to </a:t>
+                </a:r>
+                <a:r>
+                  <a:rPr lang="en" sz="1800" b="1" dirty="0">
+                    <a:latin typeface="Karla" charset="0"/>
+                    <a:ea typeface="Karla" charset="0"/>
+                    <a:cs typeface="Karla" charset="0"/>
+                    <a:sym typeface="Roboto"/>
+                  </a:rPr>
+                  <a:t>𝛑 </a:t>
+                </a:r>
+                <a:r>
+                  <a:rPr lang="en" sz="1800" dirty="0">
+                    <a:latin typeface="Karla" charset="0"/>
+                    <a:ea typeface="Karla" charset="0"/>
+                    <a:cs typeface="Karla" charset="0"/>
+                    <a:sym typeface="Roboto"/>
+                  </a:rPr>
+                  <a:t>that maximizes Q)  perform this TD Update</a:t>
+                </a:r>
+                <a:endParaRPr lang="en" sz="1800" b="1" dirty="0">
+                  <a:latin typeface="Karla" charset="0"/>
+                  <a:ea typeface="Karla" charset="0"/>
+                  <a:cs typeface="Karla" charset="0"/>
+                  <a:sym typeface="Roboto"/>
+                </a:endParaRPr>
+              </a:p>
+              <a:p>
+                <a:pPr marL="457200" lvl="0" algn="ctr">
+                  <a:lnSpc>
+                    <a:spcPct val="150000"/>
+                  </a:lnSpc>
+                  <a:spcBef>
+                    <a:spcPts val="0"/>
+                  </a:spcBef>
+                </a:pPr>
+                <a14:m>
+                  <m:oMathPara xmlns:m="http://schemas.openxmlformats.org/officeDocument/2006/math">
+                    <m:oMathParaPr>
+                      <m:jc m:val="centerGroup"/>
+                    </m:oMathParaPr>
+                    <m:oMath xmlns:m="http://schemas.openxmlformats.org/officeDocument/2006/math">
+                      <m:r>
+                        <a:rPr lang="en-US" sz="1800" b="1" i="1">
+                          <a:latin typeface="Cambria Math" charset="0"/>
+                          <a:ea typeface="Roboto"/>
+                          <a:cs typeface="Roboto"/>
+                          <a:sym typeface="Roboto"/>
+                        </a:rPr>
+                        <m:t>𝑸</m:t>
+                      </m:r>
+                      <m:d>
+                        <m:dPr>
+                          <m:ctrlPr>
+                            <a:rPr lang="en-US" sz="1800" b="1" i="1">
+                              <a:latin typeface="Cambria Math" charset="0"/>
+                              <a:ea typeface="Roboto"/>
+                              <a:cs typeface="Roboto"/>
+                              <a:sym typeface="Roboto"/>
+                            </a:rPr>
+                          </m:ctrlPr>
+                        </m:dPr>
+                        <m:e>
+                          <m:r>
+                            <a:rPr lang="en-US" sz="1800" b="1" i="1">
+                              <a:latin typeface="Cambria Math" charset="0"/>
+                              <a:ea typeface="Roboto"/>
+                              <a:cs typeface="Roboto"/>
+                              <a:sym typeface="Roboto"/>
+                            </a:rPr>
+                            <m:t>𝒔</m:t>
+                          </m:r>
+                          <m:r>
+                            <a:rPr lang="en-US" sz="1800" b="1" i="1">
+                              <a:latin typeface="Cambria Math" charset="0"/>
+                              <a:ea typeface="Roboto"/>
+                              <a:cs typeface="Roboto"/>
+                              <a:sym typeface="Roboto"/>
+                            </a:rPr>
+                            <m:t>,</m:t>
+                          </m:r>
+                          <m:r>
+                            <a:rPr lang="en-US" sz="1800" b="1" i="1">
+                              <a:latin typeface="Cambria Math" charset="0"/>
+                              <a:ea typeface="Roboto"/>
+                              <a:cs typeface="Roboto"/>
+                              <a:sym typeface="Roboto"/>
+                            </a:rPr>
+                            <m:t>𝒂</m:t>
+                          </m:r>
+                        </m:e>
+                      </m:d>
+                      <m:r>
+                        <a:rPr lang="en-US" sz="1800" b="1" i="1">
+                          <a:latin typeface="Cambria Math" charset="0"/>
+                          <a:ea typeface="Roboto"/>
+                          <a:cs typeface="Roboto"/>
+                          <a:sym typeface="Roboto"/>
+                        </a:rPr>
+                        <m:t>←</m:t>
+                      </m:r>
+                      <m:r>
+                        <a:rPr lang="en-US" sz="1800" b="1" i="1">
+                          <a:latin typeface="Cambria Math" charset="0"/>
+                          <a:ea typeface="Roboto"/>
+                          <a:cs typeface="Roboto"/>
+                          <a:sym typeface="Roboto"/>
+                        </a:rPr>
+                        <m:t>𝑸</m:t>
+                      </m:r>
+                      <m:d>
+                        <m:dPr>
+                          <m:ctrlPr>
+                            <a:rPr lang="en-US" sz="1800" b="1" i="1">
+                              <a:latin typeface="Cambria Math" charset="0"/>
+                              <a:ea typeface="Roboto"/>
+                              <a:cs typeface="Roboto"/>
+                              <a:sym typeface="Roboto"/>
+                            </a:rPr>
+                          </m:ctrlPr>
+                        </m:dPr>
+                        <m:e>
+                          <m:r>
+                            <a:rPr lang="en-US" sz="1800" b="1" i="1">
+                              <a:latin typeface="Cambria Math" charset="0"/>
+                              <a:ea typeface="Roboto"/>
+                              <a:cs typeface="Roboto"/>
+                              <a:sym typeface="Roboto"/>
+                            </a:rPr>
+                            <m:t>𝒔</m:t>
+                          </m:r>
+                          <m:r>
+                            <a:rPr lang="en-US" sz="1800" b="1" i="1">
+                              <a:latin typeface="Cambria Math" charset="0"/>
+                              <a:ea typeface="Roboto"/>
+                              <a:cs typeface="Roboto"/>
+                              <a:sym typeface="Roboto"/>
+                            </a:rPr>
+                            <m:t>,</m:t>
+                          </m:r>
+                          <m:r>
+                            <a:rPr lang="en-US" sz="1800" b="1" i="1">
+                              <a:latin typeface="Cambria Math" charset="0"/>
+                              <a:ea typeface="Roboto"/>
+                              <a:cs typeface="Roboto"/>
+                              <a:sym typeface="Roboto"/>
+                            </a:rPr>
+                            <m:t>𝒂</m:t>
+                          </m:r>
+                        </m:e>
+                      </m:d>
+                      <m:r>
+                        <a:rPr lang="en-US" sz="1800" b="1" i="1">
+                          <a:latin typeface="Cambria Math" charset="0"/>
+                          <a:ea typeface="Roboto"/>
+                          <a:cs typeface="Roboto"/>
+                          <a:sym typeface="Roboto"/>
+                        </a:rPr>
+                        <m:t>+</m:t>
+                      </m:r>
+                      <m:r>
+                        <a:rPr lang="en-US" sz="1800" b="1" i="1">
+                          <a:latin typeface="Cambria Math" charset="0"/>
+                          <a:ea typeface="Roboto"/>
+                          <a:cs typeface="Roboto"/>
+                          <a:sym typeface="Roboto"/>
+                        </a:rPr>
+                        <m:t>𝜶</m:t>
+                      </m:r>
+                      <m:d>
+                        <m:dPr>
+                          <m:begChr m:val="["/>
+                          <m:endChr m:val="]"/>
+                          <m:ctrlPr>
+                            <a:rPr lang="en-US" sz="1800" b="1" i="1">
+                              <a:latin typeface="Cambria Math" charset="0"/>
+                              <a:ea typeface="Roboto"/>
+                              <a:cs typeface="Roboto"/>
+                              <a:sym typeface="Roboto"/>
+                            </a:rPr>
+                          </m:ctrlPr>
+                        </m:dPr>
+                        <m:e>
+                          <m:r>
+                            <a:rPr lang="en-US" sz="1800" b="1" i="1">
+                              <a:latin typeface="Cambria Math" charset="0"/>
+                              <a:ea typeface="Roboto"/>
+                              <a:cs typeface="Roboto"/>
+                              <a:sym typeface="Roboto"/>
+                            </a:rPr>
+                            <m:t>𝑹</m:t>
+                          </m:r>
+                          <m:d>
+                            <m:dPr>
+                              <m:ctrlPr>
+                                <a:rPr lang="en-US" sz="1800" b="1" i="1">
+                                  <a:latin typeface="Cambria Math" charset="0"/>
+                                  <a:ea typeface="Roboto"/>
+                                  <a:cs typeface="Roboto"/>
+                                  <a:sym typeface="Roboto"/>
+                                </a:rPr>
+                              </m:ctrlPr>
+                            </m:dPr>
+                            <m:e>
+                              <m:r>
+                                <a:rPr lang="en-US" sz="1800" b="1" i="1">
+                                  <a:latin typeface="Cambria Math" charset="0"/>
+                                  <a:ea typeface="Roboto"/>
+                                  <a:cs typeface="Roboto"/>
+                                  <a:sym typeface="Roboto"/>
+                                </a:rPr>
+                                <m:t>𝒔</m:t>
+                              </m:r>
+                              <m:r>
+                                <a:rPr lang="en-US" sz="1800" b="1" i="1">
+                                  <a:latin typeface="Cambria Math" charset="0"/>
+                                  <a:ea typeface="Roboto"/>
+                                  <a:cs typeface="Roboto"/>
+                                  <a:sym typeface="Roboto"/>
+                                </a:rPr>
+                                <m:t>,</m:t>
+                              </m:r>
+                              <m:r>
+                                <a:rPr lang="en-US" sz="1800" b="1" i="1">
+                                  <a:latin typeface="Cambria Math" charset="0"/>
+                                  <a:ea typeface="Roboto"/>
+                                  <a:cs typeface="Roboto"/>
+                                  <a:sym typeface="Roboto"/>
+                                </a:rPr>
+                                <m:t>𝒂</m:t>
+                              </m:r>
+                            </m:e>
+                          </m:d>
+                          <m:r>
+                            <a:rPr lang="en-US" sz="1800" b="1" i="1">
+                              <a:latin typeface="Cambria Math" charset="0"/>
+                              <a:ea typeface="Roboto"/>
+                              <a:cs typeface="Roboto"/>
+                              <a:sym typeface="Roboto"/>
+                            </a:rPr>
+                            <m:t>+</m:t>
+                          </m:r>
+                          <m:r>
+                            <a:rPr lang="en-US" sz="1800" b="1" i="1">
+                              <a:latin typeface="Cambria Math" charset="0"/>
+                              <a:ea typeface="Roboto"/>
+                              <a:cs typeface="Roboto"/>
+                              <a:sym typeface="Roboto"/>
+                            </a:rPr>
+                            <m:t>𝜸</m:t>
+                          </m:r>
+                          <m:r>
+                            <a:rPr lang="en-US" sz="1800" b="1" i="1">
+                              <a:latin typeface="Cambria Math" charset="0"/>
+                              <a:ea typeface="Roboto"/>
+                              <a:cs typeface="Roboto"/>
+                              <a:sym typeface="Roboto"/>
+                            </a:rPr>
+                            <m:t> </m:t>
+                          </m:r>
+                          <m:r>
+                            <a:rPr lang="en-US" sz="1800" b="1" i="1">
+                              <a:latin typeface="Cambria Math" charset="0"/>
+                              <a:ea typeface="Roboto"/>
+                              <a:cs typeface="Roboto"/>
+                              <a:sym typeface="Roboto"/>
+                            </a:rPr>
+                            <m:t>𝑸</m:t>
+                          </m:r>
+                          <m:d>
+                            <m:dPr>
+                              <m:ctrlPr>
+                                <a:rPr lang="en-US" sz="1800" b="1" i="1">
+                                  <a:latin typeface="Cambria Math" charset="0"/>
+                                  <a:ea typeface="Roboto"/>
+                                  <a:cs typeface="Roboto"/>
+                                  <a:sym typeface="Roboto"/>
+                                </a:rPr>
+                              </m:ctrlPr>
+                            </m:dPr>
+                            <m:e>
+                              <m:sSup>
+                                <m:sSupPr>
+                                  <m:ctrlPr>
+                                    <a:rPr lang="en-US" sz="1800" b="1" i="1">
+                                      <a:latin typeface="Cambria Math" charset="0"/>
+                                      <a:ea typeface="Roboto"/>
+                                      <a:cs typeface="Roboto"/>
+                                      <a:sym typeface="Roboto"/>
+                                    </a:rPr>
+                                  </m:ctrlPr>
+                                </m:sSupPr>
+                                <m:e>
+                                  <m:r>
+                                    <a:rPr lang="en-US" sz="1800" b="1" i="1">
+                                      <a:latin typeface="Cambria Math" charset="0"/>
+                                      <a:ea typeface="Roboto"/>
+                                      <a:cs typeface="Roboto"/>
+                                      <a:sym typeface="Roboto"/>
+                                    </a:rPr>
+                                    <m:t>𝒔</m:t>
+                                  </m:r>
+                                </m:e>
+                                <m:sup>
+                                  <m:r>
+                                    <a:rPr lang="en-US" sz="1800" b="1" i="1">
+                                      <a:latin typeface="Cambria Math" charset="0"/>
+                                      <a:ea typeface="Roboto"/>
+                                      <a:cs typeface="Roboto"/>
+                                      <a:sym typeface="Roboto"/>
+                                    </a:rPr>
+                                    <m:t>′</m:t>
+                                  </m:r>
+                                </m:sup>
+                              </m:sSup>
+                              <m:r>
+                                <a:rPr lang="en-US" sz="1800" b="1" i="1">
+                                  <a:latin typeface="Cambria Math" charset="0"/>
+                                  <a:ea typeface="Roboto"/>
+                                  <a:cs typeface="Roboto"/>
+                                  <a:sym typeface="Roboto"/>
+                                </a:rPr>
+                                <m:t>,</m:t>
+                              </m:r>
+                              <m:sSup>
+                                <m:sSupPr>
+                                  <m:ctrlPr>
+                                    <a:rPr lang="en-US" sz="1800" b="1" i="1">
+                                      <a:latin typeface="Cambria Math" charset="0"/>
+                                      <a:ea typeface="Roboto"/>
+                                      <a:cs typeface="Roboto"/>
+                                      <a:sym typeface="Roboto"/>
+                                    </a:rPr>
+                                  </m:ctrlPr>
+                                </m:sSupPr>
+                                <m:e>
+                                  <m:r>
+                                    <a:rPr lang="en-US" sz="1800" b="1" i="1">
+                                      <a:latin typeface="Cambria Math" charset="0"/>
+                                      <a:ea typeface="Roboto"/>
+                                      <a:cs typeface="Roboto"/>
+                                      <a:sym typeface="Roboto"/>
+                                    </a:rPr>
+                                    <m:t>𝒂</m:t>
+                                  </m:r>
+                                </m:e>
+                                <m:sup>
+                                  <m:r>
+                                    <a:rPr lang="en-US" sz="1800" b="1" i="1">
+                                      <a:latin typeface="Cambria Math" charset="0"/>
+                                      <a:ea typeface="Roboto"/>
+                                      <a:cs typeface="Roboto"/>
+                                      <a:sym typeface="Roboto"/>
+                                    </a:rPr>
+                                    <m:t>′</m:t>
+                                  </m:r>
+                                </m:sup>
+                              </m:sSup>
+                              <m:r>
+                                <a:rPr lang="en-US" sz="1800" b="1" i="1" smtClean="0">
+                                  <a:latin typeface="Cambria Math" charset="0"/>
+                                  <a:ea typeface="Roboto"/>
+                                  <a:cs typeface="Roboto"/>
+                                  <a:sym typeface="Roboto"/>
+                                </a:rPr>
+                                <m:t>~</m:t>
+                              </m:r>
+                              <m:r>
+                                <a:rPr lang="en-US" sz="1800" b="1" i="1" smtClean="0">
+                                  <a:latin typeface="Cambria Math" charset="0"/>
+                                  <a:ea typeface="Roboto"/>
+                                  <a:cs typeface="Roboto"/>
+                                  <a:sym typeface="Roboto"/>
+                                </a:rPr>
+                                <m:t>𝝅</m:t>
+                              </m:r>
+                            </m:e>
+                          </m:d>
+                          <m:r>
+                            <a:rPr lang="en-US" sz="1800" b="1" i="1">
+                              <a:latin typeface="Cambria Math" charset="0"/>
+                              <a:ea typeface="Roboto"/>
+                              <a:cs typeface="Roboto"/>
+                              <a:sym typeface="Roboto"/>
+                            </a:rPr>
+                            <m:t>−</m:t>
+                          </m:r>
+                          <m:r>
+                            <a:rPr lang="en-US" sz="1800" b="1" i="1">
+                              <a:latin typeface="Cambria Math" charset="0"/>
+                              <a:ea typeface="Roboto"/>
+                              <a:cs typeface="Roboto"/>
+                              <a:sym typeface="Roboto"/>
+                            </a:rPr>
+                            <m:t>𝑸</m:t>
+                          </m:r>
+                          <m:d>
+                            <m:dPr>
+                              <m:ctrlPr>
+                                <a:rPr lang="en-US" sz="1800" b="1" i="1">
+                                  <a:latin typeface="Cambria Math" charset="0"/>
+                                  <a:ea typeface="Roboto"/>
+                                  <a:cs typeface="Roboto"/>
+                                  <a:sym typeface="Roboto"/>
+                                </a:rPr>
+                              </m:ctrlPr>
+                            </m:dPr>
+                            <m:e>
+                              <m:r>
+                                <a:rPr lang="en-US" sz="1800" b="1" i="1">
+                                  <a:latin typeface="Cambria Math" charset="0"/>
+                                  <a:ea typeface="Roboto"/>
+                                  <a:cs typeface="Roboto"/>
+                                  <a:sym typeface="Roboto"/>
+                                </a:rPr>
+                                <m:t>𝒔</m:t>
+                              </m:r>
+                              <m:r>
+                                <a:rPr lang="en-US" sz="1800" b="1" i="1">
+                                  <a:latin typeface="Cambria Math" charset="0"/>
+                                  <a:ea typeface="Roboto"/>
+                                  <a:cs typeface="Roboto"/>
+                                  <a:sym typeface="Roboto"/>
+                                </a:rPr>
+                                <m:t>,</m:t>
+                              </m:r>
+                              <m:r>
+                                <a:rPr lang="en-US" sz="1800" b="1" i="1">
+                                  <a:latin typeface="Cambria Math" charset="0"/>
+                                  <a:ea typeface="Roboto"/>
+                                  <a:cs typeface="Roboto"/>
+                                  <a:sym typeface="Roboto"/>
+                                </a:rPr>
+                                <m:t>𝒂</m:t>
+                              </m:r>
+                            </m:e>
+                          </m:d>
+                        </m:e>
+                      </m:d>
+                    </m:oMath>
+                  </m:oMathPara>
+                </a14:m>
+                <a:endParaRPr lang="en-US" sz="1800" b="1" dirty="0" smtClean="0">
+                  <a:latin typeface="Karla" charset="0"/>
+                  <a:ea typeface="Karla" charset="0"/>
+                  <a:cs typeface="Karla" charset="0"/>
+                  <a:sym typeface="Roboto"/>
+                </a:endParaRPr>
+              </a:p>
+              <a:p>
+                <a:pPr marL="457200" lvl="0" algn="ctr">
+                  <a:lnSpc>
+                    <a:spcPct val="150000"/>
+                  </a:lnSpc>
+                  <a:spcBef>
+                    <a:spcPts val="0"/>
+                  </a:spcBef>
+                </a:pPr>
+                <a:r>
+                  <a:rPr lang="en" sz="1800" b="1" dirty="0" smtClean="0">
+                    <a:latin typeface="Karla" charset="0"/>
+                    <a:ea typeface="Karla" charset="0"/>
+                    <a:cs typeface="Karla" charset="0"/>
+                    <a:sym typeface="Roboto"/>
+                  </a:rPr>
+                  <a:t>𝛑 </a:t>
+                </a:r>
+                <a:r>
+                  <a:rPr lang="en" sz="1800" dirty="0">
+                    <a:latin typeface="Karla" charset="0"/>
+                    <a:ea typeface="Karla" charset="0"/>
+                    <a:cs typeface="Karla" charset="0"/>
+                    <a:sym typeface="Roboto"/>
+                  </a:rPr>
+                  <a:t>- Data collection policy</a:t>
+                </a:r>
+              </a:p>
+              <a:p>
+                <a:pPr marL="914400" lvl="0">
+                  <a:lnSpc>
+                    <a:spcPct val="150000"/>
+                  </a:lnSpc>
+                  <a:spcBef>
+                    <a:spcPts val="0"/>
+                  </a:spcBef>
+                </a:pPr>
+                <a:endParaRPr lang="en" sz="1800" dirty="0">
+                  <a:latin typeface="Karla" charset="0"/>
+                  <a:ea typeface="Karla" charset="0"/>
+                  <a:cs typeface="Karla" charset="0"/>
+                  <a:sym typeface="Roboto"/>
+                </a:endParaRPr>
+              </a:p>
+              <a:p>
+                <a:pPr marL="457200" lvl="0" indent="-342900">
+                  <a:lnSpc>
+                    <a:spcPct val="150000"/>
+                  </a:lnSpc>
+                  <a:spcBef>
+                    <a:spcPts val="0"/>
+                  </a:spcBef>
+                  <a:buSzPts val="1800"/>
+                  <a:buFont typeface="Roboto"/>
+                  <a:buChar char="●"/>
+                </a:pPr>
+                <a:r>
+                  <a:rPr lang="en" sz="1800" dirty="0">
+                    <a:latin typeface="Karla" charset="0"/>
+                    <a:ea typeface="Karla" charset="0"/>
+                    <a:cs typeface="Karla" charset="0"/>
+                    <a:sym typeface="Roboto"/>
+                  </a:rPr>
+                  <a:t>ON-Policy Learning : While learning the optimal policy it uses the current estimate of the optimal policy to generate the </a:t>
+                </a:r>
+                <a:r>
+                  <a:rPr lang="en" sz="1800" dirty="0" err="1">
+                    <a:latin typeface="Karla" charset="0"/>
+                    <a:ea typeface="Karla" charset="0"/>
+                    <a:cs typeface="Karla" charset="0"/>
+                    <a:sym typeface="Roboto"/>
+                  </a:rPr>
+                  <a:t>behaviour</a:t>
+                </a:r>
+                <a:endParaRPr lang="en" sz="1800" dirty="0">
+                  <a:latin typeface="Karla" charset="0"/>
+                  <a:ea typeface="Karla" charset="0"/>
+                  <a:cs typeface="Karla" charset="0"/>
+                  <a:sym typeface="Roboto"/>
+                </a:endParaRPr>
+              </a:p>
+            </p:txBody>
+          </p:sp>
+        </mc:Choice>
+        <mc:Fallback>
+          <p:sp>
+            <p:nvSpPr>
+              <p:cNvPr id="3" name="Content Placeholder 2"/>
+              <p:cNvSpPr>
+                <a:spLocks noGrp="1" noRot="1" noChangeAspect="1" noMove="1" noResize="1" noEditPoints="1" noAdjustHandles="1" noChangeArrowheads="1" noChangeShapeType="1" noTextEdit="1"/>
+              </p:cNvSpPr>
+              <p:nvPr>
+                <p:ph idx="1"/>
+              </p:nvPr>
+            </p:nvSpPr>
+            <p:spPr>
+              <a:xfrm>
+                <a:off x="625061" y="883319"/>
+                <a:ext cx="8422686" cy="2641934"/>
+              </a:xfrm>
+              <a:blipFill rotWithShape="0">
+                <a:blip r:embed="rId2"/>
+                <a:stretch>
+                  <a:fillRect r="-434" b="-14781"/>
+                </a:stretch>
+              </a:blipFill>
+            </p:spPr>
+            <p:txBody>
+              <a:bodyPr/>
+              <a:lstStyle/>
+              <a:p>
+                <a:r>
+                  <a:rPr lang="en-US">
+                    <a:noFill/>
+                  </a:rPr>
+                  <a:t> </a:t>
+                </a:r>
+              </a:p>
+            </p:txBody>
+          </p:sp>
+        </mc:Fallback>
+      </mc:AlternateContent>
     </p:spTree>
+    <p:extLst>
+      <p:ext uri="{BB962C8B-B14F-4D97-AF65-F5344CB8AC3E}">
+        <p14:creationId xmlns:p14="http://schemas.microsoft.com/office/powerpoint/2010/main" val="647694168"/>
+      </p:ext>
+    </p:extLst>
   </p:cSld>
   <p:clrMapOvr>
     <a:masterClrMapping/>
@@ -38582,7 +38154,7 @@
   <p:cSld>
     <p:spTree>
       <p:nvGrpSpPr>
-        <p:cNvPr id="1" name="Shape 226"/>
+        <p:cNvPr id="1" name=""/>
         <p:cNvGrpSpPr/>
         <p:nvPr/>
       </p:nvGrpSpPr>
@@ -38596,87 +38168,52 @@
       </p:grpSpPr>
       <p:sp>
         <p:nvSpPr>
-          <p:cNvPr id="227" name="Google Shape;227;p38"/>
-          <p:cNvSpPr txBox="1">
+          <p:cNvPr id="2" name="Title 1"/>
+          <p:cNvSpPr>
             <a:spLocks noGrp="1"/>
           </p:cNvSpPr>
           <p:nvPr>
             <p:ph type="title"/>
           </p:nvPr>
         </p:nvSpPr>
-        <p:spPr>
-          <a:xfrm>
-            <a:off x="481800" y="118614"/>
-            <a:ext cx="8222100" cy="767700"/>
-          </a:xfrm>
-          <a:prstGeom prst="rect">
-            <a:avLst/>
-          </a:prstGeom>
-        </p:spPr>
+        <p:spPr/>
         <p:txBody>
-          <a:bodyPr spcFirstLastPara="1" wrap="square" lIns="91425" tIns="91425" rIns="91425" bIns="91425" anchor="b" anchorCtr="0">
-            <a:noAutofit/>
-          </a:bodyPr>
+          <a:bodyPr/>
           <a:lstStyle/>
           <a:p>
-            <a:pPr marL="0" lvl="0" indent="0" algn="l" rtl="0">
-              <a:spcBef>
-                <a:spcPts val="0"/>
-              </a:spcBef>
-              <a:spcAft>
-                <a:spcPts val="0"/>
-              </a:spcAft>
-              <a:buNone/>
-            </a:pPr>
-            <a:r>
-              <a:rPr lang="en"/>
+            <a:r>
+              <a:rPr lang="en" dirty="0"/>
               <a:t>Q-Learning and SARSA Algorithm</a:t>
             </a:r>
-            <a:endParaRPr dirty="0"/>
+            <a:endParaRPr lang="en-US" dirty="0"/>
           </a:p>
         </p:txBody>
       </p:sp>
       <p:sp>
         <p:nvSpPr>
-          <p:cNvPr id="228" name="Google Shape;228;p38"/>
-          <p:cNvSpPr txBox="1"/>
-          <p:nvPr/>
+          <p:cNvPr id="3" name="Content Placeholder 2"/>
+          <p:cNvSpPr>
+            <a:spLocks noGrp="1"/>
+          </p:cNvSpPr>
+          <p:nvPr>
+            <p:ph idx="1"/>
+          </p:nvPr>
         </p:nvSpPr>
-        <p:spPr>
-          <a:xfrm>
-            <a:off x="228300" y="1418844"/>
-            <a:ext cx="8729100" cy="3209700"/>
-          </a:xfrm>
-          <a:prstGeom prst="rect">
-            <a:avLst/>
-          </a:prstGeom>
-          <a:noFill/>
-          <a:ln>
-            <a:noFill/>
-          </a:ln>
-        </p:spPr>
+        <p:spPr/>
         <p:txBody>
-          <a:bodyPr spcFirstLastPara="1" wrap="square" lIns="91425" tIns="91425" rIns="91425" bIns="91425" anchor="t" anchorCtr="0">
-            <a:noAutofit/>
-          </a:bodyPr>
+          <a:bodyPr/>
           <a:lstStyle/>
           <a:p>
-            <a:pPr marL="457200" lvl="0" indent="-330200" algn="l" rtl="0">
-              <a:lnSpc>
-                <a:spcPct val="150000"/>
-              </a:lnSpc>
+            <a:pPr marL="457200" lvl="0" indent="-330200">
               <a:spcBef>
-                <a:spcPts val="0"/>
+                <a:spcPts val="1800"/>
               </a:spcBef>
-              <a:spcAft>
-                <a:spcPts val="0"/>
-              </a:spcAft>
               <a:buSzPts val="1600"/>
               <a:buFont typeface="Roboto"/>
               <a:buAutoNum type="arabicPeriod"/>
             </a:pPr>
             <a:r>
-              <a:rPr lang="en" sz="1600" dirty="0">
+              <a:rPr lang="en" sz="1800" dirty="0">
                 <a:latin typeface="Karla" charset="0"/>
                 <a:ea typeface="Karla" charset="0"/>
                 <a:cs typeface="Karla" charset="0"/>
@@ -38684,30 +38221,18 @@
               </a:rPr>
               <a:t>Start with a random Q-table (S X A). </a:t>
             </a:r>
-            <a:endParaRPr sz="1600" dirty="0">
-              <a:latin typeface="Karla" charset="0"/>
-              <a:ea typeface="Karla" charset="0"/>
-              <a:cs typeface="Karla" charset="0"/>
-              <a:sym typeface="Roboto"/>
-            </a:endParaRPr>
-          </a:p>
-          <a:p>
-            <a:pPr marL="457200" lvl="0" indent="-330200" algn="l" rtl="0">
-              <a:lnSpc>
-                <a:spcPct val="150000"/>
-              </a:lnSpc>
+          </a:p>
+          <a:p>
+            <a:pPr marL="457200" lvl="0" indent="-330200">
               <a:spcBef>
-                <a:spcPts val="0"/>
+                <a:spcPts val="1800"/>
               </a:spcBef>
-              <a:spcAft>
-                <a:spcPts val="0"/>
-              </a:spcAft>
               <a:buSzPts val="1600"/>
               <a:buFont typeface="Roboto"/>
               <a:buAutoNum type="arabicPeriod"/>
             </a:pPr>
             <a:r>
-              <a:rPr lang="en" sz="1600" dirty="0">
+              <a:rPr lang="en" sz="1800" dirty="0">
                 <a:latin typeface="Karla" charset="0"/>
                 <a:ea typeface="Karla" charset="0"/>
                 <a:cs typeface="Karla" charset="0"/>
@@ -38715,30 +38240,18 @@
               </a:rPr>
               <a:t>Choose one among the two actions </a:t>
             </a:r>
-            <a:endParaRPr sz="1600" dirty="0">
-              <a:latin typeface="Karla" charset="0"/>
-              <a:ea typeface="Karla" charset="0"/>
-              <a:cs typeface="Karla" charset="0"/>
-              <a:sym typeface="Roboto"/>
-            </a:endParaRPr>
-          </a:p>
-          <a:p>
-            <a:pPr marL="914400" lvl="1" indent="-330200" algn="l" rtl="0">
-              <a:lnSpc>
-                <a:spcPct val="150000"/>
-              </a:lnSpc>
+          </a:p>
+          <a:p>
+            <a:pPr marL="914400" lvl="1" indent="-330200">
               <a:spcBef>
-                <a:spcPts val="0"/>
+                <a:spcPts val="1800"/>
               </a:spcBef>
-              <a:spcAft>
-                <a:spcPts val="0"/>
-              </a:spcAft>
               <a:buSzPts val="1600"/>
               <a:buFont typeface="Roboto"/>
               <a:buAutoNum type="alphaLcPeriod"/>
             </a:pPr>
             <a:r>
-              <a:rPr lang="en" sz="1600" dirty="0">
+              <a:rPr lang="en" dirty="0">
                 <a:latin typeface="Karla" charset="0"/>
                 <a:ea typeface="Karla" charset="0"/>
                 <a:cs typeface="Karla" charset="0"/>
@@ -38746,30 +38259,18 @@
               </a:rPr>
               <a:t>(𝜀-greedy) With probability 𝜀, choose a random action (EXPLORATION)</a:t>
             </a:r>
-            <a:endParaRPr sz="1600" dirty="0">
-              <a:latin typeface="Karla" charset="0"/>
-              <a:ea typeface="Karla" charset="0"/>
-              <a:cs typeface="Karla" charset="0"/>
-              <a:sym typeface="Roboto"/>
-            </a:endParaRPr>
-          </a:p>
-          <a:p>
-            <a:pPr marL="914400" lvl="1" indent="-330200" algn="l" rtl="0">
-              <a:lnSpc>
-                <a:spcPct val="150000"/>
-              </a:lnSpc>
+          </a:p>
+          <a:p>
+            <a:pPr marL="914400" lvl="1" indent="-330200">
               <a:spcBef>
-                <a:spcPts val="0"/>
+                <a:spcPts val="1800"/>
               </a:spcBef>
-              <a:spcAft>
-                <a:spcPts val="0"/>
-              </a:spcAft>
               <a:buSzPts val="1600"/>
               <a:buFont typeface="Roboto"/>
               <a:buAutoNum type="alphaLcPeriod"/>
             </a:pPr>
             <a:r>
-              <a:rPr lang="en" sz="1600" dirty="0">
+              <a:rPr lang="en" dirty="0">
                 <a:latin typeface="Karla" charset="0"/>
                 <a:ea typeface="Karla" charset="0"/>
                 <a:cs typeface="Karla" charset="0"/>
@@ -38777,30 +38278,18 @@
               </a:rPr>
               <a:t>With probability 1-𝜀, an action that maximizes Q-value from a state.(EXPLOITATION)</a:t>
             </a:r>
-            <a:endParaRPr sz="1600" dirty="0">
-              <a:latin typeface="Karla" charset="0"/>
-              <a:ea typeface="Karla" charset="0"/>
-              <a:cs typeface="Karla" charset="0"/>
-              <a:sym typeface="Roboto"/>
-            </a:endParaRPr>
-          </a:p>
-          <a:p>
-            <a:pPr marL="457200" lvl="0" indent="-330200" algn="l" rtl="0">
-              <a:lnSpc>
-                <a:spcPct val="150000"/>
-              </a:lnSpc>
+          </a:p>
+          <a:p>
+            <a:pPr marL="457200" lvl="0" indent="-330200">
               <a:spcBef>
-                <a:spcPts val="0"/>
+                <a:spcPts val="1800"/>
               </a:spcBef>
-              <a:spcAft>
-                <a:spcPts val="0"/>
-              </a:spcAft>
               <a:buSzPts val="1600"/>
               <a:buFont typeface="Roboto"/>
               <a:buAutoNum type="arabicPeriod"/>
             </a:pPr>
             <a:r>
-              <a:rPr lang="en" sz="1600" dirty="0">
+              <a:rPr lang="en" sz="1800" dirty="0">
                 <a:latin typeface="Karla" charset="0"/>
                 <a:ea typeface="Karla" charset="0"/>
                 <a:cs typeface="Karla" charset="0"/>
@@ -38809,7 +38298,7 @@
               <a:t>Perform an action and collect transition (</a:t>
             </a:r>
             <a:r>
-              <a:rPr lang="en" sz="1600" dirty="0" err="1">
+              <a:rPr lang="en" sz="1800" dirty="0" err="1">
                 <a:latin typeface="Karla" charset="0"/>
                 <a:ea typeface="Karla" charset="0"/>
                 <a:cs typeface="Karla" charset="0"/>
@@ -38818,7 +38307,7 @@
               <a:t>s,a,r,s</a:t>
             </a:r>
             <a:r>
-              <a:rPr lang="en" sz="1600" dirty="0">
+              <a:rPr lang="en" sz="1800" dirty="0">
                 <a:latin typeface="Karla" charset="0"/>
                 <a:ea typeface="Karla" charset="0"/>
                 <a:cs typeface="Karla" charset="0"/>
@@ -38826,30 +38315,18 @@
               </a:rPr>
               <a:t>’)</a:t>
             </a:r>
-            <a:endParaRPr sz="1600" dirty="0">
-              <a:latin typeface="Karla" charset="0"/>
-              <a:ea typeface="Karla" charset="0"/>
-              <a:cs typeface="Karla" charset="0"/>
-              <a:sym typeface="Roboto"/>
-            </a:endParaRPr>
-          </a:p>
-          <a:p>
-            <a:pPr marL="457200" lvl="0" indent="-330200" algn="l" rtl="0">
-              <a:lnSpc>
-                <a:spcPct val="150000"/>
-              </a:lnSpc>
+          </a:p>
+          <a:p>
+            <a:pPr marL="457200" lvl="0" indent="-330200">
               <a:spcBef>
-                <a:spcPts val="0"/>
+                <a:spcPts val="1800"/>
               </a:spcBef>
-              <a:spcAft>
-                <a:spcPts val="0"/>
-              </a:spcAft>
               <a:buSzPts val="1600"/>
               <a:buFont typeface="Roboto"/>
               <a:buAutoNum type="arabicPeriod"/>
             </a:pPr>
             <a:r>
-              <a:rPr lang="en" sz="1600" dirty="0">
+              <a:rPr lang="en" sz="1800" dirty="0">
                 <a:latin typeface="Karla" charset="0"/>
                 <a:ea typeface="Karla" charset="0"/>
                 <a:cs typeface="Karla" charset="0"/>
@@ -38857,30 +38334,18 @@
               </a:rPr>
               <a:t>Update Q-table using the corresponding TD updates.</a:t>
             </a:r>
-            <a:endParaRPr sz="1600" dirty="0">
-              <a:latin typeface="Karla" charset="0"/>
-              <a:ea typeface="Karla" charset="0"/>
-              <a:cs typeface="Karla" charset="0"/>
-              <a:sym typeface="Roboto"/>
-            </a:endParaRPr>
-          </a:p>
-          <a:p>
-            <a:pPr marL="457200" lvl="0" indent="-330200" algn="l" rtl="0">
-              <a:lnSpc>
-                <a:spcPct val="150000"/>
-              </a:lnSpc>
+          </a:p>
+          <a:p>
+            <a:pPr marL="457200" lvl="0" indent="-330200">
               <a:spcBef>
-                <a:spcPts val="0"/>
+                <a:spcPts val="1800"/>
               </a:spcBef>
-              <a:spcAft>
-                <a:spcPts val="0"/>
-              </a:spcAft>
               <a:buSzPts val="1600"/>
               <a:buFont typeface="Roboto"/>
               <a:buAutoNum type="arabicPeriod"/>
             </a:pPr>
             <a:r>
-              <a:rPr lang="en" sz="1600" dirty="0">
+              <a:rPr lang="en" sz="1800" dirty="0">
                 <a:latin typeface="Karla" charset="0"/>
                 <a:ea typeface="Karla" charset="0"/>
                 <a:cs typeface="Karla" charset="0"/>
@@ -38888,16 +38353,23 @@
               </a:rPr>
               <a:t>Repeat steps 2-5 till convergence of Q-values across all states.</a:t>
             </a:r>
-            <a:endParaRPr sz="1600" dirty="0">
-              <a:latin typeface="Karla" charset="0"/>
-              <a:ea typeface="Karla" charset="0"/>
-              <a:cs typeface="Karla" charset="0"/>
-              <a:sym typeface="Roboto"/>
-            </a:endParaRPr>
+          </a:p>
+          <a:p>
+            <a:pPr>
+              <a:spcBef>
+                <a:spcPts val="1800"/>
+              </a:spcBef>
+            </a:pPr>
+            <a:endParaRPr lang="en-US" dirty="0"/>
           </a:p>
         </p:txBody>
       </p:sp>
     </p:spTree>
+    <p:extLst>
+      <p:ext uri="{BB962C8B-B14F-4D97-AF65-F5344CB8AC3E}">
+        <p14:creationId xmlns:p14="http://schemas.microsoft.com/office/powerpoint/2010/main" val="67707323"/>
+      </p:ext>
+    </p:extLst>
   </p:cSld>
   <p:clrMapOvr>
     <a:masterClrMapping/>
@@ -38905,265 +38377,7 @@
   <p:timing>
     <p:tnLst>
       <p:par>
-        <p:cTn id="1" dur="indefinite" restart="never" nodeType="tmRoot">
-          <p:childTnLst>
-            <p:seq concurrent="1" nextAc="seek">
-              <p:cTn id="2" dur="indefinite" nodeType="mainSeq">
-                <p:childTnLst>
-                  <p:par>
-                    <p:cTn id="3" fill="hold">
-                      <p:stCondLst>
-                        <p:cond delay="indefinite"/>
-                      </p:stCondLst>
-                      <p:childTnLst>
-                        <p:par>
-                          <p:cTn id="4" fill="hold">
-                            <p:stCondLst>
-                              <p:cond delay="0"/>
-                            </p:stCondLst>
-                            <p:childTnLst>
-                              <p:par>
-                                <p:cTn id="5" presetID="1" presetClass="entr" presetSubtype="0" fill="hold" nodeType="clickEffect">
-                                  <p:stCondLst>
-                                    <p:cond delay="0"/>
-                                  </p:stCondLst>
-                                  <p:childTnLst>
-                                    <p:set>
-                                      <p:cBhvr>
-                                        <p:cTn id="6" dur="1" fill="hold">
-                                          <p:stCondLst>
-                                            <p:cond delay="0"/>
-                                          </p:stCondLst>
-                                        </p:cTn>
-                                        <p:tgtEl>
-                                          <p:spTgt spid="228">
-                                            <p:txEl>
-                                              <p:pRg st="0" end="0"/>
-                                            </p:txEl>
-                                          </p:spTgt>
-                                        </p:tgtEl>
-                                        <p:attrNameLst>
-                                          <p:attrName>style.visibility</p:attrName>
-                                        </p:attrNameLst>
-                                      </p:cBhvr>
-                                      <p:to>
-                                        <p:strVal val="visible"/>
-                                      </p:to>
-                                    </p:set>
-                                  </p:childTnLst>
-                                </p:cTn>
-                              </p:par>
-                              <p:par>
-                                <p:cTn id="7" presetID="1" presetClass="entr" presetSubtype="0" fill="hold" nodeType="withEffect">
-                                  <p:stCondLst>
-                                    <p:cond delay="0"/>
-                                  </p:stCondLst>
-                                  <p:childTnLst>
-                                    <p:set>
-                                      <p:cBhvr>
-                                        <p:cTn id="8" dur="1" fill="hold">
-                                          <p:stCondLst>
-                                            <p:cond delay="0"/>
-                                          </p:stCondLst>
-                                        </p:cTn>
-                                        <p:tgtEl>
-                                          <p:spTgt spid="228">
-                                            <p:txEl>
-                                              <p:pRg st="1" end="1"/>
-                                            </p:txEl>
-                                          </p:spTgt>
-                                        </p:tgtEl>
-                                        <p:attrNameLst>
-                                          <p:attrName>style.visibility</p:attrName>
-                                        </p:attrNameLst>
-                                      </p:cBhvr>
-                                      <p:to>
-                                        <p:strVal val="visible"/>
-                                      </p:to>
-                                    </p:set>
-                                  </p:childTnLst>
-                                </p:cTn>
-                              </p:par>
-                              <p:par>
-                                <p:cTn id="9" presetID="1" presetClass="entr" presetSubtype="0" fill="hold" nodeType="withEffect">
-                                  <p:stCondLst>
-                                    <p:cond delay="0"/>
-                                  </p:stCondLst>
-                                  <p:childTnLst>
-                                    <p:set>
-                                      <p:cBhvr>
-                                        <p:cTn id="10" dur="1" fill="hold">
-                                          <p:stCondLst>
-                                            <p:cond delay="0"/>
-                                          </p:stCondLst>
-                                        </p:cTn>
-                                        <p:tgtEl>
-                                          <p:spTgt spid="228">
-                                            <p:txEl>
-                                              <p:pRg st="2" end="2"/>
-                                            </p:txEl>
-                                          </p:spTgt>
-                                        </p:tgtEl>
-                                        <p:attrNameLst>
-                                          <p:attrName>style.visibility</p:attrName>
-                                        </p:attrNameLst>
-                                      </p:cBhvr>
-                                      <p:to>
-                                        <p:strVal val="visible"/>
-                                      </p:to>
-                                    </p:set>
-                                  </p:childTnLst>
-                                </p:cTn>
-                              </p:par>
-                              <p:par>
-                                <p:cTn id="11" presetID="1" presetClass="entr" presetSubtype="0" fill="hold" nodeType="withEffect">
-                                  <p:stCondLst>
-                                    <p:cond delay="0"/>
-                                  </p:stCondLst>
-                                  <p:childTnLst>
-                                    <p:set>
-                                      <p:cBhvr>
-                                        <p:cTn id="12" dur="1" fill="hold">
-                                          <p:stCondLst>
-                                            <p:cond delay="0"/>
-                                          </p:stCondLst>
-                                        </p:cTn>
-                                        <p:tgtEl>
-                                          <p:spTgt spid="228">
-                                            <p:txEl>
-                                              <p:pRg st="3" end="3"/>
-                                            </p:txEl>
-                                          </p:spTgt>
-                                        </p:tgtEl>
-                                        <p:attrNameLst>
-                                          <p:attrName>style.visibility</p:attrName>
-                                        </p:attrNameLst>
-                                      </p:cBhvr>
-                                      <p:to>
-                                        <p:strVal val="visible"/>
-                                      </p:to>
-                                    </p:set>
-                                  </p:childTnLst>
-                                </p:cTn>
-                              </p:par>
-                              <p:par>
-                                <p:cTn id="13" presetID="1" presetClass="entr" presetSubtype="0" fill="hold" nodeType="withEffect">
-                                  <p:stCondLst>
-                                    <p:cond delay="0"/>
-                                  </p:stCondLst>
-                                  <p:childTnLst>
-                                    <p:set>
-                                      <p:cBhvr>
-                                        <p:cTn id="14" dur="1" fill="hold">
-                                          <p:stCondLst>
-                                            <p:cond delay="0"/>
-                                          </p:stCondLst>
-                                        </p:cTn>
-                                        <p:tgtEl>
-                                          <p:spTgt spid="228">
-                                            <p:txEl>
-                                              <p:pRg st="4" end="4"/>
-                                            </p:txEl>
-                                          </p:spTgt>
-                                        </p:tgtEl>
-                                        <p:attrNameLst>
-                                          <p:attrName>style.visibility</p:attrName>
-                                        </p:attrNameLst>
-                                      </p:cBhvr>
-                                      <p:to>
-                                        <p:strVal val="visible"/>
-                                      </p:to>
-                                    </p:set>
-                                  </p:childTnLst>
-                                </p:cTn>
-                              </p:par>
-                              <p:par>
-                                <p:cTn id="15" presetID="1" presetClass="entr" presetSubtype="0" fill="hold" nodeType="withEffect">
-                                  <p:stCondLst>
-                                    <p:cond delay="0"/>
-                                  </p:stCondLst>
-                                  <p:childTnLst>
-                                    <p:set>
-                                      <p:cBhvr>
-                                        <p:cTn id="16" dur="1" fill="hold">
-                                          <p:stCondLst>
-                                            <p:cond delay="0"/>
-                                          </p:stCondLst>
-                                        </p:cTn>
-                                        <p:tgtEl>
-                                          <p:spTgt spid="228">
-                                            <p:txEl>
-                                              <p:pRg st="5" end="5"/>
-                                            </p:txEl>
-                                          </p:spTgt>
-                                        </p:tgtEl>
-                                        <p:attrNameLst>
-                                          <p:attrName>style.visibility</p:attrName>
-                                        </p:attrNameLst>
-                                      </p:cBhvr>
-                                      <p:to>
-                                        <p:strVal val="visible"/>
-                                      </p:to>
-                                    </p:set>
-                                  </p:childTnLst>
-                                </p:cTn>
-                              </p:par>
-                              <p:par>
-                                <p:cTn id="17" presetID="1" presetClass="entr" presetSubtype="0" fill="hold" nodeType="withEffect">
-                                  <p:stCondLst>
-                                    <p:cond delay="0"/>
-                                  </p:stCondLst>
-                                  <p:childTnLst>
-                                    <p:set>
-                                      <p:cBhvr>
-                                        <p:cTn id="18" dur="1" fill="hold">
-                                          <p:stCondLst>
-                                            <p:cond delay="0"/>
-                                          </p:stCondLst>
-                                        </p:cTn>
-                                        <p:tgtEl>
-                                          <p:spTgt spid="228">
-                                            <p:txEl>
-                                              <p:pRg st="6" end="6"/>
-                                            </p:txEl>
-                                          </p:spTgt>
-                                        </p:tgtEl>
-                                        <p:attrNameLst>
-                                          <p:attrName>style.visibility</p:attrName>
-                                        </p:attrNameLst>
-                                      </p:cBhvr>
-                                      <p:to>
-                                        <p:strVal val="visible"/>
-                                      </p:to>
-                                    </p:set>
-                                  </p:childTnLst>
-                                </p:cTn>
-                              </p:par>
-                            </p:childTnLst>
-                          </p:cTn>
-                        </p:par>
-                      </p:childTnLst>
-                    </p:cTn>
-                  </p:par>
-                </p:childTnLst>
-              </p:cTn>
-              <p:prevCondLst>
-                <p:cond evt="onPrev" delay="0">
-                  <p:tgtEl>
-                    <p:sldTgt/>
-                  </p:tgtEl>
-                </p:cond>
-              </p:prevCondLst>
-              <p:nextCondLst>
-                <p:cond evt="onNext" delay="0">
-                  <p:tgtEl>
-                    <p:sldTgt/>
-                  </p:tgtEl>
-                </p:cond>
-              </p:nextCondLst>
-            </p:seq>
-          </p:childTnLst>
-        </p:cTn>
+        <p:cTn id="1" dur="indefinite" restart="never" nodeType="tmRoot"/>
       </p:par>
     </p:tnLst>
   </p:timing>
@@ -39418,6 +38632,10 @@
           </p:nvPr>
         </p:nvSpPr>
         <p:spPr>
+          <a:xfrm>
+            <a:off x="481800" y="305588"/>
+            <a:ext cx="8222100" cy="767700"/>
+          </a:xfrm>
           <a:prstGeom prst="rect">
             <a:avLst/>
           </a:prstGeom>
@@ -39438,10 +38656,24 @@
               <a:buNone/>
             </a:pPr>
             <a:r>
-              <a:rPr lang="en"/>
+              <a:rPr lang="en" dirty="0">
+                <a:solidFill>
+                  <a:schemeClr val="tx1">
+                    <a:lumMod val="75000"/>
+                    <a:lumOff val="25000"/>
+                  </a:schemeClr>
+                </a:solidFill>
+              </a:rPr>
               <a:t>Parametric Q-Learning</a:t>
             </a:r>
-            <a:endParaRPr/>
+            <a:endParaRPr dirty="0">
+              <a:solidFill>
+                <a:schemeClr val="tx1">
+                  <a:lumMod val="75000"/>
+                  <a:lumOff val="25000"/>
+                </a:schemeClr>
+              </a:solidFill>
+            </a:endParaRPr>
           </a:p>
         </p:txBody>
       </p:sp>
@@ -39453,7 +38685,7 @@
         </p:nvSpPr>
         <p:spPr>
           <a:xfrm>
-            <a:off x="228300" y="1933850"/>
+            <a:off x="228300" y="1260081"/>
             <a:ext cx="8729100" cy="3209700"/>
           </a:xfrm>
           <a:prstGeom prst="rect">
@@ -39485,18 +38717,30 @@
               <a:buChar char="●"/>
             </a:pPr>
             <a:r>
-              <a:rPr lang="en" sz="1800">
-                <a:latin typeface="Roboto"/>
-                <a:ea typeface="Roboto"/>
-                <a:cs typeface="Roboto"/>
+              <a:rPr lang="en" sz="1800" dirty="0">
+                <a:solidFill>
+                  <a:schemeClr val="tx1">
+                    <a:lumMod val="75000"/>
+                    <a:lumOff val="25000"/>
+                  </a:schemeClr>
+                </a:solidFill>
+                <a:latin typeface="Karla" charset="0"/>
+                <a:ea typeface="Karla" charset="0"/>
+                <a:cs typeface="Karla" charset="0"/>
                 <a:sym typeface="Roboto"/>
               </a:rPr>
               <a:t>Often hard to learn Q-values in tabular form. E.g. Huge number of states, Continuous state spaces etc.</a:t>
             </a:r>
-            <a:endParaRPr sz="1800">
-              <a:latin typeface="Roboto"/>
-              <a:ea typeface="Roboto"/>
-              <a:cs typeface="Roboto"/>
+            <a:endParaRPr sz="1800" dirty="0">
+              <a:solidFill>
+                <a:schemeClr val="tx1">
+                  <a:lumMod val="75000"/>
+                  <a:lumOff val="25000"/>
+                </a:schemeClr>
+              </a:solidFill>
+              <a:latin typeface="Karla" charset="0"/>
+              <a:ea typeface="Karla" charset="0"/>
+              <a:cs typeface="Karla" charset="0"/>
               <a:sym typeface="Roboto"/>
             </a:endParaRPr>
           </a:p>
@@ -39516,18 +38760,90 @@
               <a:buChar char="●"/>
             </a:pPr>
             <a:r>
-              <a:rPr lang="en" sz="1800">
-                <a:latin typeface="Roboto"/>
-                <a:ea typeface="Roboto"/>
-                <a:cs typeface="Roboto"/>
+              <a:rPr lang="en" sz="1800" dirty="0">
+                <a:solidFill>
+                  <a:schemeClr val="tx1">
+                    <a:lumMod val="75000"/>
+                    <a:lumOff val="25000"/>
+                  </a:schemeClr>
+                </a:solidFill>
+                <a:latin typeface="Karla" charset="0"/>
+                <a:ea typeface="Karla" charset="0"/>
+                <a:cs typeface="Karla" charset="0"/>
                 <a:sym typeface="Roboto"/>
               </a:rPr>
-              <a:t>Parametrize Q(s,a) using any function approximator f - linear model, neural networks etc. and do usual Q-learning.</a:t>
-            </a:r>
-            <a:endParaRPr sz="1800">
-              <a:latin typeface="Roboto"/>
-              <a:ea typeface="Roboto"/>
-              <a:cs typeface="Roboto"/>
+              <a:t>Parametrize Q(</a:t>
+            </a:r>
+            <a:r>
+              <a:rPr lang="en" sz="1800" dirty="0" err="1">
+                <a:solidFill>
+                  <a:schemeClr val="tx1">
+                    <a:lumMod val="75000"/>
+                    <a:lumOff val="25000"/>
+                  </a:schemeClr>
+                </a:solidFill>
+                <a:latin typeface="Karla" charset="0"/>
+                <a:ea typeface="Karla" charset="0"/>
+                <a:cs typeface="Karla" charset="0"/>
+                <a:sym typeface="Roboto"/>
+              </a:rPr>
+              <a:t>s,a</a:t>
+            </a:r>
+            <a:r>
+              <a:rPr lang="en" sz="1800" dirty="0">
+                <a:solidFill>
+                  <a:schemeClr val="tx1">
+                    <a:lumMod val="75000"/>
+                    <a:lumOff val="25000"/>
+                  </a:schemeClr>
+                </a:solidFill>
+                <a:latin typeface="Karla" charset="0"/>
+                <a:ea typeface="Karla" charset="0"/>
+                <a:cs typeface="Karla" charset="0"/>
+                <a:sym typeface="Roboto"/>
+              </a:rPr>
+              <a:t>) using any function </a:t>
+            </a:r>
+            <a:r>
+              <a:rPr lang="en" sz="1800" dirty="0" err="1">
+                <a:solidFill>
+                  <a:schemeClr val="tx1">
+                    <a:lumMod val="75000"/>
+                    <a:lumOff val="25000"/>
+                  </a:schemeClr>
+                </a:solidFill>
+                <a:latin typeface="Karla" charset="0"/>
+                <a:ea typeface="Karla" charset="0"/>
+                <a:cs typeface="Karla" charset="0"/>
+                <a:sym typeface="Roboto"/>
+              </a:rPr>
+              <a:t>approximator</a:t>
+            </a:r>
+            <a:r>
+              <a:rPr lang="en" sz="1800" dirty="0">
+                <a:solidFill>
+                  <a:schemeClr val="tx1">
+                    <a:lumMod val="75000"/>
+                    <a:lumOff val="25000"/>
+                  </a:schemeClr>
+                </a:solidFill>
+                <a:latin typeface="Karla" charset="0"/>
+                <a:ea typeface="Karla" charset="0"/>
+                <a:cs typeface="Karla" charset="0"/>
+                <a:sym typeface="Roboto"/>
+              </a:rPr>
+              <a:t> f - linear model, neural networks etc. and do usual Q-learning.</a:t>
+            </a:r>
+            <a:endParaRPr sz="1800" dirty="0">
+              <a:solidFill>
+                <a:schemeClr val="tx1">
+                  <a:lumMod val="75000"/>
+                  <a:lumOff val="25000"/>
+                </a:schemeClr>
+              </a:solidFill>
+              <a:latin typeface="Karla" charset="0"/>
+              <a:ea typeface="Karla" charset="0"/>
+              <a:cs typeface="Karla" charset="0"/>
               <a:sym typeface="Roboto"/>
             </a:endParaRPr>
           </a:p>
@@ -39545,18 +38861,105 @@
               <a:buNone/>
             </a:pPr>
             <a:r>
-              <a:rPr lang="en" sz="1800">
-                <a:latin typeface="Roboto"/>
-                <a:ea typeface="Roboto"/>
-                <a:cs typeface="Roboto"/>
+              <a:rPr lang="en" sz="1800" dirty="0">
+                <a:solidFill>
+                  <a:schemeClr val="tx1">
+                    <a:lumMod val="75000"/>
+                    <a:lumOff val="25000"/>
+                  </a:schemeClr>
+                </a:solidFill>
+                <a:latin typeface="Karla" charset="0"/>
+                <a:ea typeface="Karla" charset="0"/>
+                <a:cs typeface="Karla" charset="0"/>
                 <a:sym typeface="Roboto"/>
               </a:rPr>
-              <a:t>Q(s,a) = f(s,a;𝜭)         𝜭- model params</a:t>
-            </a:r>
-            <a:endParaRPr sz="1800">
-              <a:latin typeface="Roboto"/>
-              <a:ea typeface="Roboto"/>
-              <a:cs typeface="Roboto"/>
+              <a:t>Q(</a:t>
+            </a:r>
+            <a:r>
+              <a:rPr lang="en" sz="1800" dirty="0" err="1">
+                <a:solidFill>
+                  <a:schemeClr val="tx1">
+                    <a:lumMod val="75000"/>
+                    <a:lumOff val="25000"/>
+                  </a:schemeClr>
+                </a:solidFill>
+                <a:latin typeface="Karla" charset="0"/>
+                <a:ea typeface="Karla" charset="0"/>
+                <a:cs typeface="Karla" charset="0"/>
+                <a:sym typeface="Roboto"/>
+              </a:rPr>
+              <a:t>s,a</a:t>
+            </a:r>
+            <a:r>
+              <a:rPr lang="en" sz="1800" dirty="0">
+                <a:solidFill>
+                  <a:schemeClr val="tx1">
+                    <a:lumMod val="75000"/>
+                    <a:lumOff val="25000"/>
+                  </a:schemeClr>
+                </a:solidFill>
+                <a:latin typeface="Karla" charset="0"/>
+                <a:ea typeface="Karla" charset="0"/>
+                <a:cs typeface="Karla" charset="0"/>
+                <a:sym typeface="Roboto"/>
+              </a:rPr>
+              <a:t>) = f(</a:t>
+            </a:r>
+            <a:r>
+              <a:rPr lang="en" sz="1800" dirty="0" err="1">
+                <a:solidFill>
+                  <a:schemeClr val="tx1">
+                    <a:lumMod val="75000"/>
+                    <a:lumOff val="25000"/>
+                  </a:schemeClr>
+                </a:solidFill>
+                <a:latin typeface="Karla" charset="0"/>
+                <a:ea typeface="Karla" charset="0"/>
+                <a:cs typeface="Karla" charset="0"/>
+                <a:sym typeface="Roboto"/>
+              </a:rPr>
+              <a:t>s,a</a:t>
+            </a:r>
+            <a:r>
+              <a:rPr lang="en" sz="1800" dirty="0">
+                <a:solidFill>
+                  <a:schemeClr val="tx1">
+                    <a:lumMod val="75000"/>
+                    <a:lumOff val="25000"/>
+                  </a:schemeClr>
+                </a:solidFill>
+                <a:latin typeface="Karla" charset="0"/>
+                <a:ea typeface="Karla" charset="0"/>
+                <a:cs typeface="Karla" charset="0"/>
+                <a:sym typeface="Roboto"/>
+              </a:rPr>
+              <a:t>;𝜭)         𝜭- model </a:t>
+            </a:r>
+            <a:r>
+              <a:rPr lang="en" sz="1800" dirty="0" err="1">
+                <a:solidFill>
+                  <a:schemeClr val="tx1">
+                    <a:lumMod val="75000"/>
+                    <a:lumOff val="25000"/>
+                  </a:schemeClr>
+                </a:solidFill>
+                <a:latin typeface="Karla" charset="0"/>
+                <a:ea typeface="Karla" charset="0"/>
+                <a:cs typeface="Karla" charset="0"/>
+                <a:sym typeface="Roboto"/>
+              </a:rPr>
+              <a:t>params</a:t>
+            </a:r>
+            <a:endParaRPr sz="1800" dirty="0">
+              <a:solidFill>
+                <a:schemeClr val="tx1">
+                  <a:lumMod val="75000"/>
+                  <a:lumOff val="25000"/>
+                </a:schemeClr>
+              </a:solidFill>
+              <a:latin typeface="Karla" charset="0"/>
+              <a:ea typeface="Karla" charset="0"/>
+              <a:cs typeface="Karla" charset="0"/>
               <a:sym typeface="Roboto"/>
             </a:endParaRPr>
           </a:p>
@@ -39573,10 +38976,16 @@
               </a:spcAft>
               <a:buNone/>
             </a:pPr>
-            <a:endParaRPr sz="1800">
-              <a:latin typeface="Roboto"/>
-              <a:ea typeface="Roboto"/>
-              <a:cs typeface="Roboto"/>
+            <a:endParaRPr sz="1800" dirty="0">
+              <a:solidFill>
+                <a:schemeClr val="tx1">
+                  <a:lumMod val="75000"/>
+                  <a:lumOff val="25000"/>
+                </a:schemeClr>
+              </a:solidFill>
+              <a:latin typeface="Karla" charset="0"/>
+              <a:ea typeface="Karla" charset="0"/>
+              <a:cs typeface="Karla" charset="0"/>
               <a:sym typeface="Roboto"/>
             </a:endParaRPr>
           </a:p>
@@ -39594,18 +39003,90 @@
               <a:buNone/>
             </a:pPr>
             <a:r>
-              <a:rPr lang="en" sz="1800">
-                <a:latin typeface="Roboto"/>
-                <a:ea typeface="Roboto"/>
-                <a:cs typeface="Roboto"/>
+              <a:rPr lang="en" sz="1800" dirty="0">
+                <a:solidFill>
+                  <a:schemeClr val="tx1">
+                    <a:lumMod val="75000"/>
+                    <a:lumOff val="25000"/>
+                  </a:schemeClr>
+                </a:solidFill>
+                <a:latin typeface="Karla" charset="0"/>
+                <a:ea typeface="Karla" charset="0"/>
+                <a:cs typeface="Karla" charset="0"/>
                 <a:sym typeface="Roboto"/>
               </a:rPr>
-              <a:t>Example : Image Frames in a game - Use ConvNets to parametrize Q(s,a)</a:t>
-            </a:r>
-            <a:endParaRPr sz="1800">
-              <a:latin typeface="Roboto"/>
-              <a:ea typeface="Roboto"/>
-              <a:cs typeface="Roboto"/>
+              <a:t>Example : Image Frames in a game - Use </a:t>
+            </a:r>
+            <a:r>
+              <a:rPr lang="en" sz="1800" dirty="0" err="1">
+                <a:solidFill>
+                  <a:schemeClr val="tx1">
+                    <a:lumMod val="75000"/>
+                    <a:lumOff val="25000"/>
+                  </a:schemeClr>
+                </a:solidFill>
+                <a:latin typeface="Karla" charset="0"/>
+                <a:ea typeface="Karla" charset="0"/>
+                <a:cs typeface="Karla" charset="0"/>
+                <a:sym typeface="Roboto"/>
+              </a:rPr>
+              <a:t>ConvNets</a:t>
+            </a:r>
+            <a:r>
+              <a:rPr lang="en" sz="1800" dirty="0">
+                <a:solidFill>
+                  <a:schemeClr val="tx1">
+                    <a:lumMod val="75000"/>
+                    <a:lumOff val="25000"/>
+                  </a:schemeClr>
+                </a:solidFill>
+                <a:latin typeface="Karla" charset="0"/>
+                <a:ea typeface="Karla" charset="0"/>
+                <a:cs typeface="Karla" charset="0"/>
+                <a:sym typeface="Roboto"/>
+              </a:rPr>
+              <a:t> to parametrize Q(</a:t>
+            </a:r>
+            <a:r>
+              <a:rPr lang="en" sz="1800" dirty="0" err="1">
+                <a:solidFill>
+                  <a:schemeClr val="tx1">
+                    <a:lumMod val="75000"/>
+                    <a:lumOff val="25000"/>
+                  </a:schemeClr>
+                </a:solidFill>
+                <a:latin typeface="Karla" charset="0"/>
+                <a:ea typeface="Karla" charset="0"/>
+                <a:cs typeface="Karla" charset="0"/>
+                <a:sym typeface="Roboto"/>
+              </a:rPr>
+              <a:t>s,a</a:t>
+            </a:r>
+            <a:r>
+              <a:rPr lang="en" sz="1800" dirty="0">
+                <a:solidFill>
+                  <a:schemeClr val="tx1">
+                    <a:lumMod val="75000"/>
+                    <a:lumOff val="25000"/>
+                  </a:schemeClr>
+                </a:solidFill>
+                <a:latin typeface="Karla" charset="0"/>
+                <a:ea typeface="Karla" charset="0"/>
+                <a:cs typeface="Karla" charset="0"/>
+                <a:sym typeface="Roboto"/>
+              </a:rPr>
+              <a:t>)</a:t>
+            </a:r>
+            <a:endParaRPr sz="1800" dirty="0">
+              <a:solidFill>
+                <a:schemeClr val="tx1">
+                  <a:lumMod val="75000"/>
+                  <a:lumOff val="25000"/>
+                </a:schemeClr>
+              </a:solidFill>
+              <a:latin typeface="Karla" charset="0"/>
+              <a:ea typeface="Karla" charset="0"/>
+              <a:cs typeface="Karla" charset="0"/>
               <a:sym typeface="Roboto"/>
             </a:endParaRPr>
           </a:p>
